--- a/Offline Slide.pptx
+++ b/Offline Slide.pptx
@@ -260,7 +260,7 @@
           <a:p>
             <a:fld id="{D1CBADBE-F29A-4ACB-86A5-2945DAC5A707}" type="datetimeFigureOut">
               <a:rPr lang="en-US" smtClean="0"/>
-              <a:t>5/27/2018</a:t>
+              <a:t>7/29/2018</a:t>
             </a:fld>
             <a:endParaRPr lang="en-US"/>
           </a:p>
@@ -458,7 +458,7 @@
           <a:p>
             <a:fld id="{D1CBADBE-F29A-4ACB-86A5-2945DAC5A707}" type="datetimeFigureOut">
               <a:rPr lang="en-US" smtClean="0"/>
-              <a:t>5/27/2018</a:t>
+              <a:t>7/29/2018</a:t>
             </a:fld>
             <a:endParaRPr lang="en-US"/>
           </a:p>
@@ -666,7 +666,7 @@
           <a:p>
             <a:fld id="{D1CBADBE-F29A-4ACB-86A5-2945DAC5A707}" type="datetimeFigureOut">
               <a:rPr lang="en-US" smtClean="0"/>
-              <a:t>5/27/2018</a:t>
+              <a:t>7/29/2018</a:t>
             </a:fld>
             <a:endParaRPr lang="en-US"/>
           </a:p>
@@ -864,7 +864,7 @@
           <a:p>
             <a:fld id="{D1CBADBE-F29A-4ACB-86A5-2945DAC5A707}" type="datetimeFigureOut">
               <a:rPr lang="en-US" smtClean="0"/>
-              <a:t>5/27/2018</a:t>
+              <a:t>7/29/2018</a:t>
             </a:fld>
             <a:endParaRPr lang="en-US"/>
           </a:p>
@@ -1139,7 +1139,7 @@
           <a:p>
             <a:fld id="{D1CBADBE-F29A-4ACB-86A5-2945DAC5A707}" type="datetimeFigureOut">
               <a:rPr lang="en-US" smtClean="0"/>
-              <a:t>5/27/2018</a:t>
+              <a:t>7/29/2018</a:t>
             </a:fld>
             <a:endParaRPr lang="en-US"/>
           </a:p>
@@ -1404,7 +1404,7 @@
           <a:p>
             <a:fld id="{D1CBADBE-F29A-4ACB-86A5-2945DAC5A707}" type="datetimeFigureOut">
               <a:rPr lang="en-US" smtClean="0"/>
-              <a:t>5/27/2018</a:t>
+              <a:t>7/29/2018</a:t>
             </a:fld>
             <a:endParaRPr lang="en-US"/>
           </a:p>
@@ -1906,7 +1906,7 @@
           <a:p>
             <a:fld id="{D1CBADBE-F29A-4ACB-86A5-2945DAC5A707}" type="datetimeFigureOut">
               <a:rPr lang="en-US" smtClean="0"/>
-              <a:t>5/27/2018</a:t>
+              <a:t>7/29/2018</a:t>
             </a:fld>
             <a:endParaRPr lang="en-US"/>
           </a:p>
@@ -2047,7 +2047,7 @@
           <a:p>
             <a:fld id="{D1CBADBE-F29A-4ACB-86A5-2945DAC5A707}" type="datetimeFigureOut">
               <a:rPr lang="en-US" smtClean="0"/>
-              <a:t>5/27/2018</a:t>
+              <a:t>7/29/2018</a:t>
             </a:fld>
             <a:endParaRPr lang="en-US"/>
           </a:p>
@@ -2160,7 +2160,7 @@
           <a:p>
             <a:fld id="{D1CBADBE-F29A-4ACB-86A5-2945DAC5A707}" type="datetimeFigureOut">
               <a:rPr lang="en-US" smtClean="0"/>
-              <a:t>5/27/2018</a:t>
+              <a:t>7/29/2018</a:t>
             </a:fld>
             <a:endParaRPr lang="en-US"/>
           </a:p>
@@ -2471,7 +2471,7 @@
           <a:p>
             <a:fld id="{D1CBADBE-F29A-4ACB-86A5-2945DAC5A707}" type="datetimeFigureOut">
               <a:rPr lang="en-US" smtClean="0"/>
-              <a:t>5/27/2018</a:t>
+              <a:t>7/29/2018</a:t>
             </a:fld>
             <a:endParaRPr lang="en-US"/>
           </a:p>
@@ -2759,7 +2759,7 @@
           <a:p>
             <a:fld id="{D1CBADBE-F29A-4ACB-86A5-2945DAC5A707}" type="datetimeFigureOut">
               <a:rPr lang="en-US" smtClean="0"/>
-              <a:t>5/27/2018</a:t>
+              <a:t>7/29/2018</a:t>
             </a:fld>
             <a:endParaRPr lang="en-US"/>
           </a:p>
@@ -3003,7 +3003,7 @@
           <a:p>
             <a:fld id="{D1CBADBE-F29A-4ACB-86A5-2945DAC5A707}" type="datetimeFigureOut">
               <a:rPr lang="en-US" smtClean="0"/>
-              <a:t>5/27/2018</a:t>
+              <a:t>7/29/2018</a:t>
             </a:fld>
             <a:endParaRPr lang="en-US"/>
           </a:p>
@@ -3717,7 +3717,7 @@
                 <a:ea typeface="Open Sans" panose="020B0606030504020204" pitchFamily="34" charset="0"/>
                 <a:cs typeface="Open Sans" panose="020B0606030504020204" pitchFamily="34" charset="0"/>
               </a:rPr>
-              <a:t>Upcoming Broadcasts:</a:t>
+              <a:t>Upcoming Sermons:</a:t>
             </a:r>
           </a:p>
         </p:txBody>
@@ -3737,7 +3737,7 @@
           <p:nvPr>
             <p:extLst>
               <p:ext uri="{D42A27DB-BD31-4B8C-83A1-F6EECF244321}">
-                <p14:modId xmlns:p14="http://schemas.microsoft.com/office/powerpoint/2010/main" val="1337259287"/>
+                <p14:modId xmlns:p14="http://schemas.microsoft.com/office/powerpoint/2010/main" val="4133776319"/>
               </p:ext>
             </p:extLst>
           </p:nvPr>
@@ -3788,7 +3788,7 @@
                             <a:schemeClr val="bg1"/>
                           </a:solidFill>
                         </a:rPr>
-                        <a:t>Sun, 6/3/18</a:t>
+                        <a:t>Sun, 8/5/18</a:t>
                       </a:r>
                     </a:p>
                   </a:txBody>
@@ -3816,7 +3816,7 @@
                             <a:schemeClr val="bg1"/>
                           </a:solidFill>
                         </a:rPr>
-                        <a:t>Sun, 6/10/18</a:t>
+                        <a:t>Sun, 8/12/18</a:t>
                       </a:r>
                     </a:p>
                   </a:txBody>
@@ -3853,7 +3853,7 @@
                             <a:schemeClr val="bg1"/>
                           </a:solidFill>
                         </a:rPr>
-                        <a:t>Sun, 6/17/18</a:t>
+                        <a:t>Sun, 8/19/18</a:t>
                       </a:r>
                     </a:p>
                   </a:txBody>
@@ -3988,7 +3988,7 @@
                             <a:schemeClr val="bg1"/>
                           </a:solidFill>
                         </a:rPr>
-                        <a:t>Elder Bonner Davis</a:t>
+                        <a:t>Seventy Tim Canfield</a:t>
                       </a:r>
                     </a:p>
                   </a:txBody>
@@ -4016,7 +4016,7 @@
                             <a:schemeClr val="bg1"/>
                           </a:solidFill>
                         </a:rPr>
-                        <a:t>Seventy Bob Moore</a:t>
+                        <a:t>Elder Peter Gould</a:t>
                       </a:r>
                     </a:p>
                   </a:txBody>
@@ -4053,8 +4053,21 @@
                             <a:schemeClr val="bg1"/>
                           </a:solidFill>
                         </a:rPr>
-                        <a:t>Elder Joseph Smith</a:t>
+                        <a:t>High Priest </a:t>
                       </a:r>
+                      <a:r>
+                        <a:rPr lang="en-US" sz="2000">
+                          <a:solidFill>
+                            <a:schemeClr val="bg1"/>
+                          </a:solidFill>
+                        </a:rPr>
+                        <a:t>Dean Falconer</a:t>
+                      </a:r>
+                      <a:endParaRPr lang="en-US" sz="2000" dirty="0">
+                        <a:solidFill>
+                          <a:schemeClr val="bg1"/>
+                        </a:solidFill>
+                      </a:endParaRPr>
                     </a:p>
                   </a:txBody>
                   <a:tcPr marL="137160" marR="137160" marT="137160" marB="137160">

--- a/Offline Slide.pptx
+++ b/Offline Slide.pptx
@@ -260,7 +260,7 @@
           <a:p>
             <a:fld id="{D1CBADBE-F29A-4ACB-86A5-2945DAC5A707}" type="datetimeFigureOut">
               <a:rPr lang="en-US" smtClean="0"/>
-              <a:t>7/29/2018</a:t>
+              <a:t>8/12/18</a:t>
             </a:fld>
             <a:endParaRPr lang="en-US"/>
           </a:p>
@@ -458,7 +458,7 @@
           <a:p>
             <a:fld id="{D1CBADBE-F29A-4ACB-86A5-2945DAC5A707}" type="datetimeFigureOut">
               <a:rPr lang="en-US" smtClean="0"/>
-              <a:t>7/29/2018</a:t>
+              <a:t>8/12/18</a:t>
             </a:fld>
             <a:endParaRPr lang="en-US"/>
           </a:p>
@@ -666,7 +666,7 @@
           <a:p>
             <a:fld id="{D1CBADBE-F29A-4ACB-86A5-2945DAC5A707}" type="datetimeFigureOut">
               <a:rPr lang="en-US" smtClean="0"/>
-              <a:t>7/29/2018</a:t>
+              <a:t>8/12/18</a:t>
             </a:fld>
             <a:endParaRPr lang="en-US"/>
           </a:p>
@@ -864,7 +864,7 @@
           <a:p>
             <a:fld id="{D1CBADBE-F29A-4ACB-86A5-2945DAC5A707}" type="datetimeFigureOut">
               <a:rPr lang="en-US" smtClean="0"/>
-              <a:t>7/29/2018</a:t>
+              <a:t>8/12/18</a:t>
             </a:fld>
             <a:endParaRPr lang="en-US"/>
           </a:p>
@@ -1139,7 +1139,7 @@
           <a:p>
             <a:fld id="{D1CBADBE-F29A-4ACB-86A5-2945DAC5A707}" type="datetimeFigureOut">
               <a:rPr lang="en-US" smtClean="0"/>
-              <a:t>7/29/2018</a:t>
+              <a:t>8/12/18</a:t>
             </a:fld>
             <a:endParaRPr lang="en-US"/>
           </a:p>
@@ -1404,7 +1404,7 @@
           <a:p>
             <a:fld id="{D1CBADBE-F29A-4ACB-86A5-2945DAC5A707}" type="datetimeFigureOut">
               <a:rPr lang="en-US" smtClean="0"/>
-              <a:t>7/29/2018</a:t>
+              <a:t>8/12/18</a:t>
             </a:fld>
             <a:endParaRPr lang="en-US"/>
           </a:p>
@@ -1906,7 +1906,7 @@
           <a:p>
             <a:fld id="{D1CBADBE-F29A-4ACB-86A5-2945DAC5A707}" type="datetimeFigureOut">
               <a:rPr lang="en-US" smtClean="0"/>
-              <a:t>7/29/2018</a:t>
+              <a:t>8/12/18</a:t>
             </a:fld>
             <a:endParaRPr lang="en-US"/>
           </a:p>
@@ -2047,7 +2047,7 @@
           <a:p>
             <a:fld id="{D1CBADBE-F29A-4ACB-86A5-2945DAC5A707}" type="datetimeFigureOut">
               <a:rPr lang="en-US" smtClean="0"/>
-              <a:t>7/29/2018</a:t>
+              <a:t>8/12/18</a:t>
             </a:fld>
             <a:endParaRPr lang="en-US"/>
           </a:p>
@@ -2160,7 +2160,7 @@
           <a:p>
             <a:fld id="{D1CBADBE-F29A-4ACB-86A5-2945DAC5A707}" type="datetimeFigureOut">
               <a:rPr lang="en-US" smtClean="0"/>
-              <a:t>7/29/2018</a:t>
+              <a:t>8/12/18</a:t>
             </a:fld>
             <a:endParaRPr lang="en-US"/>
           </a:p>
@@ -2471,7 +2471,7 @@
           <a:p>
             <a:fld id="{D1CBADBE-F29A-4ACB-86A5-2945DAC5A707}" type="datetimeFigureOut">
               <a:rPr lang="en-US" smtClean="0"/>
-              <a:t>7/29/2018</a:t>
+              <a:t>8/12/18</a:t>
             </a:fld>
             <a:endParaRPr lang="en-US"/>
           </a:p>
@@ -2759,7 +2759,7 @@
           <a:p>
             <a:fld id="{D1CBADBE-F29A-4ACB-86A5-2945DAC5A707}" type="datetimeFigureOut">
               <a:rPr lang="en-US" smtClean="0"/>
-              <a:t>7/29/2018</a:t>
+              <a:t>8/12/18</a:t>
             </a:fld>
             <a:endParaRPr lang="en-US"/>
           </a:p>
@@ -3003,7 +3003,7 @@
           <a:p>
             <a:fld id="{D1CBADBE-F29A-4ACB-86A5-2945DAC5A707}" type="datetimeFigureOut">
               <a:rPr lang="en-US" smtClean="0"/>
-              <a:t>7/29/2018</a:t>
+              <a:t>8/12/18</a:t>
             </a:fld>
             <a:endParaRPr lang="en-US"/>
           </a:p>
@@ -3717,7 +3717,7 @@
                 <a:ea typeface="Open Sans" panose="020B0606030504020204" pitchFamily="34" charset="0"/>
                 <a:cs typeface="Open Sans" panose="020B0606030504020204" pitchFamily="34" charset="0"/>
               </a:rPr>
-              <a:t>Upcoming Sermons:</a:t>
+              <a:t>Upcoming Broadcasts:</a:t>
             </a:r>
           </a:p>
         </p:txBody>
@@ -3737,7 +3737,7 @@
           <p:nvPr>
             <p:extLst>
               <p:ext uri="{D42A27DB-BD31-4B8C-83A1-F6EECF244321}">
-                <p14:modId xmlns:p14="http://schemas.microsoft.com/office/powerpoint/2010/main" val="4133776319"/>
+                <p14:modId xmlns:p14="http://schemas.microsoft.com/office/powerpoint/2010/main" val="2972275754"/>
               </p:ext>
             </p:extLst>
           </p:nvPr>
@@ -3788,7 +3788,7 @@
                             <a:schemeClr val="bg1"/>
                           </a:solidFill>
                         </a:rPr>
-                        <a:t>Sun, 8/5/18</a:t>
+                        <a:t>Sun, 8/19/18</a:t>
                       </a:r>
                     </a:p>
                   </a:txBody>
@@ -3816,7 +3816,7 @@
                             <a:schemeClr val="bg1"/>
                           </a:solidFill>
                         </a:rPr>
-                        <a:t>Sun, 8/12/18</a:t>
+                        <a:t>Sun, 8/26/18</a:t>
                       </a:r>
                     </a:p>
                   </a:txBody>
@@ -3853,7 +3853,7 @@
                             <a:schemeClr val="bg1"/>
                           </a:solidFill>
                         </a:rPr>
-                        <a:t>Sun, 8/19/18</a:t>
+                        <a:t>Sun, 8/26/18</a:t>
                       </a:r>
                     </a:p>
                   </a:txBody>
@@ -3953,7 +3953,7 @@
                             <a:schemeClr val="bg1"/>
                           </a:solidFill>
                         </a:rPr>
-                        <a:t>10:30 AM CDT • 15:30 PM UTC</a:t>
+                        <a:t>6:00 PM CDT • 23:00 PM UTC</a:t>
                       </a:r>
                     </a:p>
                   </a:txBody>
@@ -3988,7 +3988,7 @@
                             <a:schemeClr val="bg1"/>
                           </a:solidFill>
                         </a:rPr>
-                        <a:t>Seventy Tim Canfield</a:t>
+                        <a:t>High Priest Dean Falconer</a:t>
                       </a:r>
                     </a:p>
                   </a:txBody>
@@ -4016,7 +4016,7 @@
                             <a:schemeClr val="bg1"/>
                           </a:solidFill>
                         </a:rPr>
-                        <a:t>Elder Peter Gould</a:t>
+                        <a:t>Deacon Andrew Canfield</a:t>
                       </a:r>
                     </a:p>
                   </a:txBody>
@@ -4053,7 +4053,7 @@
                             <a:schemeClr val="bg1"/>
                           </a:solidFill>
                         </a:rPr>
-                        <a:t>High Priest </a:t>
+                        <a:t>Hymn &amp; </a:t>
                       </a:r>
                       <a:r>
                         <a:rPr lang="en-US" sz="2000">
@@ -4061,7 +4061,7 @@
                             <a:schemeClr val="bg1"/>
                           </a:solidFill>
                         </a:rPr>
-                        <a:t>Dean Falconer</a:t>
+                        <a:t>Testimony Service</a:t>
                       </a:r>
                       <a:endParaRPr lang="en-US" sz="2000" dirty="0">
                         <a:solidFill>

--- a/Offline Slide.pptx
+++ b/Offline Slide.pptx
@@ -260,7 +260,7 @@
           <a:p>
             <a:fld id="{D1CBADBE-F29A-4ACB-86A5-2945DAC5A707}" type="datetimeFigureOut">
               <a:rPr lang="en-US" smtClean="0"/>
-              <a:t>8/12/18</a:t>
+              <a:t>8/19/2018</a:t>
             </a:fld>
             <a:endParaRPr lang="en-US"/>
           </a:p>
@@ -458,7 +458,7 @@
           <a:p>
             <a:fld id="{D1CBADBE-F29A-4ACB-86A5-2945DAC5A707}" type="datetimeFigureOut">
               <a:rPr lang="en-US" smtClean="0"/>
-              <a:t>8/12/18</a:t>
+              <a:t>8/19/2018</a:t>
             </a:fld>
             <a:endParaRPr lang="en-US"/>
           </a:p>
@@ -666,7 +666,7 @@
           <a:p>
             <a:fld id="{D1CBADBE-F29A-4ACB-86A5-2945DAC5A707}" type="datetimeFigureOut">
               <a:rPr lang="en-US" smtClean="0"/>
-              <a:t>8/12/18</a:t>
+              <a:t>8/19/2018</a:t>
             </a:fld>
             <a:endParaRPr lang="en-US"/>
           </a:p>
@@ -864,7 +864,7 @@
           <a:p>
             <a:fld id="{D1CBADBE-F29A-4ACB-86A5-2945DAC5A707}" type="datetimeFigureOut">
               <a:rPr lang="en-US" smtClean="0"/>
-              <a:t>8/12/18</a:t>
+              <a:t>8/19/2018</a:t>
             </a:fld>
             <a:endParaRPr lang="en-US"/>
           </a:p>
@@ -1139,7 +1139,7 @@
           <a:p>
             <a:fld id="{D1CBADBE-F29A-4ACB-86A5-2945DAC5A707}" type="datetimeFigureOut">
               <a:rPr lang="en-US" smtClean="0"/>
-              <a:t>8/12/18</a:t>
+              <a:t>8/19/2018</a:t>
             </a:fld>
             <a:endParaRPr lang="en-US"/>
           </a:p>
@@ -1404,7 +1404,7 @@
           <a:p>
             <a:fld id="{D1CBADBE-F29A-4ACB-86A5-2945DAC5A707}" type="datetimeFigureOut">
               <a:rPr lang="en-US" smtClean="0"/>
-              <a:t>8/12/18</a:t>
+              <a:t>8/19/2018</a:t>
             </a:fld>
             <a:endParaRPr lang="en-US"/>
           </a:p>
@@ -1906,7 +1906,7 @@
           <a:p>
             <a:fld id="{D1CBADBE-F29A-4ACB-86A5-2945DAC5A707}" type="datetimeFigureOut">
               <a:rPr lang="en-US" smtClean="0"/>
-              <a:t>8/12/18</a:t>
+              <a:t>8/19/2018</a:t>
             </a:fld>
             <a:endParaRPr lang="en-US"/>
           </a:p>
@@ -2047,7 +2047,7 @@
           <a:p>
             <a:fld id="{D1CBADBE-F29A-4ACB-86A5-2945DAC5A707}" type="datetimeFigureOut">
               <a:rPr lang="en-US" smtClean="0"/>
-              <a:t>8/12/18</a:t>
+              <a:t>8/19/2018</a:t>
             </a:fld>
             <a:endParaRPr lang="en-US"/>
           </a:p>
@@ -2160,7 +2160,7 @@
           <a:p>
             <a:fld id="{D1CBADBE-F29A-4ACB-86A5-2945DAC5A707}" type="datetimeFigureOut">
               <a:rPr lang="en-US" smtClean="0"/>
-              <a:t>8/12/18</a:t>
+              <a:t>8/19/2018</a:t>
             </a:fld>
             <a:endParaRPr lang="en-US"/>
           </a:p>
@@ -2471,7 +2471,7 @@
           <a:p>
             <a:fld id="{D1CBADBE-F29A-4ACB-86A5-2945DAC5A707}" type="datetimeFigureOut">
               <a:rPr lang="en-US" smtClean="0"/>
-              <a:t>8/12/18</a:t>
+              <a:t>8/19/2018</a:t>
             </a:fld>
             <a:endParaRPr lang="en-US"/>
           </a:p>
@@ -2759,7 +2759,7 @@
           <a:p>
             <a:fld id="{D1CBADBE-F29A-4ACB-86A5-2945DAC5A707}" type="datetimeFigureOut">
               <a:rPr lang="en-US" smtClean="0"/>
-              <a:t>8/12/18</a:t>
+              <a:t>8/19/2018</a:t>
             </a:fld>
             <a:endParaRPr lang="en-US"/>
           </a:p>
@@ -3003,7 +3003,7 @@
           <a:p>
             <a:fld id="{D1CBADBE-F29A-4ACB-86A5-2945DAC5A707}" type="datetimeFigureOut">
               <a:rPr lang="en-US" smtClean="0"/>
-              <a:t>8/12/18</a:t>
+              <a:t>8/19/2018</a:t>
             </a:fld>
             <a:endParaRPr lang="en-US"/>
           </a:p>
@@ -3737,7 +3737,7 @@
           <p:nvPr>
             <p:extLst>
               <p:ext uri="{D42A27DB-BD31-4B8C-83A1-F6EECF244321}">
-                <p14:modId xmlns:p14="http://schemas.microsoft.com/office/powerpoint/2010/main" val="2972275754"/>
+                <p14:modId xmlns:p14="http://schemas.microsoft.com/office/powerpoint/2010/main" val="2899783446"/>
               </p:ext>
             </p:extLst>
           </p:nvPr>
@@ -3788,7 +3788,7 @@
                             <a:schemeClr val="bg1"/>
                           </a:solidFill>
                         </a:rPr>
-                        <a:t>Sun, 8/19/18</a:t>
+                        <a:t>Sun, 8/26/18</a:t>
                       </a:r>
                     </a:p>
                   </a:txBody>
@@ -3853,7 +3853,7 @@
                             <a:schemeClr val="bg1"/>
                           </a:solidFill>
                         </a:rPr>
-                        <a:t>Sun, 8/26/18</a:t>
+                        <a:t>Sun, 9/2/18</a:t>
                       </a:r>
                     </a:p>
                   </a:txBody>
@@ -3916,7 +3916,7 @@
                             <a:schemeClr val="bg1"/>
                           </a:solidFill>
                         </a:rPr>
-                        <a:t>10:30 AM CDT • 15:30 PM UTC</a:t>
+                        <a:t>6:00 PM CDT • 23:00 PM UTC</a:t>
                       </a:r>
                     </a:p>
                   </a:txBody>
@@ -3948,13 +3948,18 @@
                     <a:p>
                       <a:pPr algn="ctr"/>
                       <a:r>
-                        <a:rPr lang="en-US" sz="2000" b="1" dirty="0">
+                        <a:rPr lang="en-US" sz="2000" b="1">
                           <a:solidFill>
                             <a:schemeClr val="bg1"/>
                           </a:solidFill>
                         </a:rPr>
-                        <a:t>6:00 PM CDT • 23:00 PM UTC</a:t>
+                        <a:t>10:30 AM CDT • 15:30 PM UTC</a:t>
                       </a:r>
+                      <a:endParaRPr lang="en-US" sz="2000" b="1" dirty="0">
+                        <a:solidFill>
+                          <a:schemeClr val="bg1"/>
+                        </a:solidFill>
+                      </a:endParaRPr>
                     </a:p>
                   </a:txBody>
                   <a:tcPr marL="45720" marR="45720" anchor="ctr">
@@ -3988,7 +3993,7 @@
                             <a:schemeClr val="bg1"/>
                           </a:solidFill>
                         </a:rPr>
-                        <a:t>High Priest Dean Falconer</a:t>
+                        <a:t>Deacon Andrew Canfield</a:t>
                       </a:r>
                     </a:p>
                   </a:txBody>
@@ -4016,7 +4021,7 @@
                             <a:schemeClr val="bg1"/>
                           </a:solidFill>
                         </a:rPr>
-                        <a:t>Deacon Andrew Canfield</a:t>
+                        <a:t>Hymn &amp; Testimony Service</a:t>
                       </a:r>
                     </a:p>
                   </a:txBody>
@@ -4053,21 +4058,8 @@
                             <a:schemeClr val="bg1"/>
                           </a:solidFill>
                         </a:rPr>
-                        <a:t>Hymn &amp; </a:t>
+                        <a:t>Elder David Bronson</a:t>
                       </a:r>
-                      <a:r>
-                        <a:rPr lang="en-US" sz="2000">
-                          <a:solidFill>
-                            <a:schemeClr val="bg1"/>
-                          </a:solidFill>
-                        </a:rPr>
-                        <a:t>Testimony Service</a:t>
-                      </a:r>
-                      <a:endParaRPr lang="en-US" sz="2000" dirty="0">
-                        <a:solidFill>
-                          <a:schemeClr val="bg1"/>
-                        </a:solidFill>
-                      </a:endParaRPr>
                     </a:p>
                   </a:txBody>
                   <a:tcPr marL="137160" marR="137160" marT="137160" marB="137160">

--- a/Offline Slide.pptx
+++ b/Offline Slide.pptx
@@ -260,7 +260,7 @@
           <a:p>
             <a:fld id="{D1CBADBE-F29A-4ACB-86A5-2945DAC5A707}" type="datetimeFigureOut">
               <a:rPr lang="en-US" smtClean="0"/>
-              <a:t>8/12/18</a:t>
+              <a:t>9/16/18</a:t>
             </a:fld>
             <a:endParaRPr lang="en-US"/>
           </a:p>
@@ -458,7 +458,7 @@
           <a:p>
             <a:fld id="{D1CBADBE-F29A-4ACB-86A5-2945DAC5A707}" type="datetimeFigureOut">
               <a:rPr lang="en-US" smtClean="0"/>
-              <a:t>8/12/18</a:t>
+              <a:t>9/16/18</a:t>
             </a:fld>
             <a:endParaRPr lang="en-US"/>
           </a:p>
@@ -666,7 +666,7 @@
           <a:p>
             <a:fld id="{D1CBADBE-F29A-4ACB-86A5-2945DAC5A707}" type="datetimeFigureOut">
               <a:rPr lang="en-US" smtClean="0"/>
-              <a:t>8/12/18</a:t>
+              <a:t>9/16/18</a:t>
             </a:fld>
             <a:endParaRPr lang="en-US"/>
           </a:p>
@@ -864,7 +864,7 @@
           <a:p>
             <a:fld id="{D1CBADBE-F29A-4ACB-86A5-2945DAC5A707}" type="datetimeFigureOut">
               <a:rPr lang="en-US" smtClean="0"/>
-              <a:t>8/12/18</a:t>
+              <a:t>9/16/18</a:t>
             </a:fld>
             <a:endParaRPr lang="en-US"/>
           </a:p>
@@ -1139,7 +1139,7 @@
           <a:p>
             <a:fld id="{D1CBADBE-F29A-4ACB-86A5-2945DAC5A707}" type="datetimeFigureOut">
               <a:rPr lang="en-US" smtClean="0"/>
-              <a:t>8/12/18</a:t>
+              <a:t>9/16/18</a:t>
             </a:fld>
             <a:endParaRPr lang="en-US"/>
           </a:p>
@@ -1404,7 +1404,7 @@
           <a:p>
             <a:fld id="{D1CBADBE-F29A-4ACB-86A5-2945DAC5A707}" type="datetimeFigureOut">
               <a:rPr lang="en-US" smtClean="0"/>
-              <a:t>8/12/18</a:t>
+              <a:t>9/16/18</a:t>
             </a:fld>
             <a:endParaRPr lang="en-US"/>
           </a:p>
@@ -1906,7 +1906,7 @@
           <a:p>
             <a:fld id="{D1CBADBE-F29A-4ACB-86A5-2945DAC5A707}" type="datetimeFigureOut">
               <a:rPr lang="en-US" smtClean="0"/>
-              <a:t>8/12/18</a:t>
+              <a:t>9/16/18</a:t>
             </a:fld>
             <a:endParaRPr lang="en-US"/>
           </a:p>
@@ -2047,7 +2047,7 @@
           <a:p>
             <a:fld id="{D1CBADBE-F29A-4ACB-86A5-2945DAC5A707}" type="datetimeFigureOut">
               <a:rPr lang="en-US" smtClean="0"/>
-              <a:t>8/12/18</a:t>
+              <a:t>9/16/18</a:t>
             </a:fld>
             <a:endParaRPr lang="en-US"/>
           </a:p>
@@ -2160,7 +2160,7 @@
           <a:p>
             <a:fld id="{D1CBADBE-F29A-4ACB-86A5-2945DAC5A707}" type="datetimeFigureOut">
               <a:rPr lang="en-US" smtClean="0"/>
-              <a:t>8/12/18</a:t>
+              <a:t>9/16/18</a:t>
             </a:fld>
             <a:endParaRPr lang="en-US"/>
           </a:p>
@@ -2471,7 +2471,7 @@
           <a:p>
             <a:fld id="{D1CBADBE-F29A-4ACB-86A5-2945DAC5A707}" type="datetimeFigureOut">
               <a:rPr lang="en-US" smtClean="0"/>
-              <a:t>8/12/18</a:t>
+              <a:t>9/16/18</a:t>
             </a:fld>
             <a:endParaRPr lang="en-US"/>
           </a:p>
@@ -2759,7 +2759,7 @@
           <a:p>
             <a:fld id="{D1CBADBE-F29A-4ACB-86A5-2945DAC5A707}" type="datetimeFigureOut">
               <a:rPr lang="en-US" smtClean="0"/>
-              <a:t>8/12/18</a:t>
+              <a:t>9/16/18</a:t>
             </a:fld>
             <a:endParaRPr lang="en-US"/>
           </a:p>
@@ -3003,7 +3003,7 @@
           <a:p>
             <a:fld id="{D1CBADBE-F29A-4ACB-86A5-2945DAC5A707}" type="datetimeFigureOut">
               <a:rPr lang="en-US" smtClean="0"/>
-              <a:t>8/12/18</a:t>
+              <a:t>9/16/18</a:t>
             </a:fld>
             <a:endParaRPr lang="en-US"/>
           </a:p>
@@ -3737,7 +3737,7 @@
           <p:nvPr>
             <p:extLst>
               <p:ext uri="{D42A27DB-BD31-4B8C-83A1-F6EECF244321}">
-                <p14:modId xmlns:p14="http://schemas.microsoft.com/office/powerpoint/2010/main" val="2972275754"/>
+                <p14:modId xmlns:p14="http://schemas.microsoft.com/office/powerpoint/2010/main" val="3601487175"/>
               </p:ext>
             </p:extLst>
           </p:nvPr>
@@ -3788,7 +3788,7 @@
                             <a:schemeClr val="bg1"/>
                           </a:solidFill>
                         </a:rPr>
-                        <a:t>Sun, 8/19/18</a:t>
+                        <a:t>TONIGHT (Sun, 9/16/18)</a:t>
                       </a:r>
                     </a:p>
                   </a:txBody>
@@ -3816,7 +3816,7 @@
                             <a:schemeClr val="bg1"/>
                           </a:solidFill>
                         </a:rPr>
-                        <a:t>Sun, 8/26/18</a:t>
+                        <a:t>Sun, 9/23/18</a:t>
                       </a:r>
                     </a:p>
                   </a:txBody>
@@ -3853,7 +3853,7 @@
                             <a:schemeClr val="bg1"/>
                           </a:solidFill>
                         </a:rPr>
-                        <a:t>Sun, 8/26/18</a:t>
+                        <a:t>Sun, 9/30/18</a:t>
                       </a:r>
                     </a:p>
                   </a:txBody>
@@ -3888,7 +3888,7 @@
                             <a:schemeClr val="bg1"/>
                           </a:solidFill>
                         </a:rPr>
-                        <a:t>10:30 AM CDT • 15:30 PM UTC</a:t>
+                        <a:t>6:00 PM CDT • 23:00 PM UTC</a:t>
                       </a:r>
                     </a:p>
                   </a:txBody>
@@ -3953,7 +3953,7 @@
                             <a:schemeClr val="bg1"/>
                           </a:solidFill>
                         </a:rPr>
-                        <a:t>6:00 PM CDT • 23:00 PM UTC</a:t>
+                        <a:t>10:30 AM CDT • 15:30 PM UTC</a:t>
                       </a:r>
                     </a:p>
                   </a:txBody>
@@ -3988,7 +3988,7 @@
                             <a:schemeClr val="bg1"/>
                           </a:solidFill>
                         </a:rPr>
-                        <a:t>High Priest Dean Falconer</a:t>
+                        <a:t>Ordination Service</a:t>
                       </a:r>
                     </a:p>
                   </a:txBody>
@@ -4016,7 +4016,7 @@
                             <a:schemeClr val="bg1"/>
                           </a:solidFill>
                         </a:rPr>
-                        <a:t>Deacon Andrew Canfield</a:t>
+                        <a:t>Seventy Bob Moore</a:t>
                       </a:r>
                     </a:p>
                   </a:txBody>
@@ -4048,20 +4048,12 @@
                     <a:p>
                       <a:pPr algn="ctr"/>
                       <a:r>
-                        <a:rPr lang="en-US" sz="2000" dirty="0">
-                          <a:solidFill>
-                            <a:schemeClr val="bg1"/>
-                          </a:solidFill>
-                        </a:rPr>
-                        <a:t>Hymn &amp; </a:t>
-                      </a:r>
-                      <a:r>
                         <a:rPr lang="en-US" sz="2000">
                           <a:solidFill>
                             <a:schemeClr val="bg1"/>
                           </a:solidFill>
                         </a:rPr>
-                        <a:t>Testimony Service</a:t>
+                        <a:t>Elder Abraham Forth</a:t>
                       </a:r>
                       <a:endParaRPr lang="en-US" sz="2000" dirty="0">
                         <a:solidFill>

--- a/Offline Slide.pptx
+++ b/Offline Slide.pptx
@@ -260,7 +260,7 @@
           <a:p>
             <a:fld id="{D1CBADBE-F29A-4ACB-86A5-2945DAC5A707}" type="datetimeFigureOut">
               <a:rPr lang="en-US" smtClean="0"/>
-              <a:t>9/16/18</a:t>
+              <a:t>12/18/18</a:t>
             </a:fld>
             <a:endParaRPr lang="en-US"/>
           </a:p>
@@ -458,7 +458,7 @@
           <a:p>
             <a:fld id="{D1CBADBE-F29A-4ACB-86A5-2945DAC5A707}" type="datetimeFigureOut">
               <a:rPr lang="en-US" smtClean="0"/>
-              <a:t>9/16/18</a:t>
+              <a:t>12/18/18</a:t>
             </a:fld>
             <a:endParaRPr lang="en-US"/>
           </a:p>
@@ -666,7 +666,7 @@
           <a:p>
             <a:fld id="{D1CBADBE-F29A-4ACB-86A5-2945DAC5A707}" type="datetimeFigureOut">
               <a:rPr lang="en-US" smtClean="0"/>
-              <a:t>9/16/18</a:t>
+              <a:t>12/18/18</a:t>
             </a:fld>
             <a:endParaRPr lang="en-US"/>
           </a:p>
@@ -864,7 +864,7 @@
           <a:p>
             <a:fld id="{D1CBADBE-F29A-4ACB-86A5-2945DAC5A707}" type="datetimeFigureOut">
               <a:rPr lang="en-US" smtClean="0"/>
-              <a:t>9/16/18</a:t>
+              <a:t>12/18/18</a:t>
             </a:fld>
             <a:endParaRPr lang="en-US"/>
           </a:p>
@@ -1139,7 +1139,7 @@
           <a:p>
             <a:fld id="{D1CBADBE-F29A-4ACB-86A5-2945DAC5A707}" type="datetimeFigureOut">
               <a:rPr lang="en-US" smtClean="0"/>
-              <a:t>9/16/18</a:t>
+              <a:t>12/18/18</a:t>
             </a:fld>
             <a:endParaRPr lang="en-US"/>
           </a:p>
@@ -1404,7 +1404,7 @@
           <a:p>
             <a:fld id="{D1CBADBE-F29A-4ACB-86A5-2945DAC5A707}" type="datetimeFigureOut">
               <a:rPr lang="en-US" smtClean="0"/>
-              <a:t>9/16/18</a:t>
+              <a:t>12/18/18</a:t>
             </a:fld>
             <a:endParaRPr lang="en-US"/>
           </a:p>
@@ -1906,7 +1906,7 @@
           <a:p>
             <a:fld id="{D1CBADBE-F29A-4ACB-86A5-2945DAC5A707}" type="datetimeFigureOut">
               <a:rPr lang="en-US" smtClean="0"/>
-              <a:t>9/16/18</a:t>
+              <a:t>12/18/18</a:t>
             </a:fld>
             <a:endParaRPr lang="en-US"/>
           </a:p>
@@ -2047,7 +2047,7 @@
           <a:p>
             <a:fld id="{D1CBADBE-F29A-4ACB-86A5-2945DAC5A707}" type="datetimeFigureOut">
               <a:rPr lang="en-US" smtClean="0"/>
-              <a:t>9/16/18</a:t>
+              <a:t>12/18/18</a:t>
             </a:fld>
             <a:endParaRPr lang="en-US"/>
           </a:p>
@@ -2160,7 +2160,7 @@
           <a:p>
             <a:fld id="{D1CBADBE-F29A-4ACB-86A5-2945DAC5A707}" type="datetimeFigureOut">
               <a:rPr lang="en-US" smtClean="0"/>
-              <a:t>9/16/18</a:t>
+              <a:t>12/18/18</a:t>
             </a:fld>
             <a:endParaRPr lang="en-US"/>
           </a:p>
@@ -2471,7 +2471,7 @@
           <a:p>
             <a:fld id="{D1CBADBE-F29A-4ACB-86A5-2945DAC5A707}" type="datetimeFigureOut">
               <a:rPr lang="en-US" smtClean="0"/>
-              <a:t>9/16/18</a:t>
+              <a:t>12/18/18</a:t>
             </a:fld>
             <a:endParaRPr lang="en-US"/>
           </a:p>
@@ -2759,7 +2759,7 @@
           <a:p>
             <a:fld id="{D1CBADBE-F29A-4ACB-86A5-2945DAC5A707}" type="datetimeFigureOut">
               <a:rPr lang="en-US" smtClean="0"/>
-              <a:t>9/16/18</a:t>
+              <a:t>12/18/18</a:t>
             </a:fld>
             <a:endParaRPr lang="en-US"/>
           </a:p>
@@ -3003,7 +3003,7 @@
           <a:p>
             <a:fld id="{D1CBADBE-F29A-4ACB-86A5-2945DAC5A707}" type="datetimeFigureOut">
               <a:rPr lang="en-US" smtClean="0"/>
-              <a:t>9/16/18</a:t>
+              <a:t>12/18/18</a:t>
             </a:fld>
             <a:endParaRPr lang="en-US"/>
           </a:p>
@@ -3634,7 +3634,7 @@
                 <a:ea typeface="Open Sans" panose="020B0606030504020204" pitchFamily="34" charset="0"/>
                 <a:cs typeface="Open Sans" panose="020B0606030504020204" pitchFamily="34" charset="0"/>
               </a:rPr>
-              <a:t>Please join us for Sunday Worship each Sunday at 10:30 AM CDT.</a:t>
+              <a:t>Please join us for Sunday Worship each Sunday at 10:30 AM CST.</a:t>
             </a:r>
           </a:p>
         </p:txBody>
@@ -3677,7 +3677,7 @@
             <a:pPr marL="0" indent="0" algn="ctr">
               <a:buNone/>
             </a:pPr>
-            <a:endParaRPr lang="en-US" sz="2400" u="sng" dirty="0">
+            <a:endParaRPr lang="en-US" sz="700" u="sng" dirty="0">
               <a:solidFill>
                 <a:schemeClr val="bg1">
                   <a:lumMod val="85000"/>
@@ -3737,14 +3737,14 @@
           <p:nvPr>
             <p:extLst>
               <p:ext uri="{D42A27DB-BD31-4B8C-83A1-F6EECF244321}">
-                <p14:modId xmlns:p14="http://schemas.microsoft.com/office/powerpoint/2010/main" val="3601487175"/>
+                <p14:modId xmlns:p14="http://schemas.microsoft.com/office/powerpoint/2010/main" val="257114923"/>
               </p:ext>
             </p:extLst>
           </p:nvPr>
         </p:nvGraphicFramePr>
         <p:xfrm>
-          <a:off x="838199" y="4059212"/>
-          <a:ext cx="10515600" cy="1645920"/>
+          <a:off x="838199" y="3624318"/>
+          <a:ext cx="10515600" cy="2622480"/>
         </p:xfrm>
         <a:graphic>
           <a:graphicData uri="http://schemas.openxmlformats.org/drawingml/2006/table">
@@ -3788,7 +3788,7 @@
                             <a:schemeClr val="bg1"/>
                           </a:solidFill>
                         </a:rPr>
-                        <a:t>TONIGHT (Sun, 9/16/18)</a:t>
+                        <a:t>Sun, 12/23/18</a:t>
                       </a:r>
                     </a:p>
                   </a:txBody>
@@ -3816,7 +3816,7 @@
                             <a:schemeClr val="bg1"/>
                           </a:solidFill>
                         </a:rPr>
-                        <a:t>Sun, 9/23/18</a:t>
+                        <a:t>Sun, 12/30/18</a:t>
                       </a:r>
                     </a:p>
                   </a:txBody>
@@ -3853,7 +3853,7 @@
                             <a:schemeClr val="bg1"/>
                           </a:solidFill>
                         </a:rPr>
-                        <a:t>Sun, 9/30/18</a:t>
+                        <a:t>Sun, 1/6/18</a:t>
                       </a:r>
                     </a:p>
                   </a:txBody>
@@ -3888,7 +3888,7 @@
                             <a:schemeClr val="bg1"/>
                           </a:solidFill>
                         </a:rPr>
-                        <a:t>6:00 PM CDT • 23:00 PM UTC</a:t>
+                        <a:t>10:30 AM CST • 16:30 PM UTC</a:t>
                       </a:r>
                     </a:p>
                   </a:txBody>
@@ -3916,7 +3916,7 @@
                             <a:schemeClr val="bg1"/>
                           </a:solidFill>
                         </a:rPr>
-                        <a:t>10:30 AM CDT • 15:30 PM UTC</a:t>
+                        <a:t>10:30 AM CST • 16:30 PM UTC</a:t>
                       </a:r>
                     </a:p>
                   </a:txBody>
@@ -3953,7 +3953,7 @@
                             <a:schemeClr val="bg1"/>
                           </a:solidFill>
                         </a:rPr>
-                        <a:t>10:30 AM CDT • 15:30 PM UTC</a:t>
+                        <a:t>10:30 AM CST • 16:30 PM UTC</a:t>
                       </a:r>
                     </a:p>
                   </a:txBody>
@@ -3988,8 +3988,48 @@
                             <a:schemeClr val="bg1"/>
                           </a:solidFill>
                         </a:rPr>
-                        <a:t>Ordination Service</a:t>
+                        <a:t>High Priest Dean Falconer</a:t>
                       </a:r>
+                    </a:p>
+                    <a:p>
+                      <a:pPr algn="ctr"/>
+                      <a:endParaRPr lang="en-US" sz="1800" dirty="0">
+                        <a:solidFill>
+                          <a:schemeClr val="bg1"/>
+                        </a:solidFill>
+                      </a:endParaRPr>
+                    </a:p>
+                    <a:p>
+                      <a:pPr algn="ctr"/>
+                      <a:r>
+                        <a:rPr lang="en-US" sz="1800" u="sng" dirty="0">
+                          <a:solidFill>
+                            <a:schemeClr val="bg1"/>
+                          </a:solidFill>
+                        </a:rPr>
+                        <a:t>Evening Service</a:t>
+                      </a:r>
+                      <a:endParaRPr lang="en-US" sz="1800" u="none" dirty="0">
+                        <a:solidFill>
+                          <a:schemeClr val="bg1"/>
+                        </a:solidFill>
+                      </a:endParaRPr>
+                    </a:p>
+                    <a:p>
+                      <a:pPr algn="ctr"/>
+                      <a:r>
+                        <a:rPr lang="en-US" sz="1800" i="1" u="none" dirty="0">
+                          <a:solidFill>
+                            <a:schemeClr val="bg1"/>
+                          </a:solidFill>
+                        </a:rPr>
+                        <a:t>No evening services</a:t>
+                      </a:r>
+                      <a:endParaRPr lang="en-US" sz="2000" i="1" u="sng" dirty="0">
+                        <a:solidFill>
+                          <a:schemeClr val="bg1"/>
+                        </a:solidFill>
+                      </a:endParaRPr>
                     </a:p>
                   </a:txBody>
                   <a:tcPr marL="137160" marR="137160" marT="137160" marB="137160">
@@ -4016,8 +4056,48 @@
                             <a:schemeClr val="bg1"/>
                           </a:solidFill>
                         </a:rPr>
-                        <a:t>Seventy Bob Moore</a:t>
+                        <a:t>Teacher Kevin McMilian</a:t>
                       </a:r>
+                    </a:p>
+                    <a:p>
+                      <a:pPr algn="ctr"/>
+                      <a:endParaRPr lang="en-US" sz="1800" dirty="0">
+                        <a:solidFill>
+                          <a:schemeClr val="bg1"/>
+                        </a:solidFill>
+                      </a:endParaRPr>
+                    </a:p>
+                    <a:p>
+                      <a:pPr algn="ctr"/>
+                      <a:r>
+                        <a:rPr lang="en-US" sz="1800" u="sng" dirty="0">
+                          <a:solidFill>
+                            <a:schemeClr val="bg1"/>
+                          </a:solidFill>
+                        </a:rPr>
+                        <a:t>Evening Service</a:t>
+                      </a:r>
+                      <a:endParaRPr lang="en-US" sz="1800" u="none" dirty="0">
+                        <a:solidFill>
+                          <a:schemeClr val="bg1"/>
+                        </a:solidFill>
+                      </a:endParaRPr>
+                    </a:p>
+                    <a:p>
+                      <a:pPr algn="ctr"/>
+                      <a:r>
+                        <a:rPr lang="en-US" sz="1800" i="1" u="none" dirty="0">
+                          <a:solidFill>
+                            <a:schemeClr val="bg1"/>
+                          </a:solidFill>
+                        </a:rPr>
+                        <a:t>-- TBD --</a:t>
+                      </a:r>
+                      <a:endParaRPr lang="en-US" sz="2000" i="1" u="sng" dirty="0">
+                        <a:solidFill>
+                          <a:schemeClr val="bg1"/>
+                        </a:solidFill>
+                      </a:endParaRPr>
                     </a:p>
                   </a:txBody>
                   <a:tcPr marL="137160" marR="137160" marT="137160" marB="137160">
@@ -4048,14 +4128,60 @@
                     <a:p>
                       <a:pPr algn="ctr"/>
                       <a:r>
-                        <a:rPr lang="en-US" sz="2000">
+                        <a:rPr lang="en-US" sz="2000" dirty="0">
                           <a:solidFill>
                             <a:schemeClr val="bg1"/>
                           </a:solidFill>
                         </a:rPr>
                         <a:t>Elder Abraham Forth</a:t>
                       </a:r>
-                      <a:endParaRPr lang="en-US" sz="2000" dirty="0">
+                    </a:p>
+                    <a:p>
+                      <a:pPr algn="ctr"/>
+                      <a:endParaRPr lang="en-US" sz="1800" dirty="0">
+                        <a:solidFill>
+                          <a:schemeClr val="bg1"/>
+                        </a:solidFill>
+                      </a:endParaRPr>
+                    </a:p>
+                    <a:p>
+                      <a:pPr algn="ctr"/>
+                      <a:r>
+                        <a:rPr lang="en-US" sz="1800" u="sng" dirty="0">
+                          <a:solidFill>
+                            <a:schemeClr val="bg1"/>
+                          </a:solidFill>
+                        </a:rPr>
+                        <a:t>Evening Service</a:t>
+                      </a:r>
+                      <a:endParaRPr lang="en-US" sz="1800" u="none" dirty="0">
+                        <a:solidFill>
+                          <a:schemeClr val="bg1"/>
+                        </a:solidFill>
+                      </a:endParaRPr>
+                    </a:p>
+                    <a:p>
+                      <a:pPr algn="ctr"/>
+                      <a:r>
+                        <a:rPr lang="en-US" sz="1800" i="1" u="none" dirty="0">
+                          <a:solidFill>
+                            <a:schemeClr val="bg1"/>
+                          </a:solidFill>
+                        </a:rPr>
+                        <a:t>Prayer Service for Zion</a:t>
+                      </a:r>
+                    </a:p>
+                    <a:p>
+                      <a:pPr algn="ctr"/>
+                      <a:r>
+                        <a:rPr lang="en-US" sz="1800" i="1" u="none" dirty="0">
+                          <a:solidFill>
+                            <a:schemeClr val="bg1"/>
+                          </a:solidFill>
+                        </a:rPr>
+                        <a:t>(no broadcast)</a:t>
+                      </a:r>
+                      <a:endParaRPr lang="en-US" sz="2000" i="1" u="sng" dirty="0">
                         <a:solidFill>
                           <a:schemeClr val="bg1"/>
                         </a:solidFill>

--- a/Offline Slide.pptx
+++ b/Offline Slide.pptx
@@ -260,7 +260,7 @@
           <a:p>
             <a:fld id="{D1CBADBE-F29A-4ACB-86A5-2945DAC5A707}" type="datetimeFigureOut">
               <a:rPr lang="en-US" smtClean="0"/>
-              <a:t>12/18/18</a:t>
+              <a:t>1/3/2019</a:t>
             </a:fld>
             <a:endParaRPr lang="en-US"/>
           </a:p>
@@ -458,7 +458,7 @@
           <a:p>
             <a:fld id="{D1CBADBE-F29A-4ACB-86A5-2945DAC5A707}" type="datetimeFigureOut">
               <a:rPr lang="en-US" smtClean="0"/>
-              <a:t>12/18/18</a:t>
+              <a:t>1/3/2019</a:t>
             </a:fld>
             <a:endParaRPr lang="en-US"/>
           </a:p>
@@ -666,7 +666,7 @@
           <a:p>
             <a:fld id="{D1CBADBE-F29A-4ACB-86A5-2945DAC5A707}" type="datetimeFigureOut">
               <a:rPr lang="en-US" smtClean="0"/>
-              <a:t>12/18/18</a:t>
+              <a:t>1/3/2019</a:t>
             </a:fld>
             <a:endParaRPr lang="en-US"/>
           </a:p>
@@ -864,7 +864,7 @@
           <a:p>
             <a:fld id="{D1CBADBE-F29A-4ACB-86A5-2945DAC5A707}" type="datetimeFigureOut">
               <a:rPr lang="en-US" smtClean="0"/>
-              <a:t>12/18/18</a:t>
+              <a:t>1/3/2019</a:t>
             </a:fld>
             <a:endParaRPr lang="en-US"/>
           </a:p>
@@ -1139,7 +1139,7 @@
           <a:p>
             <a:fld id="{D1CBADBE-F29A-4ACB-86A5-2945DAC5A707}" type="datetimeFigureOut">
               <a:rPr lang="en-US" smtClean="0"/>
-              <a:t>12/18/18</a:t>
+              <a:t>1/3/2019</a:t>
             </a:fld>
             <a:endParaRPr lang="en-US"/>
           </a:p>
@@ -1404,7 +1404,7 @@
           <a:p>
             <a:fld id="{D1CBADBE-F29A-4ACB-86A5-2945DAC5A707}" type="datetimeFigureOut">
               <a:rPr lang="en-US" smtClean="0"/>
-              <a:t>12/18/18</a:t>
+              <a:t>1/3/2019</a:t>
             </a:fld>
             <a:endParaRPr lang="en-US"/>
           </a:p>
@@ -1906,7 +1906,7 @@
           <a:p>
             <a:fld id="{D1CBADBE-F29A-4ACB-86A5-2945DAC5A707}" type="datetimeFigureOut">
               <a:rPr lang="en-US" smtClean="0"/>
-              <a:t>12/18/18</a:t>
+              <a:t>1/3/2019</a:t>
             </a:fld>
             <a:endParaRPr lang="en-US"/>
           </a:p>
@@ -2047,7 +2047,7 @@
           <a:p>
             <a:fld id="{D1CBADBE-F29A-4ACB-86A5-2945DAC5A707}" type="datetimeFigureOut">
               <a:rPr lang="en-US" smtClean="0"/>
-              <a:t>12/18/18</a:t>
+              <a:t>1/3/2019</a:t>
             </a:fld>
             <a:endParaRPr lang="en-US"/>
           </a:p>
@@ -2160,7 +2160,7 @@
           <a:p>
             <a:fld id="{D1CBADBE-F29A-4ACB-86A5-2945DAC5A707}" type="datetimeFigureOut">
               <a:rPr lang="en-US" smtClean="0"/>
-              <a:t>12/18/18</a:t>
+              <a:t>1/3/2019</a:t>
             </a:fld>
             <a:endParaRPr lang="en-US"/>
           </a:p>
@@ -2471,7 +2471,7 @@
           <a:p>
             <a:fld id="{D1CBADBE-F29A-4ACB-86A5-2945DAC5A707}" type="datetimeFigureOut">
               <a:rPr lang="en-US" smtClean="0"/>
-              <a:t>12/18/18</a:t>
+              <a:t>1/3/2019</a:t>
             </a:fld>
             <a:endParaRPr lang="en-US"/>
           </a:p>
@@ -2759,7 +2759,7 @@
           <a:p>
             <a:fld id="{D1CBADBE-F29A-4ACB-86A5-2945DAC5A707}" type="datetimeFigureOut">
               <a:rPr lang="en-US" smtClean="0"/>
-              <a:t>12/18/18</a:t>
+              <a:t>1/3/2019</a:t>
             </a:fld>
             <a:endParaRPr lang="en-US"/>
           </a:p>
@@ -3003,7 +3003,7 @@
           <a:p>
             <a:fld id="{D1CBADBE-F29A-4ACB-86A5-2945DAC5A707}" type="datetimeFigureOut">
               <a:rPr lang="en-US" smtClean="0"/>
-              <a:t>12/18/18</a:t>
+              <a:t>1/3/2019</a:t>
             </a:fld>
             <a:endParaRPr lang="en-US"/>
           </a:p>
@@ -3737,7 +3737,7 @@
           <p:nvPr>
             <p:extLst>
               <p:ext uri="{D42A27DB-BD31-4B8C-83A1-F6EECF244321}">
-                <p14:modId xmlns:p14="http://schemas.microsoft.com/office/powerpoint/2010/main" val="257114923"/>
+                <p14:modId xmlns:p14="http://schemas.microsoft.com/office/powerpoint/2010/main" val="2753367714"/>
               </p:ext>
             </p:extLst>
           </p:nvPr>
@@ -3788,7 +3788,7 @@
                             <a:schemeClr val="bg1"/>
                           </a:solidFill>
                         </a:rPr>
-                        <a:t>Sun, 12/23/18</a:t>
+                        <a:t>Sun, 1/6/19</a:t>
                       </a:r>
                     </a:p>
                   </a:txBody>
@@ -3988,7 +3988,7 @@
                             <a:schemeClr val="bg1"/>
                           </a:solidFill>
                         </a:rPr>
-                        <a:t>High Priest Dean Falconer</a:t>
+                        <a:t>Elder Abraham Forth</a:t>
                       </a:r>
                     </a:p>
                     <a:p>
@@ -4023,7 +4023,18 @@
                             <a:schemeClr val="bg1"/>
                           </a:solidFill>
                         </a:rPr>
-                        <a:t>No evening services</a:t>
+                        <a:t>Prayer Service for Zion</a:t>
+                      </a:r>
+                    </a:p>
+                    <a:p>
+                      <a:pPr algn="ctr"/>
+                      <a:r>
+                        <a:rPr lang="en-US" sz="1800" i="1" u="none" dirty="0">
+                          <a:solidFill>
+                            <a:schemeClr val="bg1"/>
+                          </a:solidFill>
+                        </a:rPr>
+                        <a:t>(no broadcast)</a:t>
                       </a:r>
                       <a:endParaRPr lang="en-US" sz="2000" i="1" u="sng" dirty="0">
                         <a:solidFill>
@@ -4056,7 +4067,7 @@
                             <a:schemeClr val="bg1"/>
                           </a:solidFill>
                         </a:rPr>
-                        <a:t>Teacher Kevin McMilian</a:t>
+                        <a:t>Elder Dennis King</a:t>
                       </a:r>
                     </a:p>
                     <a:p>
@@ -4133,8 +4144,21 @@
                             <a:schemeClr val="bg1"/>
                           </a:solidFill>
                         </a:rPr>
-                        <a:t>Elder Abraham Forth</a:t>
+                        <a:t>Elder Charles </a:t>
                       </a:r>
+                      <a:r>
+                        <a:rPr lang="en-US" sz="2000" dirty="0" err="1">
+                          <a:solidFill>
+                            <a:schemeClr val="bg1"/>
+                          </a:solidFill>
+                        </a:rPr>
+                        <a:t>Zerr</a:t>
+                      </a:r>
+                      <a:endParaRPr lang="en-US" sz="2000" dirty="0">
+                        <a:solidFill>
+                          <a:schemeClr val="bg1"/>
+                        </a:solidFill>
+                      </a:endParaRPr>
                     </a:p>
                     <a:p>
                       <a:pPr algn="ctr"/>
@@ -4168,7 +4192,7 @@
                             <a:schemeClr val="bg1"/>
                           </a:solidFill>
                         </a:rPr>
-                        <a:t>Prayer Service for Zion</a:t>
+                        <a:t>Class: “The Restitution”</a:t>
                       </a:r>
                     </a:p>
                     <a:p>

--- a/Offline Slide.pptx
+++ b/Offline Slide.pptx
@@ -3737,7 +3737,7 @@
           <p:nvPr>
             <p:extLst>
               <p:ext uri="{D42A27DB-BD31-4B8C-83A1-F6EECF244321}">
-                <p14:modId xmlns:p14="http://schemas.microsoft.com/office/powerpoint/2010/main" val="2753367714"/>
+                <p14:modId xmlns:p14="http://schemas.microsoft.com/office/powerpoint/2010/main" val="182409790"/>
               </p:ext>
             </p:extLst>
           </p:nvPr>
@@ -3816,8 +3816,21 @@
                             <a:schemeClr val="bg1"/>
                           </a:solidFill>
                         </a:rPr>
-                        <a:t>Sun, 12/30/18</a:t>
+                        <a:t>Sun</a:t>
                       </a:r>
+                      <a:r>
+                        <a:rPr lang="en-US" sz="2000" b="1">
+                          <a:solidFill>
+                            <a:schemeClr val="bg1"/>
+                          </a:solidFill>
+                        </a:rPr>
+                        <a:t>, 1/13/19</a:t>
+                      </a:r>
+                      <a:endParaRPr lang="en-US" sz="2000" b="1" dirty="0">
+                        <a:solidFill>
+                          <a:schemeClr val="bg1"/>
+                        </a:solidFill>
+                      </a:endParaRPr>
                     </a:p>
                   </a:txBody>
                   <a:tcPr marL="45720" marR="45720" anchor="b">
@@ -3853,7 +3866,7 @@
                             <a:schemeClr val="bg1"/>
                           </a:solidFill>
                         </a:rPr>
-                        <a:t>Sun, 1/6/18</a:t>
+                        <a:t>Sun, 1/20/19</a:t>
                       </a:r>
                     </a:p>
                   </a:txBody>

--- a/Offline Slide.pptx
+++ b/Offline Slide.pptx
@@ -3737,7 +3737,7 @@
           <p:nvPr>
             <p:extLst>
               <p:ext uri="{D42A27DB-BD31-4B8C-83A1-F6EECF244321}">
-                <p14:modId xmlns:p14="http://schemas.microsoft.com/office/powerpoint/2010/main" val="182409790"/>
+                <p14:modId xmlns:p14="http://schemas.microsoft.com/office/powerpoint/2010/main" val="278875192"/>
               </p:ext>
             </p:extLst>
           </p:nvPr>
@@ -4042,14 +4042,14 @@
                     <a:p>
                       <a:pPr algn="ctr"/>
                       <a:r>
-                        <a:rPr lang="en-US" sz="1800" i="1" u="none" dirty="0">
+                        <a:rPr lang="en-US" sz="1800" i="0" u="none" dirty="0">
                           <a:solidFill>
                             <a:schemeClr val="bg1"/>
                           </a:solidFill>
                         </a:rPr>
                         <a:t>(no broadcast)</a:t>
                       </a:r>
-                      <a:endParaRPr lang="en-US" sz="2000" i="1" u="sng" dirty="0">
+                      <a:endParaRPr lang="en-US" sz="2000" i="0" u="sng" dirty="0">
                         <a:solidFill>
                           <a:schemeClr val="bg1"/>
                         </a:solidFill>
@@ -4211,14 +4211,14 @@
                     <a:p>
                       <a:pPr algn="ctr"/>
                       <a:r>
-                        <a:rPr lang="en-US" sz="1800" i="1" u="none" dirty="0">
+                        <a:rPr lang="en-US" sz="1800" i="0" u="none" dirty="0">
                           <a:solidFill>
                             <a:schemeClr val="bg1"/>
                           </a:solidFill>
                         </a:rPr>
                         <a:t>(no broadcast)</a:t>
                       </a:r>
-                      <a:endParaRPr lang="en-US" sz="2000" i="1" u="sng" dirty="0">
+                      <a:endParaRPr lang="en-US" sz="2000" i="0" u="sng" dirty="0">
                         <a:solidFill>
                           <a:schemeClr val="bg1"/>
                         </a:solidFill>

--- a/Offline Slide.pptx
+++ b/Offline Slide.pptx
@@ -6,7 +6,8 @@
   </p:sldMasterIdLst>
   <p:sldIdLst>
     <p:sldId id="261" r:id="rId2"/>
-    <p:sldId id="260" r:id="rId3"/>
+    <p:sldId id="262" r:id="rId3"/>
+    <p:sldId id="260" r:id="rId4"/>
   </p:sldIdLst>
   <p:sldSz cx="12192000" cy="6858000"/>
   <p:notesSz cx="6858000" cy="9144000"/>
@@ -260,7 +261,7 @@
           <a:p>
             <a:fld id="{D1CBADBE-F29A-4ACB-86A5-2945DAC5A707}" type="datetimeFigureOut">
               <a:rPr lang="en-US" smtClean="0"/>
-              <a:t>9/16/18</a:t>
+              <a:t>10/28/2018</a:t>
             </a:fld>
             <a:endParaRPr lang="en-US"/>
           </a:p>
@@ -458,7 +459,7 @@
           <a:p>
             <a:fld id="{D1CBADBE-F29A-4ACB-86A5-2945DAC5A707}" type="datetimeFigureOut">
               <a:rPr lang="en-US" smtClean="0"/>
-              <a:t>9/16/18</a:t>
+              <a:t>10/28/2018</a:t>
             </a:fld>
             <a:endParaRPr lang="en-US"/>
           </a:p>
@@ -666,7 +667,7 @@
           <a:p>
             <a:fld id="{D1CBADBE-F29A-4ACB-86A5-2945DAC5A707}" type="datetimeFigureOut">
               <a:rPr lang="en-US" smtClean="0"/>
-              <a:t>9/16/18</a:t>
+              <a:t>10/28/2018</a:t>
             </a:fld>
             <a:endParaRPr lang="en-US"/>
           </a:p>
@@ -864,7 +865,7 @@
           <a:p>
             <a:fld id="{D1CBADBE-F29A-4ACB-86A5-2945DAC5A707}" type="datetimeFigureOut">
               <a:rPr lang="en-US" smtClean="0"/>
-              <a:t>9/16/18</a:t>
+              <a:t>10/28/2018</a:t>
             </a:fld>
             <a:endParaRPr lang="en-US"/>
           </a:p>
@@ -1139,7 +1140,7 @@
           <a:p>
             <a:fld id="{D1CBADBE-F29A-4ACB-86A5-2945DAC5A707}" type="datetimeFigureOut">
               <a:rPr lang="en-US" smtClean="0"/>
-              <a:t>9/16/18</a:t>
+              <a:t>10/28/2018</a:t>
             </a:fld>
             <a:endParaRPr lang="en-US"/>
           </a:p>
@@ -1404,7 +1405,7 @@
           <a:p>
             <a:fld id="{D1CBADBE-F29A-4ACB-86A5-2945DAC5A707}" type="datetimeFigureOut">
               <a:rPr lang="en-US" smtClean="0"/>
-              <a:t>9/16/18</a:t>
+              <a:t>10/28/2018</a:t>
             </a:fld>
             <a:endParaRPr lang="en-US"/>
           </a:p>
@@ -1906,7 +1907,7 @@
           <a:p>
             <a:fld id="{D1CBADBE-F29A-4ACB-86A5-2945DAC5A707}" type="datetimeFigureOut">
               <a:rPr lang="en-US" smtClean="0"/>
-              <a:t>9/16/18</a:t>
+              <a:t>10/28/2018</a:t>
             </a:fld>
             <a:endParaRPr lang="en-US"/>
           </a:p>
@@ -2047,7 +2048,7 @@
           <a:p>
             <a:fld id="{D1CBADBE-F29A-4ACB-86A5-2945DAC5A707}" type="datetimeFigureOut">
               <a:rPr lang="en-US" smtClean="0"/>
-              <a:t>9/16/18</a:t>
+              <a:t>10/28/2018</a:t>
             </a:fld>
             <a:endParaRPr lang="en-US"/>
           </a:p>
@@ -2160,7 +2161,7 @@
           <a:p>
             <a:fld id="{D1CBADBE-F29A-4ACB-86A5-2945DAC5A707}" type="datetimeFigureOut">
               <a:rPr lang="en-US" smtClean="0"/>
-              <a:t>9/16/18</a:t>
+              <a:t>10/28/2018</a:t>
             </a:fld>
             <a:endParaRPr lang="en-US"/>
           </a:p>
@@ -2471,7 +2472,7 @@
           <a:p>
             <a:fld id="{D1CBADBE-F29A-4ACB-86A5-2945DAC5A707}" type="datetimeFigureOut">
               <a:rPr lang="en-US" smtClean="0"/>
-              <a:t>9/16/18</a:t>
+              <a:t>10/28/2018</a:t>
             </a:fld>
             <a:endParaRPr lang="en-US"/>
           </a:p>
@@ -2759,7 +2760,7 @@
           <a:p>
             <a:fld id="{D1CBADBE-F29A-4ACB-86A5-2945DAC5A707}" type="datetimeFigureOut">
               <a:rPr lang="en-US" smtClean="0"/>
-              <a:t>9/16/18</a:t>
+              <a:t>10/28/2018</a:t>
             </a:fld>
             <a:endParaRPr lang="en-US"/>
           </a:p>
@@ -3003,7 +3004,7 @@
           <a:p>
             <a:fld id="{D1CBADBE-F29A-4ACB-86A5-2945DAC5A707}" type="datetimeFigureOut">
               <a:rPr lang="en-US" smtClean="0"/>
-              <a:t>9/16/18</a:t>
+              <a:t>10/28/2018</a:t>
             </a:fld>
             <a:endParaRPr lang="en-US"/>
           </a:p>
@@ -3737,7 +3738,7 @@
           <p:nvPr>
             <p:extLst>
               <p:ext uri="{D42A27DB-BD31-4B8C-83A1-F6EECF244321}">
-                <p14:modId xmlns:p14="http://schemas.microsoft.com/office/powerpoint/2010/main" val="3601487175"/>
+                <p14:modId xmlns:p14="http://schemas.microsoft.com/office/powerpoint/2010/main" val="222719994"/>
               </p:ext>
             </p:extLst>
           </p:nvPr>
@@ -3788,7 +3789,7 @@
                             <a:schemeClr val="bg1"/>
                           </a:solidFill>
                         </a:rPr>
-                        <a:t>TONIGHT (Sun, 9/16/18)</a:t>
+                        <a:t>Sun, 11/4/18</a:t>
                       </a:r>
                     </a:p>
                   </a:txBody>
@@ -3816,7 +3817,7 @@
                             <a:schemeClr val="bg1"/>
                           </a:solidFill>
                         </a:rPr>
-                        <a:t>Sun, 9/23/18</a:t>
+                        <a:t>Sun, 11/11/18</a:t>
                       </a:r>
                     </a:p>
                   </a:txBody>
@@ -3853,7 +3854,7 @@
                             <a:schemeClr val="bg1"/>
                           </a:solidFill>
                         </a:rPr>
-                        <a:t>Sun, 9/30/18</a:t>
+                        <a:t>Sun, 11/18/18</a:t>
                       </a:r>
                     </a:p>
                   </a:txBody>
@@ -3888,7 +3889,7 @@
                             <a:schemeClr val="bg1"/>
                           </a:solidFill>
                         </a:rPr>
-                        <a:t>6:00 PM CDT • 23:00 PM UTC</a:t>
+                        <a:t>10:30 AM CDT • 15:30 PM UTC</a:t>
                       </a:r>
                     </a:p>
                   </a:txBody>
@@ -3988,7 +3989,7 @@
                             <a:schemeClr val="bg1"/>
                           </a:solidFill>
                         </a:rPr>
-                        <a:t>Ordination Service</a:t>
+                        <a:t>Elder Bob Cackler</a:t>
                       </a:r>
                     </a:p>
                   </a:txBody>
@@ -4016,7 +4017,7 @@
                             <a:schemeClr val="bg1"/>
                           </a:solidFill>
                         </a:rPr>
-                        <a:t>Seventy Bob Moore</a:t>
+                        <a:t>Elder Bonner Davis</a:t>
                       </a:r>
                     </a:p>
                   </a:txBody>
@@ -4048,12 +4049,20 @@
                     <a:p>
                       <a:pPr algn="ctr"/>
                       <a:r>
-                        <a:rPr lang="en-US" sz="2000">
+                        <a:rPr lang="en-US" sz="2000" dirty="0">
                           <a:solidFill>
                             <a:schemeClr val="bg1"/>
                           </a:solidFill>
                         </a:rPr>
-                        <a:t>Elder Abraham Forth</a:t>
+                        <a:t>Priest Jeff </a:t>
+                      </a:r>
+                      <a:r>
+                        <a:rPr lang="en-US" sz="2000" dirty="0" err="1">
+                          <a:solidFill>
+                            <a:schemeClr val="bg1"/>
+                          </a:solidFill>
+                        </a:rPr>
+                        <a:t>Bezona</a:t>
                       </a:r>
                       <a:endParaRPr lang="en-US" sz="2000" dirty="0">
                         <a:solidFill>
@@ -4098,6 +4107,994 @@
 </file>
 
 <file path=ppt/slides/slide2.xml><?xml version="1.0" encoding="utf-8"?>
+<p:sld xmlns:a="http://schemas.openxmlformats.org/drawingml/2006/main" xmlns:r="http://schemas.openxmlformats.org/officeDocument/2006/relationships" xmlns:p="http://schemas.openxmlformats.org/presentationml/2006/main">
+  <p:cSld>
+    <p:spTree>
+      <p:nvGrpSpPr>
+        <p:cNvPr id="1" name=""/>
+        <p:cNvGrpSpPr/>
+        <p:nvPr/>
+      </p:nvGrpSpPr>
+      <p:grpSpPr>
+        <a:xfrm>
+          <a:off x="0" y="0"/>
+          <a:ext cx="0" cy="0"/>
+          <a:chOff x="0" y="0"/>
+          <a:chExt cx="0" cy="0"/>
+        </a:xfrm>
+      </p:grpSpPr>
+      <p:grpSp>
+        <p:nvGrpSpPr>
+          <p:cNvPr id="6" name="Group 5">
+            <a:extLst>
+              <a:ext uri="{FF2B5EF4-FFF2-40B4-BE49-F238E27FC236}">
+                <a16:creationId xmlns:a16="http://schemas.microsoft.com/office/drawing/2014/main" id="{D17D02E7-3F0D-4273-B382-1CB172C5868F}"/>
+              </a:ext>
+            </a:extLst>
+          </p:cNvPr>
+          <p:cNvGrpSpPr/>
+          <p:nvPr/>
+        </p:nvGrpSpPr>
+        <p:grpSpPr>
+          <a:xfrm>
+            <a:off x="-258896" y="345232"/>
+            <a:ext cx="12709793" cy="597160"/>
+            <a:chOff x="0" y="37322"/>
+            <a:chExt cx="12192000" cy="597160"/>
+          </a:xfrm>
+          <a:effectLst>
+            <a:outerShdw blurRad="50800" dist="38100" dir="2700000" algn="tl" rotWithShape="0">
+              <a:prstClr val="black">
+                <a:alpha val="40000"/>
+              </a:prstClr>
+            </a:outerShdw>
+          </a:effectLst>
+        </p:grpSpPr>
+        <p:sp>
+          <p:nvSpPr>
+            <p:cNvPr id="4" name="Rectangle 3">
+              <a:extLst>
+                <a:ext uri="{FF2B5EF4-FFF2-40B4-BE49-F238E27FC236}">
+                  <a16:creationId xmlns:a16="http://schemas.microsoft.com/office/drawing/2014/main" id="{593D64DA-DCEB-4AA2-B312-515F146861D8}"/>
+                </a:ext>
+              </a:extLst>
+            </p:cNvPr>
+            <p:cNvSpPr/>
+            <p:nvPr/>
+          </p:nvSpPr>
+          <p:spPr>
+            <a:xfrm>
+              <a:off x="0" y="37322"/>
+              <a:ext cx="12192000" cy="597160"/>
+            </a:xfrm>
+            <a:prstGeom prst="rect">
+              <a:avLst/>
+            </a:prstGeom>
+            <a:solidFill>
+              <a:srgbClr val="A99A85"/>
+            </a:solidFill>
+            <a:ln>
+              <a:noFill/>
+            </a:ln>
+          </p:spPr>
+          <p:style>
+            <a:lnRef idx="2">
+              <a:schemeClr val="accent1">
+                <a:shade val="50000"/>
+              </a:schemeClr>
+            </a:lnRef>
+            <a:fillRef idx="1">
+              <a:schemeClr val="accent1"/>
+            </a:fillRef>
+            <a:effectRef idx="0">
+              <a:schemeClr val="accent1"/>
+            </a:effectRef>
+            <a:fontRef idx="minor">
+              <a:schemeClr val="lt1"/>
+            </a:fontRef>
+          </p:style>
+          <p:txBody>
+            <a:bodyPr rtlCol="0" anchor="ctr"/>
+            <a:lstStyle/>
+            <a:p>
+              <a:pPr algn="ctr"/>
+              <a:endParaRPr lang="en-US" sz="2000"/>
+            </a:p>
+          </p:txBody>
+        </p:sp>
+        <p:sp>
+          <p:nvSpPr>
+            <p:cNvPr id="5" name="TextBox 4">
+              <a:extLst>
+                <a:ext uri="{FF2B5EF4-FFF2-40B4-BE49-F238E27FC236}">
+                  <a16:creationId xmlns:a16="http://schemas.microsoft.com/office/drawing/2014/main" id="{7F6F85FF-5065-4709-8C26-12A905611F7A}"/>
+                </a:ext>
+              </a:extLst>
+            </p:cNvPr>
+            <p:cNvSpPr txBox="1"/>
+            <p:nvPr/>
+          </p:nvSpPr>
+          <p:spPr>
+            <a:xfrm>
+              <a:off x="2475722" y="90521"/>
+              <a:ext cx="7240556" cy="523220"/>
+            </a:xfrm>
+            <a:prstGeom prst="rect">
+              <a:avLst/>
+            </a:prstGeom>
+            <a:noFill/>
+          </p:spPr>
+          <p:txBody>
+            <a:bodyPr wrap="square" rtlCol="0" anchor="ctr">
+              <a:spAutoFit/>
+            </a:bodyPr>
+            <a:lstStyle/>
+            <a:p>
+              <a:pPr algn="ctr"/>
+              <a:r>
+                <a:rPr lang="en-US" sz="2800" dirty="0">
+                  <a:latin typeface="Pristina" panose="03060402040406080204" pitchFamily="66" charset="0"/>
+                </a:rPr>
+                <a:t>Zarahemla Branch</a:t>
+              </a:r>
+            </a:p>
+          </p:txBody>
+        </p:sp>
+      </p:grpSp>
+      <p:sp>
+        <p:nvSpPr>
+          <p:cNvPr id="9" name="Content Placeholder 8">
+            <a:extLst>
+              <a:ext uri="{FF2B5EF4-FFF2-40B4-BE49-F238E27FC236}">
+                <a16:creationId xmlns:a16="http://schemas.microsoft.com/office/drawing/2014/main" id="{86B58BAA-1EBC-4E6E-80D7-CA6A89DE4AB8}"/>
+              </a:ext>
+            </a:extLst>
+          </p:cNvPr>
+          <p:cNvSpPr>
+            <a:spLocks noGrp="1"/>
+          </p:cNvSpPr>
+          <p:nvPr>
+            <p:ph sz="half" idx="1"/>
+          </p:nvPr>
+        </p:nvSpPr>
+        <p:spPr>
+          <a:xfrm>
+            <a:off x="838200" y="1143343"/>
+            <a:ext cx="10515600" cy="1507094"/>
+          </a:xfrm>
+        </p:spPr>
+        <p:txBody>
+          <a:bodyPr anchor="ctr">
+            <a:normAutofit/>
+          </a:bodyPr>
+          <a:lstStyle/>
+          <a:p>
+            <a:pPr marL="0" indent="0" algn="ctr">
+              <a:buNone/>
+            </a:pPr>
+            <a:r>
+              <a:rPr lang="en-US" sz="2400" dirty="0">
+                <a:solidFill>
+                  <a:schemeClr val="bg1">
+                    <a:lumMod val="85000"/>
+                  </a:schemeClr>
+                </a:solidFill>
+                <a:effectLst>
+                  <a:outerShdw blurRad="50800" dist="38100" dir="2700000" algn="tl" rotWithShape="0">
+                    <a:prstClr val="black">
+                      <a:alpha val="40000"/>
+                    </a:prstClr>
+                  </a:outerShdw>
+                </a:effectLst>
+                <a:latin typeface="Open Sans" panose="020B0606030504020204" pitchFamily="34" charset="0"/>
+                <a:ea typeface="Open Sans" panose="020B0606030504020204" pitchFamily="34" charset="0"/>
+                <a:cs typeface="Open Sans" panose="020B0606030504020204" pitchFamily="34" charset="0"/>
+              </a:rPr>
+              <a:t>We are currently offline.</a:t>
+            </a:r>
+          </a:p>
+          <a:p>
+            <a:pPr marL="0" indent="0" algn="ctr">
+              <a:buNone/>
+            </a:pPr>
+            <a:endParaRPr lang="en-US" sz="2400" dirty="0">
+              <a:solidFill>
+                <a:schemeClr val="bg1">
+                  <a:lumMod val="85000"/>
+                </a:schemeClr>
+              </a:solidFill>
+              <a:effectLst>
+                <a:outerShdw blurRad="50800" dist="38100" dir="2700000" algn="tl" rotWithShape="0">
+                  <a:prstClr val="black">
+                    <a:alpha val="40000"/>
+                  </a:prstClr>
+                </a:outerShdw>
+              </a:effectLst>
+              <a:latin typeface="Open Sans" panose="020B0606030504020204" pitchFamily="34" charset="0"/>
+              <a:ea typeface="Open Sans" panose="020B0606030504020204" pitchFamily="34" charset="0"/>
+              <a:cs typeface="Open Sans" panose="020B0606030504020204" pitchFamily="34" charset="0"/>
+            </a:endParaRPr>
+          </a:p>
+          <a:p>
+            <a:pPr marL="0" indent="0" algn="ctr">
+              <a:buNone/>
+            </a:pPr>
+            <a:r>
+              <a:rPr lang="en-US" sz="2400" dirty="0">
+                <a:solidFill>
+                  <a:schemeClr val="bg1">
+                    <a:lumMod val="85000"/>
+                  </a:schemeClr>
+                </a:solidFill>
+                <a:effectLst>
+                  <a:outerShdw blurRad="50800" dist="38100" dir="2700000" algn="tl" rotWithShape="0">
+                    <a:prstClr val="black">
+                      <a:alpha val="40000"/>
+                    </a:prstClr>
+                  </a:outerShdw>
+                </a:effectLst>
+                <a:latin typeface="Open Sans" panose="020B0606030504020204" pitchFamily="34" charset="0"/>
+                <a:ea typeface="Open Sans" panose="020B0606030504020204" pitchFamily="34" charset="0"/>
+                <a:cs typeface="Open Sans" panose="020B0606030504020204" pitchFamily="34" charset="0"/>
+              </a:rPr>
+              <a:t>Please join us for Sunday Worship each Sunday at 10:30 AM CDT.</a:t>
+            </a:r>
+          </a:p>
+        </p:txBody>
+      </p:sp>
+      <p:sp>
+        <p:nvSpPr>
+          <p:cNvPr id="10" name="Content Placeholder 9">
+            <a:extLst>
+              <a:ext uri="{FF2B5EF4-FFF2-40B4-BE49-F238E27FC236}">
+                <a16:creationId xmlns:a16="http://schemas.microsoft.com/office/drawing/2014/main" id="{A0894FBB-42B2-4E18-A40E-6A6A542B28F2}"/>
+              </a:ext>
+            </a:extLst>
+          </p:cNvPr>
+          <p:cNvSpPr>
+            <a:spLocks noGrp="1"/>
+          </p:cNvSpPr>
+          <p:nvPr>
+            <p:ph sz="half" idx="2"/>
+          </p:nvPr>
+        </p:nvSpPr>
+        <p:spPr>
+          <a:xfrm>
+            <a:off x="838200" y="2822713"/>
+            <a:ext cx="10515600" cy="3559526"/>
+          </a:xfrm>
+          <a:ln w="50800" cmpd="thickThin">
+            <a:solidFill>
+              <a:schemeClr val="bg1">
+                <a:lumMod val="75000"/>
+              </a:schemeClr>
+            </a:solidFill>
+          </a:ln>
+        </p:spPr>
+        <p:txBody>
+          <a:bodyPr anchor="t">
+            <a:normAutofit/>
+          </a:bodyPr>
+          <a:lstStyle/>
+          <a:p>
+            <a:pPr marL="0" indent="0" algn="ctr">
+              <a:buNone/>
+            </a:pPr>
+            <a:endParaRPr lang="en-US" sz="700" u="sng" dirty="0">
+              <a:solidFill>
+                <a:schemeClr val="bg1">
+                  <a:lumMod val="85000"/>
+                </a:schemeClr>
+              </a:solidFill>
+              <a:effectLst>
+                <a:outerShdw blurRad="50800" dist="38100" dir="2700000" algn="tl" rotWithShape="0">
+                  <a:prstClr val="black">
+                    <a:alpha val="40000"/>
+                  </a:prstClr>
+                </a:outerShdw>
+              </a:effectLst>
+              <a:latin typeface="Open Sans" panose="020B0606030504020204" pitchFamily="34" charset="0"/>
+              <a:ea typeface="Open Sans" panose="020B0606030504020204" pitchFamily="34" charset="0"/>
+              <a:cs typeface="Open Sans" panose="020B0606030504020204" pitchFamily="34" charset="0"/>
+            </a:endParaRPr>
+          </a:p>
+          <a:p>
+            <a:pPr marL="0" indent="0" algn="ctr">
+              <a:buNone/>
+            </a:pPr>
+            <a:r>
+              <a:rPr lang="en-US" sz="2400" u="sng" dirty="0">
+                <a:solidFill>
+                  <a:schemeClr val="bg1">
+                    <a:lumMod val="85000"/>
+                  </a:schemeClr>
+                </a:solidFill>
+                <a:effectLst>
+                  <a:outerShdw blurRad="50800" dist="38100" dir="2700000" algn="tl" rotWithShape="0">
+                    <a:prstClr val="black">
+                      <a:alpha val="40000"/>
+                    </a:prstClr>
+                  </a:outerShdw>
+                </a:effectLst>
+                <a:latin typeface="Open Sans" panose="020B0606030504020204" pitchFamily="34" charset="0"/>
+                <a:ea typeface="Open Sans" panose="020B0606030504020204" pitchFamily="34" charset="0"/>
+                <a:cs typeface="Open Sans" panose="020B0606030504020204" pitchFamily="34" charset="0"/>
+              </a:rPr>
+              <a:t>Upcoming Broadcasts:</a:t>
+            </a:r>
+          </a:p>
+        </p:txBody>
+      </p:sp>
+      <p:graphicFrame>
+        <p:nvGraphicFramePr>
+          <p:cNvPr id="2" name="Table 1">
+            <a:extLst>
+              <a:ext uri="{FF2B5EF4-FFF2-40B4-BE49-F238E27FC236}">
+                <a16:creationId xmlns:a16="http://schemas.microsoft.com/office/drawing/2014/main" id="{598D52B4-3D30-4B2F-B649-FBD6189666D7}"/>
+              </a:ext>
+            </a:extLst>
+          </p:cNvPr>
+          <p:cNvGraphicFramePr>
+            <a:graphicFrameLocks noGrp="1"/>
+          </p:cNvGraphicFramePr>
+          <p:nvPr>
+            <p:extLst>
+              <p:ext uri="{D42A27DB-BD31-4B8C-83A1-F6EECF244321}">
+                <p14:modId xmlns:p14="http://schemas.microsoft.com/office/powerpoint/2010/main" val="3815839240"/>
+              </p:ext>
+            </p:extLst>
+          </p:nvPr>
+        </p:nvGraphicFramePr>
+        <p:xfrm>
+          <a:off x="838199" y="3635139"/>
+          <a:ext cx="10515600" cy="1645920"/>
+        </p:xfrm>
+        <a:graphic>
+          <a:graphicData uri="http://schemas.openxmlformats.org/drawingml/2006/table">
+            <a:tbl>
+              <a:tblPr firstRow="1" bandRow="1">
+                <a:tableStyleId>{2D5ABB26-0587-4C30-8999-92F81FD0307C}</a:tableStyleId>
+              </a:tblPr>
+              <a:tblGrid>
+                <a:gridCol w="3505200">
+                  <a:extLst>
+                    <a:ext uri="{9D8B030D-6E8A-4147-A177-3AD203B41FA5}">
+                      <a16:colId xmlns:a16="http://schemas.microsoft.com/office/drawing/2014/main" val="140136623"/>
+                    </a:ext>
+                  </a:extLst>
+                </a:gridCol>
+                <a:gridCol w="3505200">
+                  <a:extLst>
+                    <a:ext uri="{9D8B030D-6E8A-4147-A177-3AD203B41FA5}">
+                      <a16:colId xmlns:a16="http://schemas.microsoft.com/office/drawing/2014/main" val="2629175129"/>
+                    </a:ext>
+                  </a:extLst>
+                </a:gridCol>
+                <a:gridCol w="3505200">
+                  <a:extLst>
+                    <a:ext uri="{9D8B030D-6E8A-4147-A177-3AD203B41FA5}">
+                      <a16:colId xmlns:a16="http://schemas.microsoft.com/office/drawing/2014/main" val="4088532517"/>
+                    </a:ext>
+                  </a:extLst>
+                </a:gridCol>
+              </a:tblGrid>
+              <a:tr h="473040">
+                <a:tc>
+                  <a:txBody>
+                    <a:bodyPr/>
+                    <a:lstStyle/>
+                    <a:p>
+                      <a:pPr algn="ctr"/>
+                      <a:r>
+                        <a:rPr lang="en-US" sz="2000" b="1" dirty="0">
+                          <a:solidFill>
+                            <a:schemeClr val="bg1"/>
+                          </a:solidFill>
+                        </a:rPr>
+                        <a:t>Sun, 11/4/18</a:t>
+                      </a:r>
+                    </a:p>
+                  </a:txBody>
+                  <a:tcPr marL="45720" marR="45720" anchor="b">
+                    <a:lnR w="38100" cap="flat" cmpd="sng" algn="ctr">
+                      <a:solidFill>
+                        <a:schemeClr val="bg1"/>
+                      </a:solidFill>
+                      <a:prstDash val="solid"/>
+                      <a:round/>
+                      <a:headEnd type="none" w="med" len="med"/>
+                      <a:tailEnd type="none" w="med" len="med"/>
+                    </a:lnR>
+                  </a:tcPr>
+                </a:tc>
+                <a:tc>
+                  <a:txBody>
+                    <a:bodyPr/>
+                    <a:lstStyle/>
+                    <a:p>
+                      <a:pPr algn="ctr"/>
+                      <a:r>
+                        <a:rPr lang="en-US" sz="2000" b="1" dirty="0">
+                          <a:solidFill>
+                            <a:schemeClr val="bg1"/>
+                          </a:solidFill>
+                        </a:rPr>
+                        <a:t>Sun, 11/11/18</a:t>
+                      </a:r>
+                    </a:p>
+                  </a:txBody>
+                  <a:tcPr marL="45720" marR="45720" anchor="b">
+                    <a:lnL w="38100" cap="flat" cmpd="sng" algn="ctr">
+                      <a:solidFill>
+                        <a:schemeClr val="bg1"/>
+                      </a:solidFill>
+                      <a:prstDash val="solid"/>
+                      <a:round/>
+                      <a:headEnd type="none" w="med" len="med"/>
+                      <a:tailEnd type="none" w="med" len="med"/>
+                    </a:lnL>
+                    <a:lnR w="38100" cap="flat" cmpd="sng" algn="ctr">
+                      <a:solidFill>
+                        <a:schemeClr val="bg1"/>
+                      </a:solidFill>
+                      <a:prstDash val="solid"/>
+                      <a:round/>
+                      <a:headEnd type="none" w="med" len="med"/>
+                      <a:tailEnd type="none" w="med" len="med"/>
+                    </a:lnR>
+                  </a:tcPr>
+                </a:tc>
+                <a:tc>
+                  <a:txBody>
+                    <a:bodyPr/>
+                    <a:lstStyle/>
+                    <a:p>
+                      <a:pPr algn="ctr"/>
+                      <a:r>
+                        <a:rPr lang="en-US" sz="2000" b="1" dirty="0">
+                          <a:solidFill>
+                            <a:schemeClr val="bg1"/>
+                          </a:solidFill>
+                        </a:rPr>
+                        <a:t>Sun, 11/18/18</a:t>
+                      </a:r>
+                    </a:p>
+                  </a:txBody>
+                  <a:tcPr marL="45720" marR="45720" anchor="b">
+                    <a:lnL w="38100" cap="flat" cmpd="sng" algn="ctr">
+                      <a:solidFill>
+                        <a:schemeClr val="bg1"/>
+                      </a:solidFill>
+                      <a:prstDash val="solid"/>
+                      <a:round/>
+                      <a:headEnd type="none" w="med" len="med"/>
+                      <a:tailEnd type="none" w="med" len="med"/>
+                    </a:lnL>
+                  </a:tcPr>
+                </a:tc>
+                <a:extLst>
+                  <a:ext uri="{0D108BD9-81ED-4DB2-BD59-A6C34878D82A}">
+                    <a16:rowId xmlns:a16="http://schemas.microsoft.com/office/drawing/2014/main" val="3791071699"/>
+                  </a:ext>
+                </a:extLst>
+              </a:tr>
+              <a:tr h="473040">
+                <a:tc>
+                  <a:txBody>
+                    <a:bodyPr/>
+                    <a:lstStyle/>
+                    <a:p>
+                      <a:pPr algn="ctr"/>
+                      <a:r>
+                        <a:rPr lang="en-US" sz="2000" b="1" dirty="0">
+                          <a:solidFill>
+                            <a:schemeClr val="bg1"/>
+                          </a:solidFill>
+                        </a:rPr>
+                        <a:t>10:30 AM CDT • 15:30 PM UTC</a:t>
+                      </a:r>
+                    </a:p>
+                  </a:txBody>
+                  <a:tcPr marL="45720" marR="45720" anchor="ctr">
+                    <a:lnR w="38100" cap="flat" cmpd="sng" algn="ctr">
+                      <a:solidFill>
+                        <a:schemeClr val="bg1"/>
+                      </a:solidFill>
+                      <a:prstDash val="solid"/>
+                      <a:round/>
+                      <a:headEnd type="none" w="med" len="med"/>
+                      <a:tailEnd type="none" w="med" len="med"/>
+                    </a:lnR>
+                  </a:tcPr>
+                </a:tc>
+                <a:tc>
+                  <a:txBody>
+                    <a:bodyPr/>
+                    <a:lstStyle/>
+                    <a:p>
+                      <a:pPr algn="ctr"/>
+                      <a:r>
+                        <a:rPr lang="en-US" sz="2000" b="1" dirty="0">
+                          <a:solidFill>
+                            <a:schemeClr val="bg1"/>
+                          </a:solidFill>
+                        </a:rPr>
+                        <a:t>10:30 AM CDT • 15:30 PM UTC</a:t>
+                      </a:r>
+                    </a:p>
+                  </a:txBody>
+                  <a:tcPr marL="45720" marR="45720" anchor="ctr">
+                    <a:lnL w="38100" cap="flat" cmpd="sng" algn="ctr">
+                      <a:solidFill>
+                        <a:schemeClr val="bg1"/>
+                      </a:solidFill>
+                      <a:prstDash val="solid"/>
+                      <a:round/>
+                      <a:headEnd type="none" w="med" len="med"/>
+                      <a:tailEnd type="none" w="med" len="med"/>
+                    </a:lnL>
+                    <a:lnR w="38100" cap="flat" cmpd="sng" algn="ctr">
+                      <a:solidFill>
+                        <a:schemeClr val="bg1"/>
+                      </a:solidFill>
+                      <a:prstDash val="solid"/>
+                      <a:round/>
+                      <a:headEnd type="none" w="med" len="med"/>
+                      <a:tailEnd type="none" w="med" len="med"/>
+                    </a:lnR>
+                  </a:tcPr>
+                </a:tc>
+                <a:tc>
+                  <a:txBody>
+                    <a:bodyPr/>
+                    <a:lstStyle/>
+                    <a:p>
+                      <a:pPr algn="ctr"/>
+                      <a:r>
+                        <a:rPr lang="en-US" sz="2000" b="1" dirty="0">
+                          <a:solidFill>
+                            <a:schemeClr val="bg1"/>
+                          </a:solidFill>
+                        </a:rPr>
+                        <a:t>10:30 AM CDT • 15:30 PM UTC</a:t>
+                      </a:r>
+                    </a:p>
+                  </a:txBody>
+                  <a:tcPr marL="45720" marR="45720" anchor="ctr">
+                    <a:lnL w="38100" cap="flat" cmpd="sng" algn="ctr">
+                      <a:solidFill>
+                        <a:schemeClr val="bg1"/>
+                      </a:solidFill>
+                      <a:prstDash val="solid"/>
+                      <a:round/>
+                      <a:headEnd type="none" w="med" len="med"/>
+                      <a:tailEnd type="none" w="med" len="med"/>
+                    </a:lnL>
+                  </a:tcPr>
+                </a:tc>
+                <a:extLst>
+                  <a:ext uri="{0D108BD9-81ED-4DB2-BD59-A6C34878D82A}">
+                    <a16:rowId xmlns:a16="http://schemas.microsoft.com/office/drawing/2014/main" val="647809018"/>
+                  </a:ext>
+                </a:extLst>
+              </a:tr>
+              <a:tr h="699840">
+                <a:tc>
+                  <a:txBody>
+                    <a:bodyPr/>
+                    <a:lstStyle/>
+                    <a:p>
+                      <a:pPr algn="ctr"/>
+                      <a:r>
+                        <a:rPr lang="en-US" sz="2000" dirty="0">
+                          <a:solidFill>
+                            <a:schemeClr val="bg1"/>
+                          </a:solidFill>
+                        </a:rPr>
+                        <a:t>Elder Bob Cackler</a:t>
+                      </a:r>
+                    </a:p>
+                  </a:txBody>
+                  <a:tcPr marL="137160" marR="137160" marT="137160" marB="137160">
+                    <a:lnR w="38100" cap="flat" cmpd="sng" algn="ctr">
+                      <a:solidFill>
+                        <a:schemeClr val="bg1"/>
+                      </a:solidFill>
+                      <a:prstDash val="solid"/>
+                      <a:round/>
+                      <a:headEnd type="none" w="med" len="med"/>
+                      <a:tailEnd type="none" w="med" len="med"/>
+                    </a:lnR>
+                  </a:tcPr>
+                </a:tc>
+                <a:tc>
+                  <a:txBody>
+                    <a:bodyPr/>
+                    <a:lstStyle/>
+                    <a:p>
+                      <a:pPr algn="ctr"/>
+                      <a:r>
+                        <a:rPr lang="en-US" sz="2000" dirty="0">
+                          <a:solidFill>
+                            <a:schemeClr val="bg1"/>
+                          </a:solidFill>
+                        </a:rPr>
+                        <a:t>Elder Bonner Davis</a:t>
+                      </a:r>
+                    </a:p>
+                  </a:txBody>
+                  <a:tcPr marL="137160" marR="137160" marT="137160" marB="137160">
+                    <a:lnL w="38100" cap="flat" cmpd="sng" algn="ctr">
+                      <a:solidFill>
+                        <a:schemeClr val="bg1"/>
+                      </a:solidFill>
+                      <a:prstDash val="solid"/>
+                      <a:round/>
+                      <a:headEnd type="none" w="med" len="med"/>
+                      <a:tailEnd type="none" w="med" len="med"/>
+                    </a:lnL>
+                    <a:lnR w="38100" cap="flat" cmpd="sng" algn="ctr">
+                      <a:solidFill>
+                        <a:schemeClr val="bg1"/>
+                      </a:solidFill>
+                      <a:prstDash val="solid"/>
+                      <a:round/>
+                      <a:headEnd type="none" w="med" len="med"/>
+                      <a:tailEnd type="none" w="med" len="med"/>
+                    </a:lnR>
+                  </a:tcPr>
+                </a:tc>
+                <a:tc>
+                  <a:txBody>
+                    <a:bodyPr/>
+                    <a:lstStyle/>
+                    <a:p>
+                      <a:pPr algn="ctr"/>
+                      <a:r>
+                        <a:rPr lang="en-US" sz="2000" dirty="0">
+                          <a:solidFill>
+                            <a:schemeClr val="bg1"/>
+                          </a:solidFill>
+                        </a:rPr>
+                        <a:t>Priest Jeff </a:t>
+                      </a:r>
+                      <a:r>
+                        <a:rPr lang="en-US" sz="2000" dirty="0" err="1">
+                          <a:solidFill>
+                            <a:schemeClr val="bg1"/>
+                          </a:solidFill>
+                        </a:rPr>
+                        <a:t>Bezona</a:t>
+                      </a:r>
+                      <a:endParaRPr lang="en-US" sz="2000" dirty="0">
+                        <a:solidFill>
+                          <a:schemeClr val="bg1"/>
+                        </a:solidFill>
+                      </a:endParaRPr>
+                    </a:p>
+                  </a:txBody>
+                  <a:tcPr marL="137160" marR="137160" marT="137160" marB="137160">
+                    <a:lnL w="38100" cap="flat" cmpd="sng" algn="ctr">
+                      <a:solidFill>
+                        <a:schemeClr val="bg1"/>
+                      </a:solidFill>
+                      <a:prstDash val="solid"/>
+                      <a:round/>
+                      <a:headEnd type="none" w="med" len="med"/>
+                      <a:tailEnd type="none" w="med" len="med"/>
+                    </a:lnL>
+                  </a:tcPr>
+                </a:tc>
+                <a:extLst>
+                  <a:ext uri="{0D108BD9-81ED-4DB2-BD59-A6C34878D82A}">
+                    <a16:rowId xmlns:a16="http://schemas.microsoft.com/office/drawing/2014/main" val="2635806370"/>
+                  </a:ext>
+                </a:extLst>
+              </a:tr>
+            </a:tbl>
+          </a:graphicData>
+        </a:graphic>
+      </p:graphicFrame>
+      <p:sp>
+        <p:nvSpPr>
+          <p:cNvPr id="8" name="Content Placeholder 8">
+            <a:extLst>
+              <a:ext uri="{FF2B5EF4-FFF2-40B4-BE49-F238E27FC236}">
+                <a16:creationId xmlns:a16="http://schemas.microsoft.com/office/drawing/2014/main" id="{9BD53845-21F6-4CD3-A479-F844360BEB98}"/>
+              </a:ext>
+            </a:extLst>
+          </p:cNvPr>
+          <p:cNvSpPr txBox="1">
+            <a:spLocks/>
+          </p:cNvSpPr>
+          <p:nvPr/>
+        </p:nvSpPr>
+        <p:spPr>
+          <a:xfrm>
+            <a:off x="838199" y="5301005"/>
+            <a:ext cx="10515600" cy="1101180"/>
+          </a:xfrm>
+          <a:prstGeom prst="rect">
+            <a:avLst/>
+          </a:prstGeom>
+        </p:spPr>
+        <p:txBody>
+          <a:bodyPr vert="horz" lIns="91440" tIns="45720" rIns="91440" bIns="45720" rtlCol="0" anchor="ctr">
+            <a:normAutofit/>
+          </a:bodyPr>
+          <a:lstStyle>
+            <a:lvl1pPr marL="228600" indent="-228600" algn="l" defTabSz="914400" rtl="0" eaLnBrk="1" latinLnBrk="0" hangingPunct="1">
+              <a:lnSpc>
+                <a:spcPct val="90000"/>
+              </a:lnSpc>
+              <a:spcBef>
+                <a:spcPts val="1000"/>
+              </a:spcBef>
+              <a:buFont typeface="Arial" panose="020B0604020202020204" pitchFamily="34" charset="0"/>
+              <a:buChar char="•"/>
+              <a:defRPr sz="2800" kern="1200">
+                <a:solidFill>
+                  <a:schemeClr val="tx1"/>
+                </a:solidFill>
+                <a:latin typeface="+mn-lt"/>
+                <a:ea typeface="+mn-ea"/>
+                <a:cs typeface="+mn-cs"/>
+              </a:defRPr>
+            </a:lvl1pPr>
+            <a:lvl2pPr marL="685800" indent="-228600" algn="l" defTabSz="914400" rtl="0" eaLnBrk="1" latinLnBrk="0" hangingPunct="1">
+              <a:lnSpc>
+                <a:spcPct val="90000"/>
+              </a:lnSpc>
+              <a:spcBef>
+                <a:spcPts val="500"/>
+              </a:spcBef>
+              <a:buFont typeface="Arial" panose="020B0604020202020204" pitchFamily="34" charset="0"/>
+              <a:buChar char="•"/>
+              <a:defRPr sz="2400" kern="1200">
+                <a:solidFill>
+                  <a:schemeClr val="tx1"/>
+                </a:solidFill>
+                <a:latin typeface="+mn-lt"/>
+                <a:ea typeface="+mn-ea"/>
+                <a:cs typeface="+mn-cs"/>
+              </a:defRPr>
+            </a:lvl2pPr>
+            <a:lvl3pPr marL="1143000" indent="-228600" algn="l" defTabSz="914400" rtl="0" eaLnBrk="1" latinLnBrk="0" hangingPunct="1">
+              <a:lnSpc>
+                <a:spcPct val="90000"/>
+              </a:lnSpc>
+              <a:spcBef>
+                <a:spcPts val="500"/>
+              </a:spcBef>
+              <a:buFont typeface="Arial" panose="020B0604020202020204" pitchFamily="34" charset="0"/>
+              <a:buChar char="•"/>
+              <a:defRPr sz="2000" kern="1200">
+                <a:solidFill>
+                  <a:schemeClr val="tx1"/>
+                </a:solidFill>
+                <a:latin typeface="+mn-lt"/>
+                <a:ea typeface="+mn-ea"/>
+                <a:cs typeface="+mn-cs"/>
+              </a:defRPr>
+            </a:lvl3pPr>
+            <a:lvl4pPr marL="1600200" indent="-228600" algn="l" defTabSz="914400" rtl="0" eaLnBrk="1" latinLnBrk="0" hangingPunct="1">
+              <a:lnSpc>
+                <a:spcPct val="90000"/>
+              </a:lnSpc>
+              <a:spcBef>
+                <a:spcPts val="500"/>
+              </a:spcBef>
+              <a:buFont typeface="Arial" panose="020B0604020202020204" pitchFamily="34" charset="0"/>
+              <a:buChar char="•"/>
+              <a:defRPr sz="1800" kern="1200">
+                <a:solidFill>
+                  <a:schemeClr val="tx1"/>
+                </a:solidFill>
+                <a:latin typeface="+mn-lt"/>
+                <a:ea typeface="+mn-ea"/>
+                <a:cs typeface="+mn-cs"/>
+              </a:defRPr>
+            </a:lvl4pPr>
+            <a:lvl5pPr marL="2057400" indent="-228600" algn="l" defTabSz="914400" rtl="0" eaLnBrk="1" latinLnBrk="0" hangingPunct="1">
+              <a:lnSpc>
+                <a:spcPct val="90000"/>
+              </a:lnSpc>
+              <a:spcBef>
+                <a:spcPts val="500"/>
+              </a:spcBef>
+              <a:buFont typeface="Arial" panose="020B0604020202020204" pitchFamily="34" charset="0"/>
+              <a:buChar char="•"/>
+              <a:defRPr sz="1800" kern="1200">
+                <a:solidFill>
+                  <a:schemeClr val="tx1"/>
+                </a:solidFill>
+                <a:latin typeface="+mn-lt"/>
+                <a:ea typeface="+mn-ea"/>
+                <a:cs typeface="+mn-cs"/>
+              </a:defRPr>
+            </a:lvl5pPr>
+            <a:lvl6pPr marL="2514600" indent="-228600" algn="l" defTabSz="914400" rtl="0" eaLnBrk="1" latinLnBrk="0" hangingPunct="1">
+              <a:lnSpc>
+                <a:spcPct val="90000"/>
+              </a:lnSpc>
+              <a:spcBef>
+                <a:spcPts val="500"/>
+              </a:spcBef>
+              <a:buFont typeface="Arial" panose="020B0604020202020204" pitchFamily="34" charset="0"/>
+              <a:buChar char="•"/>
+              <a:defRPr sz="1800" kern="1200">
+                <a:solidFill>
+                  <a:schemeClr val="tx1"/>
+                </a:solidFill>
+                <a:latin typeface="+mn-lt"/>
+                <a:ea typeface="+mn-ea"/>
+                <a:cs typeface="+mn-cs"/>
+              </a:defRPr>
+            </a:lvl6pPr>
+            <a:lvl7pPr marL="2971800" indent="-228600" algn="l" defTabSz="914400" rtl="0" eaLnBrk="1" latinLnBrk="0" hangingPunct="1">
+              <a:lnSpc>
+                <a:spcPct val="90000"/>
+              </a:lnSpc>
+              <a:spcBef>
+                <a:spcPts val="500"/>
+              </a:spcBef>
+              <a:buFont typeface="Arial" panose="020B0604020202020204" pitchFamily="34" charset="0"/>
+              <a:buChar char="•"/>
+              <a:defRPr sz="1800" kern="1200">
+                <a:solidFill>
+                  <a:schemeClr val="tx1"/>
+                </a:solidFill>
+                <a:latin typeface="+mn-lt"/>
+                <a:ea typeface="+mn-ea"/>
+                <a:cs typeface="+mn-cs"/>
+              </a:defRPr>
+            </a:lvl7pPr>
+            <a:lvl8pPr marL="3429000" indent="-228600" algn="l" defTabSz="914400" rtl="0" eaLnBrk="1" latinLnBrk="0" hangingPunct="1">
+              <a:lnSpc>
+                <a:spcPct val="90000"/>
+              </a:lnSpc>
+              <a:spcBef>
+                <a:spcPts val="500"/>
+              </a:spcBef>
+              <a:buFont typeface="Arial" panose="020B0604020202020204" pitchFamily="34" charset="0"/>
+              <a:buChar char="•"/>
+              <a:defRPr sz="1800" kern="1200">
+                <a:solidFill>
+                  <a:schemeClr val="tx1"/>
+                </a:solidFill>
+                <a:latin typeface="+mn-lt"/>
+                <a:ea typeface="+mn-ea"/>
+                <a:cs typeface="+mn-cs"/>
+              </a:defRPr>
+            </a:lvl8pPr>
+            <a:lvl9pPr marL="3886200" indent="-228600" algn="l" defTabSz="914400" rtl="0" eaLnBrk="1" latinLnBrk="0" hangingPunct="1">
+              <a:lnSpc>
+                <a:spcPct val="90000"/>
+              </a:lnSpc>
+              <a:spcBef>
+                <a:spcPts val="500"/>
+              </a:spcBef>
+              <a:buFont typeface="Arial" panose="020B0604020202020204" pitchFamily="34" charset="0"/>
+              <a:buChar char="•"/>
+              <a:defRPr sz="1800" kern="1200">
+                <a:solidFill>
+                  <a:schemeClr val="tx1"/>
+                </a:solidFill>
+                <a:latin typeface="+mn-lt"/>
+                <a:ea typeface="+mn-ea"/>
+                <a:cs typeface="+mn-cs"/>
+              </a:defRPr>
+            </a:lvl9pPr>
+          </a:lstStyle>
+          <a:p>
+            <a:pPr marL="0" indent="0" algn="ctr">
+              <a:buFont typeface="Arial" panose="020B0604020202020204" pitchFamily="34" charset="0"/>
+              <a:buNone/>
+            </a:pPr>
+            <a:r>
+              <a:rPr lang="en-US" sz="1800" b="1" dirty="0">
+                <a:solidFill>
+                  <a:schemeClr val="bg1">
+                    <a:lumMod val="85000"/>
+                  </a:schemeClr>
+                </a:solidFill>
+                <a:effectLst>
+                  <a:outerShdw blurRad="50800" dist="38100" dir="2700000" algn="tl" rotWithShape="0">
+                    <a:prstClr val="black">
+                      <a:alpha val="40000"/>
+                    </a:prstClr>
+                  </a:outerShdw>
+                </a:effectLst>
+                <a:latin typeface="Open Sans" panose="020B0606030504020204" pitchFamily="34" charset="0"/>
+                <a:ea typeface="Open Sans" panose="020B0606030504020204" pitchFamily="34" charset="0"/>
+                <a:cs typeface="Open Sans" panose="020B0606030504020204" pitchFamily="34" charset="0"/>
+              </a:rPr>
+              <a:t>There will be no Sunday School next week (11/4/18) due to our congregational prayer service.  </a:t>
+            </a:r>
+          </a:p>
+          <a:p>
+            <a:pPr marL="0" indent="0" algn="ctr">
+              <a:buFont typeface="Arial" panose="020B0604020202020204" pitchFamily="34" charset="0"/>
+              <a:buNone/>
+            </a:pPr>
+            <a:r>
+              <a:rPr lang="en-US" sz="1800" b="1" dirty="0">
+                <a:solidFill>
+                  <a:schemeClr val="bg1">
+                    <a:lumMod val="85000"/>
+                  </a:schemeClr>
+                </a:solidFill>
+                <a:effectLst>
+                  <a:outerShdw blurRad="50800" dist="38100" dir="2700000" algn="tl" rotWithShape="0">
+                    <a:prstClr val="black">
+                      <a:alpha val="40000"/>
+                    </a:prstClr>
+                  </a:outerShdw>
+                </a:effectLst>
+                <a:latin typeface="Open Sans" panose="020B0606030504020204" pitchFamily="34" charset="0"/>
+                <a:ea typeface="Open Sans" panose="020B0606030504020204" pitchFamily="34" charset="0"/>
+                <a:cs typeface="Open Sans" panose="020B0606030504020204" pitchFamily="34" charset="0"/>
+              </a:rPr>
+              <a:t>Broadcast will begin at about 10:15 AM CDT.</a:t>
+            </a:r>
+          </a:p>
+        </p:txBody>
+      </p:sp>
+      <p:cxnSp>
+        <p:nvCxnSpPr>
+          <p:cNvPr id="7" name="Straight Connector 6">
+            <a:extLst>
+              <a:ext uri="{FF2B5EF4-FFF2-40B4-BE49-F238E27FC236}">
+                <a16:creationId xmlns:a16="http://schemas.microsoft.com/office/drawing/2014/main" id="{3AB6AD48-054A-481F-A30D-297AAB8964D7}"/>
+              </a:ext>
+            </a:extLst>
+          </p:cNvPr>
+          <p:cNvCxnSpPr/>
+          <p:nvPr/>
+        </p:nvCxnSpPr>
+        <p:spPr>
+          <a:xfrm>
+            <a:off x="1033670" y="5287753"/>
+            <a:ext cx="10124660" cy="0"/>
+          </a:xfrm>
+          <a:prstGeom prst="line">
+            <a:avLst/>
+          </a:prstGeom>
+          <a:ln w="28575">
+            <a:solidFill>
+              <a:schemeClr val="bg1"/>
+            </a:solidFill>
+          </a:ln>
+        </p:spPr>
+        <p:style>
+          <a:lnRef idx="1">
+            <a:schemeClr val="accent1"/>
+          </a:lnRef>
+          <a:fillRef idx="0">
+            <a:schemeClr val="accent1"/>
+          </a:fillRef>
+          <a:effectRef idx="0">
+            <a:schemeClr val="accent1"/>
+          </a:effectRef>
+          <a:fontRef idx="minor">
+            <a:schemeClr val="tx1"/>
+          </a:fontRef>
+        </p:style>
+      </p:cxnSp>
+    </p:spTree>
+    <p:extLst>
+      <p:ext uri="{BB962C8B-B14F-4D97-AF65-F5344CB8AC3E}">
+        <p14:creationId xmlns:p14="http://schemas.microsoft.com/office/powerpoint/2010/main" val="3632169660"/>
+      </p:ext>
+    </p:extLst>
+  </p:cSld>
+  <p:clrMapOvr>
+    <a:masterClrMapping/>
+  </p:clrMapOvr>
+</p:sld>
+</file>
+
+<file path=ppt/slides/slide3.xml><?xml version="1.0" encoding="utf-8"?>
 <p:sld xmlns:a="http://schemas.openxmlformats.org/drawingml/2006/main" xmlns:r="http://schemas.openxmlformats.org/officeDocument/2006/relationships" xmlns:p="http://schemas.openxmlformats.org/presentationml/2006/main">
   <p:cSld>
     <p:spTree>

--- a/Offline Slide.pptx
+++ b/Offline Slide.pptx
@@ -6,7 +6,8 @@
   </p:sldMasterIdLst>
   <p:sldIdLst>
     <p:sldId id="261" r:id="rId2"/>
-    <p:sldId id="260" r:id="rId3"/>
+    <p:sldId id="262" r:id="rId3"/>
+    <p:sldId id="260" r:id="rId4"/>
   </p:sldIdLst>
   <p:sldSz cx="12192000" cy="6858000"/>
   <p:notesSz cx="6858000" cy="9144000"/>
@@ -260,7 +261,7 @@
           <a:p>
             <a:fld id="{D1CBADBE-F29A-4ACB-86A5-2945DAC5A707}" type="datetimeFigureOut">
               <a:rPr lang="en-US" smtClean="0"/>
-              <a:t>1/3/2019</a:t>
+              <a:t>8/4/19</a:t>
             </a:fld>
             <a:endParaRPr lang="en-US"/>
           </a:p>
@@ -458,7 +459,7 @@
           <a:p>
             <a:fld id="{D1CBADBE-F29A-4ACB-86A5-2945DAC5A707}" type="datetimeFigureOut">
               <a:rPr lang="en-US" smtClean="0"/>
-              <a:t>1/3/2019</a:t>
+              <a:t>8/4/19</a:t>
             </a:fld>
             <a:endParaRPr lang="en-US"/>
           </a:p>
@@ -666,7 +667,7 @@
           <a:p>
             <a:fld id="{D1CBADBE-F29A-4ACB-86A5-2945DAC5A707}" type="datetimeFigureOut">
               <a:rPr lang="en-US" smtClean="0"/>
-              <a:t>1/3/2019</a:t>
+              <a:t>8/4/19</a:t>
             </a:fld>
             <a:endParaRPr lang="en-US"/>
           </a:p>
@@ -864,7 +865,7 @@
           <a:p>
             <a:fld id="{D1CBADBE-F29A-4ACB-86A5-2945DAC5A707}" type="datetimeFigureOut">
               <a:rPr lang="en-US" smtClean="0"/>
-              <a:t>1/3/2019</a:t>
+              <a:t>8/4/19</a:t>
             </a:fld>
             <a:endParaRPr lang="en-US"/>
           </a:p>
@@ -1139,7 +1140,7 @@
           <a:p>
             <a:fld id="{D1CBADBE-F29A-4ACB-86A5-2945DAC5A707}" type="datetimeFigureOut">
               <a:rPr lang="en-US" smtClean="0"/>
-              <a:t>1/3/2019</a:t>
+              <a:t>8/4/19</a:t>
             </a:fld>
             <a:endParaRPr lang="en-US"/>
           </a:p>
@@ -1404,7 +1405,7 @@
           <a:p>
             <a:fld id="{D1CBADBE-F29A-4ACB-86A5-2945DAC5A707}" type="datetimeFigureOut">
               <a:rPr lang="en-US" smtClean="0"/>
-              <a:t>1/3/2019</a:t>
+              <a:t>8/4/19</a:t>
             </a:fld>
             <a:endParaRPr lang="en-US"/>
           </a:p>
@@ -1906,7 +1907,7 @@
           <a:p>
             <a:fld id="{D1CBADBE-F29A-4ACB-86A5-2945DAC5A707}" type="datetimeFigureOut">
               <a:rPr lang="en-US" smtClean="0"/>
-              <a:t>1/3/2019</a:t>
+              <a:t>8/4/19</a:t>
             </a:fld>
             <a:endParaRPr lang="en-US"/>
           </a:p>
@@ -2047,7 +2048,7 @@
           <a:p>
             <a:fld id="{D1CBADBE-F29A-4ACB-86A5-2945DAC5A707}" type="datetimeFigureOut">
               <a:rPr lang="en-US" smtClean="0"/>
-              <a:t>1/3/2019</a:t>
+              <a:t>8/4/19</a:t>
             </a:fld>
             <a:endParaRPr lang="en-US"/>
           </a:p>
@@ -2160,7 +2161,7 @@
           <a:p>
             <a:fld id="{D1CBADBE-F29A-4ACB-86A5-2945DAC5A707}" type="datetimeFigureOut">
               <a:rPr lang="en-US" smtClean="0"/>
-              <a:t>1/3/2019</a:t>
+              <a:t>8/4/19</a:t>
             </a:fld>
             <a:endParaRPr lang="en-US"/>
           </a:p>
@@ -2471,7 +2472,7 @@
           <a:p>
             <a:fld id="{D1CBADBE-F29A-4ACB-86A5-2945DAC5A707}" type="datetimeFigureOut">
               <a:rPr lang="en-US" smtClean="0"/>
-              <a:t>1/3/2019</a:t>
+              <a:t>8/4/19</a:t>
             </a:fld>
             <a:endParaRPr lang="en-US"/>
           </a:p>
@@ -2759,7 +2760,7 @@
           <a:p>
             <a:fld id="{D1CBADBE-F29A-4ACB-86A5-2945DAC5A707}" type="datetimeFigureOut">
               <a:rPr lang="en-US" smtClean="0"/>
-              <a:t>1/3/2019</a:t>
+              <a:t>8/4/19</a:t>
             </a:fld>
             <a:endParaRPr lang="en-US"/>
           </a:p>
@@ -3003,7 +3004,7 @@
           <a:p>
             <a:fld id="{D1CBADBE-F29A-4ACB-86A5-2945DAC5A707}" type="datetimeFigureOut">
               <a:rPr lang="en-US" smtClean="0"/>
-              <a:t>1/3/2019</a:t>
+              <a:t>8/4/19</a:t>
             </a:fld>
             <a:endParaRPr lang="en-US"/>
           </a:p>
@@ -3634,7 +3635,47 @@
                 <a:ea typeface="Open Sans" panose="020B0606030504020204" pitchFamily="34" charset="0"/>
                 <a:cs typeface="Open Sans" panose="020B0606030504020204" pitchFamily="34" charset="0"/>
               </a:rPr>
-              <a:t>Please join us for Sunday Worship each Sunday at 10:30 AM CST.</a:t>
+              <a:t>Please join us for Sunday Worship each Sunday at 10:30 </a:t>
+            </a:r>
+            <a:r>
+              <a:rPr lang="en-US" sz="2400">
+                <a:solidFill>
+                  <a:schemeClr val="bg1">
+                    <a:lumMod val="85000"/>
+                  </a:schemeClr>
+                </a:solidFill>
+                <a:effectLst>
+                  <a:outerShdw blurRad="50800" dist="38100" dir="2700000" algn="tl" rotWithShape="0">
+                    <a:prstClr val="black">
+                      <a:alpha val="40000"/>
+                    </a:prstClr>
+                  </a:outerShdw>
+                </a:effectLst>
+                <a:latin typeface="Open Sans" panose="020B0606030504020204" pitchFamily="34" charset="0"/>
+                <a:ea typeface="Open Sans" panose="020B0606030504020204" pitchFamily="34" charset="0"/>
+                <a:cs typeface="Open Sans" panose="020B0606030504020204" pitchFamily="34" charset="0"/>
+              </a:rPr>
+              <a:t>AM CDT</a:t>
+            </a:r>
+            <a:r>
+              <a:rPr lang="en-US" sz="2400" dirty="0">
+                <a:solidFill>
+                  <a:schemeClr val="bg1">
+                    <a:lumMod val="85000"/>
+                  </a:schemeClr>
+                </a:solidFill>
+                <a:effectLst>
+                  <a:outerShdw blurRad="50800" dist="38100" dir="2700000" algn="tl" rotWithShape="0">
+                    <a:prstClr val="black">
+                      <a:alpha val="40000"/>
+                    </a:prstClr>
+                  </a:outerShdw>
+                </a:effectLst>
+                <a:latin typeface="Open Sans" panose="020B0606030504020204" pitchFamily="34" charset="0"/>
+                <a:ea typeface="Open Sans" panose="020B0606030504020204" pitchFamily="34" charset="0"/>
+                <a:cs typeface="Open Sans" panose="020B0606030504020204" pitchFamily="34" charset="0"/>
+              </a:rPr>
+              <a:t>.</a:t>
             </a:r>
           </a:p>
         </p:txBody>
@@ -3737,7 +3778,7 @@
           <p:nvPr>
             <p:extLst>
               <p:ext uri="{D42A27DB-BD31-4B8C-83A1-F6EECF244321}">
-                <p14:modId xmlns:p14="http://schemas.microsoft.com/office/powerpoint/2010/main" val="278875192"/>
+                <p14:modId xmlns:p14="http://schemas.microsoft.com/office/powerpoint/2010/main" val="1736568232"/>
               </p:ext>
             </p:extLst>
           </p:nvPr>
@@ -3788,7 +3829,7 @@
                             <a:schemeClr val="bg1"/>
                           </a:solidFill>
                         </a:rPr>
-                        <a:t>Sun, 1/6/19</a:t>
+                        <a:t>Sun, 8/11/19</a:t>
                       </a:r>
                     </a:p>
                   </a:txBody>
@@ -3816,21 +3857,8 @@
                             <a:schemeClr val="bg1"/>
                           </a:solidFill>
                         </a:rPr>
-                        <a:t>Sun</a:t>
+                        <a:t>Sun, 8/18/19</a:t>
                       </a:r>
-                      <a:r>
-                        <a:rPr lang="en-US" sz="2000" b="1">
-                          <a:solidFill>
-                            <a:schemeClr val="bg1"/>
-                          </a:solidFill>
-                        </a:rPr>
-                        <a:t>, 1/13/19</a:t>
-                      </a:r>
-                      <a:endParaRPr lang="en-US" sz="2000" b="1" dirty="0">
-                        <a:solidFill>
-                          <a:schemeClr val="bg1"/>
-                        </a:solidFill>
-                      </a:endParaRPr>
                     </a:p>
                   </a:txBody>
                   <a:tcPr marL="45720" marR="45720" anchor="b">
@@ -3866,7 +3894,837 @@
                             <a:schemeClr val="bg1"/>
                           </a:solidFill>
                         </a:rPr>
+                        <a:t>Sun, 8/25/19</a:t>
+                      </a:r>
+                    </a:p>
+                  </a:txBody>
+                  <a:tcPr marL="45720" marR="45720" anchor="b">
+                    <a:lnL w="38100" cap="flat" cmpd="sng" algn="ctr">
+                      <a:solidFill>
+                        <a:schemeClr val="bg1"/>
+                      </a:solidFill>
+                      <a:prstDash val="solid"/>
+                      <a:round/>
+                      <a:headEnd type="none" w="med" len="med"/>
+                      <a:tailEnd type="none" w="med" len="med"/>
+                    </a:lnL>
+                  </a:tcPr>
+                </a:tc>
+                <a:extLst>
+                  <a:ext uri="{0D108BD9-81ED-4DB2-BD59-A6C34878D82A}">
+                    <a16:rowId xmlns:a16="http://schemas.microsoft.com/office/drawing/2014/main" val="3791071699"/>
+                  </a:ext>
+                </a:extLst>
+              </a:tr>
+              <a:tr h="473040">
+                <a:tc>
+                  <a:txBody>
+                    <a:bodyPr/>
+                    <a:lstStyle/>
+                    <a:p>
+                      <a:pPr algn="ctr"/>
+                      <a:r>
+                        <a:rPr lang="en-US" sz="2000" b="1" dirty="0">
+                          <a:solidFill>
+                            <a:schemeClr val="bg1"/>
+                          </a:solidFill>
+                        </a:rPr>
+                        <a:t>10:30 AM CDT • </a:t>
+                      </a:r>
+                      <a:r>
+                        <a:rPr lang="en-US" sz="2000" b="1" u="none" dirty="0">
+                          <a:solidFill>
+                            <a:schemeClr val="bg1"/>
+                          </a:solidFill>
+                        </a:rPr>
+                        <a:t>15:30 PM UTC</a:t>
+                      </a:r>
+                    </a:p>
+                  </a:txBody>
+                  <a:tcPr marL="45720" marR="45720" anchor="ctr">
+                    <a:lnR w="38100" cap="flat" cmpd="sng" algn="ctr">
+                      <a:solidFill>
+                        <a:schemeClr val="bg1"/>
+                      </a:solidFill>
+                      <a:prstDash val="solid"/>
+                      <a:round/>
+                      <a:headEnd type="none" w="med" len="med"/>
+                      <a:tailEnd type="none" w="med" len="med"/>
+                    </a:lnR>
+                  </a:tcPr>
+                </a:tc>
+                <a:tc>
+                  <a:txBody>
+                    <a:bodyPr/>
+                    <a:lstStyle/>
+                    <a:p>
+                      <a:pPr algn="ctr"/>
+                      <a:r>
+                        <a:rPr lang="en-US" sz="2000" b="1" dirty="0">
+                          <a:solidFill>
+                            <a:schemeClr val="bg1"/>
+                          </a:solidFill>
+                        </a:rPr>
+                        <a:t>10:30 AM CDT • </a:t>
+                      </a:r>
+                      <a:r>
+                        <a:rPr lang="en-US" sz="2000" b="1" u="none" dirty="0">
+                          <a:solidFill>
+                            <a:schemeClr val="bg1"/>
+                          </a:solidFill>
+                        </a:rPr>
+                        <a:t>15:30 PM UTC</a:t>
+                      </a:r>
+                    </a:p>
+                  </a:txBody>
+                  <a:tcPr marL="45720" marR="45720" anchor="ctr">
+                    <a:lnL w="38100" cap="flat" cmpd="sng" algn="ctr">
+                      <a:solidFill>
+                        <a:schemeClr val="bg1"/>
+                      </a:solidFill>
+                      <a:prstDash val="solid"/>
+                      <a:round/>
+                      <a:headEnd type="none" w="med" len="med"/>
+                      <a:tailEnd type="none" w="med" len="med"/>
+                    </a:lnL>
+                    <a:lnR w="38100" cap="flat" cmpd="sng" algn="ctr">
+                      <a:solidFill>
+                        <a:schemeClr val="bg1"/>
+                      </a:solidFill>
+                      <a:prstDash val="solid"/>
+                      <a:round/>
+                      <a:headEnd type="none" w="med" len="med"/>
+                      <a:tailEnd type="none" w="med" len="med"/>
+                    </a:lnR>
+                  </a:tcPr>
+                </a:tc>
+                <a:tc>
+                  <a:txBody>
+                    <a:bodyPr/>
+                    <a:lstStyle/>
+                    <a:p>
+                      <a:pPr algn="ctr"/>
+                      <a:r>
+                        <a:rPr lang="en-US" sz="2000" b="1" dirty="0">
+                          <a:solidFill>
+                            <a:schemeClr val="bg1"/>
+                          </a:solidFill>
+                        </a:rPr>
+                        <a:t>10:30 AM CDT • </a:t>
+                      </a:r>
+                      <a:r>
+                        <a:rPr lang="en-US" sz="2000" b="1" u="none" dirty="0">
+                          <a:solidFill>
+                            <a:schemeClr val="bg1"/>
+                          </a:solidFill>
+                        </a:rPr>
+                        <a:t>15:30 PM UTC</a:t>
+                      </a:r>
+                    </a:p>
+                  </a:txBody>
+                  <a:tcPr marL="45720" marR="45720" anchor="ctr">
+                    <a:lnL w="38100" cap="flat" cmpd="sng" algn="ctr">
+                      <a:solidFill>
+                        <a:schemeClr val="bg1"/>
+                      </a:solidFill>
+                      <a:prstDash val="solid"/>
+                      <a:round/>
+                      <a:headEnd type="none" w="med" len="med"/>
+                      <a:tailEnd type="none" w="med" len="med"/>
+                    </a:lnL>
+                  </a:tcPr>
+                </a:tc>
+                <a:extLst>
+                  <a:ext uri="{0D108BD9-81ED-4DB2-BD59-A6C34878D82A}">
+                    <a16:rowId xmlns:a16="http://schemas.microsoft.com/office/drawing/2014/main" val="647809018"/>
+                  </a:ext>
+                </a:extLst>
+              </a:tr>
+              <a:tr h="699840">
+                <a:tc>
+                  <a:txBody>
+                    <a:bodyPr/>
+                    <a:lstStyle/>
+                    <a:p>
+                      <a:pPr algn="ctr"/>
+                      <a:r>
+                        <a:rPr lang="en-US" sz="2000" dirty="0">
+                          <a:solidFill>
+                            <a:schemeClr val="bg1"/>
+                          </a:solidFill>
+                        </a:rPr>
+                        <a:t>High Priest Brad Gault</a:t>
+                      </a:r>
+                    </a:p>
+                    <a:p>
+                      <a:pPr algn="ctr"/>
+                      <a:endParaRPr lang="en-US" sz="1800" dirty="0">
+                        <a:solidFill>
+                          <a:schemeClr val="bg1"/>
+                        </a:solidFill>
+                      </a:endParaRPr>
+                    </a:p>
+                    <a:p>
+                      <a:pPr algn="ctr"/>
+                      <a:r>
+                        <a:rPr lang="en-US" sz="1800" u="sng" dirty="0">
+                          <a:solidFill>
+                            <a:schemeClr val="bg1"/>
+                          </a:solidFill>
+                        </a:rPr>
+                        <a:t>Evening Service</a:t>
+                      </a:r>
+                      <a:endParaRPr lang="en-US" sz="1800" u="none" dirty="0">
+                        <a:solidFill>
+                          <a:schemeClr val="bg1"/>
+                        </a:solidFill>
+                      </a:endParaRPr>
+                    </a:p>
+                    <a:p>
+                      <a:pPr algn="ctr"/>
+                      <a:r>
+                        <a:rPr lang="en-US" sz="1800" i="1" u="none" dirty="0">
+                          <a:solidFill>
+                            <a:schemeClr val="bg1"/>
+                          </a:solidFill>
+                        </a:rPr>
+                        <a:t>Summer Series @ Waldo</a:t>
+                      </a:r>
+                    </a:p>
+                    <a:p>
+                      <a:pPr algn="ctr"/>
+                      <a:r>
+                        <a:rPr lang="en-US" sz="1800" i="0" u="none" dirty="0">
+                          <a:solidFill>
+                            <a:schemeClr val="bg1"/>
+                          </a:solidFill>
+                        </a:rPr>
+                        <a:t>(no broadcast)</a:t>
+                      </a:r>
+                      <a:endParaRPr lang="en-US" sz="2000" i="0" u="sng" dirty="0">
+                        <a:solidFill>
+                          <a:schemeClr val="bg1"/>
+                        </a:solidFill>
+                      </a:endParaRPr>
+                    </a:p>
+                  </a:txBody>
+                  <a:tcPr marL="137160" marR="137160" marT="137160" marB="137160">
+                    <a:lnR w="38100" cap="flat" cmpd="sng" algn="ctr">
+                      <a:solidFill>
+                        <a:schemeClr val="bg1"/>
+                      </a:solidFill>
+                      <a:prstDash val="solid"/>
+                      <a:round/>
+                      <a:headEnd type="none" w="med" len="med"/>
+                      <a:tailEnd type="none" w="med" len="med"/>
+                    </a:lnR>
+                  </a:tcPr>
+                </a:tc>
+                <a:tc>
+                  <a:txBody>
+                    <a:bodyPr/>
+                    <a:lstStyle/>
+                    <a:p>
+                      <a:pPr algn="ctr"/>
+                      <a:r>
+                        <a:rPr lang="en-US" sz="2000" dirty="0">
+                          <a:solidFill>
+                            <a:schemeClr val="bg1"/>
+                          </a:solidFill>
+                        </a:rPr>
+                        <a:t>Elder Charles </a:t>
+                      </a:r>
+                      <a:r>
+                        <a:rPr lang="en-US" sz="2000" dirty="0" err="1">
+                          <a:solidFill>
+                            <a:schemeClr val="bg1"/>
+                          </a:solidFill>
+                        </a:rPr>
+                        <a:t>Zerr</a:t>
+                      </a:r>
+                      <a:endParaRPr lang="en-US" sz="2000" dirty="0">
+                        <a:solidFill>
+                          <a:schemeClr val="bg1"/>
+                        </a:solidFill>
+                      </a:endParaRPr>
+                    </a:p>
+                    <a:p>
+                      <a:pPr algn="ctr"/>
+                      <a:endParaRPr lang="en-US" sz="1800" dirty="0">
+                        <a:solidFill>
+                          <a:schemeClr val="bg1"/>
+                        </a:solidFill>
+                      </a:endParaRPr>
+                    </a:p>
+                    <a:p>
+                      <a:pPr algn="ctr"/>
+                      <a:r>
+                        <a:rPr lang="en-US" sz="1800" b="0" u="sng" dirty="0">
+                          <a:solidFill>
+                            <a:schemeClr val="bg1"/>
+                          </a:solidFill>
+                        </a:rPr>
+                        <a:t>Evening Service • 6:00 PM CST</a:t>
+                      </a:r>
+                    </a:p>
+                    <a:p>
+                      <a:pPr algn="ctr"/>
+                      <a:r>
+                        <a:rPr lang="en-US" sz="1800" i="1" u="none" dirty="0">
+                          <a:solidFill>
+                            <a:schemeClr val="bg1"/>
+                          </a:solidFill>
+                        </a:rPr>
+                        <a:t>Branch Open Forum</a:t>
+                      </a:r>
+                    </a:p>
+                    <a:p>
+                      <a:pPr algn="ctr"/>
+                      <a:r>
+                        <a:rPr lang="en-US" sz="1800" i="0" u="none" dirty="0">
+                          <a:solidFill>
+                            <a:schemeClr val="bg1"/>
+                          </a:solidFill>
+                        </a:rPr>
+                        <a:t>(no broadcast)</a:t>
+                      </a:r>
+                      <a:endParaRPr lang="en-US" sz="2000" i="0" u="sng" dirty="0">
+                        <a:solidFill>
+                          <a:schemeClr val="bg1"/>
+                        </a:solidFill>
+                      </a:endParaRPr>
+                    </a:p>
+                  </a:txBody>
+                  <a:tcPr marL="137160" marR="137160" marT="137160" marB="137160">
+                    <a:lnL w="38100" cap="flat" cmpd="sng" algn="ctr">
+                      <a:solidFill>
+                        <a:schemeClr val="bg1"/>
+                      </a:solidFill>
+                      <a:prstDash val="solid"/>
+                      <a:round/>
+                      <a:headEnd type="none" w="med" len="med"/>
+                      <a:tailEnd type="none" w="med" len="med"/>
+                    </a:lnL>
+                    <a:lnR w="38100" cap="flat" cmpd="sng" algn="ctr">
+                      <a:solidFill>
+                        <a:schemeClr val="bg1"/>
+                      </a:solidFill>
+                      <a:prstDash val="solid"/>
+                      <a:round/>
+                      <a:headEnd type="none" w="med" len="med"/>
+                      <a:tailEnd type="none" w="med" len="med"/>
+                    </a:lnR>
+                  </a:tcPr>
+                </a:tc>
+                <a:tc>
+                  <a:txBody>
+                    <a:bodyPr/>
+                    <a:lstStyle/>
+                    <a:p>
+                      <a:pPr algn="ctr"/>
+                      <a:r>
+                        <a:rPr lang="en-US" sz="2000" dirty="0">
+                          <a:solidFill>
+                            <a:schemeClr val="bg1"/>
+                          </a:solidFill>
+                        </a:rPr>
+                        <a:t>Elder Dennis King</a:t>
+                      </a:r>
+                    </a:p>
+                    <a:p>
+                      <a:pPr algn="ctr"/>
+                      <a:endParaRPr lang="en-US" sz="1800" dirty="0">
+                        <a:solidFill>
+                          <a:schemeClr val="bg1"/>
+                        </a:solidFill>
+                      </a:endParaRPr>
+                    </a:p>
+                    <a:p>
+                      <a:pPr algn="ctr"/>
+                      <a:r>
+                        <a:rPr lang="en-US" sz="1800" u="sng" dirty="0">
+                          <a:solidFill>
+                            <a:schemeClr val="bg1"/>
+                          </a:solidFill>
+                        </a:rPr>
+                        <a:t>Evening Service</a:t>
+                      </a:r>
+                      <a:endParaRPr lang="en-US" sz="1800" u="none" dirty="0">
+                        <a:solidFill>
+                          <a:schemeClr val="bg1"/>
+                        </a:solidFill>
+                      </a:endParaRPr>
+                    </a:p>
+                    <a:p>
+                      <a:pPr algn="ctr"/>
+                      <a:r>
+                        <a:rPr lang="en-US" sz="1800" i="1" u="none" dirty="0">
+                          <a:solidFill>
+                            <a:schemeClr val="bg1"/>
+                          </a:solidFill>
+                        </a:rPr>
+                        <a:t>Church Member’s Manual Class</a:t>
+                      </a:r>
+                    </a:p>
+                    <a:p>
+                      <a:pPr algn="ctr"/>
+                      <a:r>
+                        <a:rPr lang="en-US" sz="1800" i="0" u="none" dirty="0">
+                          <a:solidFill>
+                            <a:schemeClr val="bg1"/>
+                          </a:solidFill>
+                        </a:rPr>
+                        <a:t>(no broadcast)</a:t>
+                      </a:r>
+                      <a:endParaRPr lang="en-US" sz="2000" i="0" u="sng" dirty="0">
+                        <a:solidFill>
+                          <a:schemeClr val="bg1"/>
+                        </a:solidFill>
+                      </a:endParaRPr>
+                    </a:p>
+                  </a:txBody>
+                  <a:tcPr marL="137160" marR="137160" marT="137160" marB="137160">
+                    <a:lnL w="38100" cap="flat" cmpd="sng" algn="ctr">
+                      <a:solidFill>
+                        <a:schemeClr val="bg1"/>
+                      </a:solidFill>
+                      <a:prstDash val="solid"/>
+                      <a:round/>
+                      <a:headEnd type="none" w="med" len="med"/>
+                      <a:tailEnd type="none" w="med" len="med"/>
+                    </a:lnL>
+                  </a:tcPr>
+                </a:tc>
+                <a:extLst>
+                  <a:ext uri="{0D108BD9-81ED-4DB2-BD59-A6C34878D82A}">
+                    <a16:rowId xmlns:a16="http://schemas.microsoft.com/office/drawing/2014/main" val="2635806370"/>
+                  </a:ext>
+                </a:extLst>
+              </a:tr>
+            </a:tbl>
+          </a:graphicData>
+        </a:graphic>
+      </p:graphicFrame>
+    </p:spTree>
+    <p:extLst>
+      <p:ext uri="{BB962C8B-B14F-4D97-AF65-F5344CB8AC3E}">
+        <p14:creationId xmlns:p14="http://schemas.microsoft.com/office/powerpoint/2010/main" val="3338503325"/>
+      </p:ext>
+    </p:extLst>
+  </p:cSld>
+  <p:clrMapOvr>
+    <a:masterClrMapping/>
+  </p:clrMapOvr>
+</p:sld>
+</file>
+
+<file path=ppt/slides/slide2.xml><?xml version="1.0" encoding="utf-8"?>
+<p:sld xmlns:a="http://schemas.openxmlformats.org/drawingml/2006/main" xmlns:r="http://schemas.openxmlformats.org/officeDocument/2006/relationships" xmlns:p="http://schemas.openxmlformats.org/presentationml/2006/main">
+  <p:cSld>
+    <p:spTree>
+      <p:nvGrpSpPr>
+        <p:cNvPr id="1" name=""/>
+        <p:cNvGrpSpPr/>
+        <p:nvPr/>
+      </p:nvGrpSpPr>
+      <p:grpSpPr>
+        <a:xfrm>
+          <a:off x="0" y="0"/>
+          <a:ext cx="0" cy="0"/>
+          <a:chOff x="0" y="0"/>
+          <a:chExt cx="0" cy="0"/>
+        </a:xfrm>
+      </p:grpSpPr>
+      <p:grpSp>
+        <p:nvGrpSpPr>
+          <p:cNvPr id="6" name="Group 5">
+            <a:extLst>
+              <a:ext uri="{FF2B5EF4-FFF2-40B4-BE49-F238E27FC236}">
+                <a16:creationId xmlns:a16="http://schemas.microsoft.com/office/drawing/2014/main" id="{D17D02E7-3F0D-4273-B382-1CB172C5868F}"/>
+              </a:ext>
+            </a:extLst>
+          </p:cNvPr>
+          <p:cNvGrpSpPr/>
+          <p:nvPr/>
+        </p:nvGrpSpPr>
+        <p:grpSpPr>
+          <a:xfrm>
+            <a:off x="-258896" y="345232"/>
+            <a:ext cx="12709793" cy="597160"/>
+            <a:chOff x="0" y="37322"/>
+            <a:chExt cx="12192000" cy="597160"/>
+          </a:xfrm>
+          <a:effectLst>
+            <a:outerShdw blurRad="50800" dist="38100" dir="2700000" algn="tl" rotWithShape="0">
+              <a:prstClr val="black">
+                <a:alpha val="40000"/>
+              </a:prstClr>
+            </a:outerShdw>
+          </a:effectLst>
+        </p:grpSpPr>
+        <p:sp>
+          <p:nvSpPr>
+            <p:cNvPr id="4" name="Rectangle 3">
+              <a:extLst>
+                <a:ext uri="{FF2B5EF4-FFF2-40B4-BE49-F238E27FC236}">
+                  <a16:creationId xmlns:a16="http://schemas.microsoft.com/office/drawing/2014/main" id="{593D64DA-DCEB-4AA2-B312-515F146861D8}"/>
+                </a:ext>
+              </a:extLst>
+            </p:cNvPr>
+            <p:cNvSpPr/>
+            <p:nvPr/>
+          </p:nvSpPr>
+          <p:spPr>
+            <a:xfrm>
+              <a:off x="0" y="37322"/>
+              <a:ext cx="12192000" cy="597160"/>
+            </a:xfrm>
+            <a:prstGeom prst="rect">
+              <a:avLst/>
+            </a:prstGeom>
+            <a:solidFill>
+              <a:srgbClr val="A99A85"/>
+            </a:solidFill>
+            <a:ln>
+              <a:noFill/>
+            </a:ln>
+          </p:spPr>
+          <p:style>
+            <a:lnRef idx="2">
+              <a:schemeClr val="accent1">
+                <a:shade val="50000"/>
+              </a:schemeClr>
+            </a:lnRef>
+            <a:fillRef idx="1">
+              <a:schemeClr val="accent1"/>
+            </a:fillRef>
+            <a:effectRef idx="0">
+              <a:schemeClr val="accent1"/>
+            </a:effectRef>
+            <a:fontRef idx="minor">
+              <a:schemeClr val="lt1"/>
+            </a:fontRef>
+          </p:style>
+          <p:txBody>
+            <a:bodyPr rtlCol="0" anchor="ctr"/>
+            <a:lstStyle/>
+            <a:p>
+              <a:pPr algn="ctr"/>
+              <a:endParaRPr lang="en-US" sz="2000"/>
+            </a:p>
+          </p:txBody>
+        </p:sp>
+        <p:sp>
+          <p:nvSpPr>
+            <p:cNvPr id="5" name="TextBox 4">
+              <a:extLst>
+                <a:ext uri="{FF2B5EF4-FFF2-40B4-BE49-F238E27FC236}">
+                  <a16:creationId xmlns:a16="http://schemas.microsoft.com/office/drawing/2014/main" id="{7F6F85FF-5065-4709-8C26-12A905611F7A}"/>
+                </a:ext>
+              </a:extLst>
+            </p:cNvPr>
+            <p:cNvSpPr txBox="1"/>
+            <p:nvPr/>
+          </p:nvSpPr>
+          <p:spPr>
+            <a:xfrm>
+              <a:off x="2475722" y="90521"/>
+              <a:ext cx="7240556" cy="523220"/>
+            </a:xfrm>
+            <a:prstGeom prst="rect">
+              <a:avLst/>
+            </a:prstGeom>
+            <a:noFill/>
+          </p:spPr>
+          <p:txBody>
+            <a:bodyPr wrap="square" rtlCol="0" anchor="ctr">
+              <a:spAutoFit/>
+            </a:bodyPr>
+            <a:lstStyle/>
+            <a:p>
+              <a:pPr algn="ctr"/>
+              <a:r>
+                <a:rPr lang="en-US" sz="2800" dirty="0">
+                  <a:latin typeface="Pristina" panose="03060402040406080204" pitchFamily="66" charset="0"/>
+                </a:rPr>
+                <a:t>Zarahemla Branch</a:t>
+              </a:r>
+            </a:p>
+          </p:txBody>
+        </p:sp>
+      </p:grpSp>
+      <p:sp>
+        <p:nvSpPr>
+          <p:cNvPr id="9" name="Content Placeholder 8">
+            <a:extLst>
+              <a:ext uri="{FF2B5EF4-FFF2-40B4-BE49-F238E27FC236}">
+                <a16:creationId xmlns:a16="http://schemas.microsoft.com/office/drawing/2014/main" id="{86B58BAA-1EBC-4E6E-80D7-CA6A89DE4AB8}"/>
+              </a:ext>
+            </a:extLst>
+          </p:cNvPr>
+          <p:cNvSpPr>
+            <a:spLocks noGrp="1"/>
+          </p:cNvSpPr>
+          <p:nvPr>
+            <p:ph sz="half" idx="1"/>
+          </p:nvPr>
+        </p:nvSpPr>
+        <p:spPr>
+          <a:xfrm>
+            <a:off x="838200" y="1143343"/>
+            <a:ext cx="10515600" cy="1507094"/>
+          </a:xfrm>
+        </p:spPr>
+        <p:txBody>
+          <a:bodyPr anchor="ctr">
+            <a:normAutofit/>
+          </a:bodyPr>
+          <a:lstStyle/>
+          <a:p>
+            <a:pPr marL="0" indent="0" algn="ctr">
+              <a:buNone/>
+            </a:pPr>
+            <a:r>
+              <a:rPr lang="en-US" sz="2400" dirty="0">
+                <a:solidFill>
+                  <a:schemeClr val="bg1">
+                    <a:lumMod val="85000"/>
+                  </a:schemeClr>
+                </a:solidFill>
+                <a:effectLst>
+                  <a:outerShdw blurRad="50800" dist="38100" dir="2700000" algn="tl" rotWithShape="0">
+                    <a:prstClr val="black">
+                      <a:alpha val="40000"/>
+                    </a:prstClr>
+                  </a:outerShdw>
+                </a:effectLst>
+                <a:latin typeface="Open Sans" panose="020B0606030504020204" pitchFamily="34" charset="0"/>
+                <a:ea typeface="Open Sans" panose="020B0606030504020204" pitchFamily="34" charset="0"/>
+                <a:cs typeface="Open Sans" panose="020B0606030504020204" pitchFamily="34" charset="0"/>
+              </a:rPr>
+              <a:t>We are currently offline.</a:t>
+            </a:r>
+          </a:p>
+          <a:p>
+            <a:pPr marL="0" indent="0" algn="ctr">
+              <a:buNone/>
+            </a:pPr>
+            <a:endParaRPr lang="en-US" sz="2400" dirty="0">
+              <a:solidFill>
+                <a:schemeClr val="bg1">
+                  <a:lumMod val="85000"/>
+                </a:schemeClr>
+              </a:solidFill>
+              <a:effectLst>
+                <a:outerShdw blurRad="50800" dist="38100" dir="2700000" algn="tl" rotWithShape="0">
+                  <a:prstClr val="black">
+                    <a:alpha val="40000"/>
+                  </a:prstClr>
+                </a:outerShdw>
+              </a:effectLst>
+              <a:latin typeface="Open Sans" panose="020B0606030504020204" pitchFamily="34" charset="0"/>
+              <a:ea typeface="Open Sans" panose="020B0606030504020204" pitchFamily="34" charset="0"/>
+              <a:cs typeface="Open Sans" panose="020B0606030504020204" pitchFamily="34" charset="0"/>
+            </a:endParaRPr>
+          </a:p>
+          <a:p>
+            <a:pPr marL="0" indent="0" algn="ctr">
+              <a:buNone/>
+            </a:pPr>
+            <a:r>
+              <a:rPr lang="en-US" sz="2400" dirty="0">
+                <a:solidFill>
+                  <a:schemeClr val="bg1">
+                    <a:lumMod val="85000"/>
+                  </a:schemeClr>
+                </a:solidFill>
+                <a:effectLst>
+                  <a:outerShdw blurRad="50800" dist="38100" dir="2700000" algn="tl" rotWithShape="0">
+                    <a:prstClr val="black">
+                      <a:alpha val="40000"/>
+                    </a:prstClr>
+                  </a:outerShdw>
+                </a:effectLst>
+                <a:latin typeface="Open Sans" panose="020B0606030504020204" pitchFamily="34" charset="0"/>
+                <a:ea typeface="Open Sans" panose="020B0606030504020204" pitchFamily="34" charset="0"/>
+                <a:cs typeface="Open Sans" panose="020B0606030504020204" pitchFamily="34" charset="0"/>
+              </a:rPr>
+              <a:t>Please join us for Sunday Worship each Sunday at 10:30 AM CST.</a:t>
+            </a:r>
+          </a:p>
+        </p:txBody>
+      </p:sp>
+      <p:sp>
+        <p:nvSpPr>
+          <p:cNvPr id="10" name="Content Placeholder 9">
+            <a:extLst>
+              <a:ext uri="{FF2B5EF4-FFF2-40B4-BE49-F238E27FC236}">
+                <a16:creationId xmlns:a16="http://schemas.microsoft.com/office/drawing/2014/main" id="{A0894FBB-42B2-4E18-A40E-6A6A542B28F2}"/>
+              </a:ext>
+            </a:extLst>
+          </p:cNvPr>
+          <p:cNvSpPr>
+            <a:spLocks noGrp="1"/>
+          </p:cNvSpPr>
+          <p:nvPr>
+            <p:ph sz="half" idx="2"/>
+          </p:nvPr>
+        </p:nvSpPr>
+        <p:spPr>
+          <a:xfrm>
+            <a:off x="838200" y="2822713"/>
+            <a:ext cx="10515600" cy="3559526"/>
+          </a:xfrm>
+          <a:ln w="50800" cmpd="thickThin">
+            <a:solidFill>
+              <a:schemeClr val="bg1">
+                <a:lumMod val="75000"/>
+              </a:schemeClr>
+            </a:solidFill>
+          </a:ln>
+        </p:spPr>
+        <p:txBody>
+          <a:bodyPr anchor="t">
+            <a:normAutofit/>
+          </a:bodyPr>
+          <a:lstStyle/>
+          <a:p>
+            <a:pPr marL="0" indent="0" algn="ctr">
+              <a:buNone/>
+            </a:pPr>
+            <a:endParaRPr lang="en-US" sz="700" u="sng" dirty="0">
+              <a:solidFill>
+                <a:schemeClr val="bg1">
+                  <a:lumMod val="85000"/>
+                </a:schemeClr>
+              </a:solidFill>
+              <a:effectLst>
+                <a:outerShdw blurRad="50800" dist="38100" dir="2700000" algn="tl" rotWithShape="0">
+                  <a:prstClr val="black">
+                    <a:alpha val="40000"/>
+                  </a:prstClr>
+                </a:outerShdw>
+              </a:effectLst>
+              <a:latin typeface="Open Sans" panose="020B0606030504020204" pitchFamily="34" charset="0"/>
+              <a:ea typeface="Open Sans" panose="020B0606030504020204" pitchFamily="34" charset="0"/>
+              <a:cs typeface="Open Sans" panose="020B0606030504020204" pitchFamily="34" charset="0"/>
+            </a:endParaRPr>
+          </a:p>
+          <a:p>
+            <a:pPr marL="0" indent="0" algn="ctr">
+              <a:buNone/>
+            </a:pPr>
+            <a:r>
+              <a:rPr lang="en-US" sz="2400" u="sng" dirty="0">
+                <a:solidFill>
+                  <a:schemeClr val="bg1">
+                    <a:lumMod val="85000"/>
+                  </a:schemeClr>
+                </a:solidFill>
+                <a:effectLst>
+                  <a:outerShdw blurRad="50800" dist="38100" dir="2700000" algn="tl" rotWithShape="0">
+                    <a:prstClr val="black">
+                      <a:alpha val="40000"/>
+                    </a:prstClr>
+                  </a:outerShdw>
+                </a:effectLst>
+                <a:latin typeface="Open Sans" panose="020B0606030504020204" pitchFamily="34" charset="0"/>
+                <a:ea typeface="Open Sans" panose="020B0606030504020204" pitchFamily="34" charset="0"/>
+                <a:cs typeface="Open Sans" panose="020B0606030504020204" pitchFamily="34" charset="0"/>
+              </a:rPr>
+              <a:t>Upcoming Broadcasts:</a:t>
+            </a:r>
+          </a:p>
+        </p:txBody>
+      </p:sp>
+      <p:graphicFrame>
+        <p:nvGraphicFramePr>
+          <p:cNvPr id="2" name="Table 1">
+            <a:extLst>
+              <a:ext uri="{FF2B5EF4-FFF2-40B4-BE49-F238E27FC236}">
+                <a16:creationId xmlns:a16="http://schemas.microsoft.com/office/drawing/2014/main" id="{598D52B4-3D30-4B2F-B649-FBD6189666D7}"/>
+              </a:ext>
+            </a:extLst>
+          </p:cNvPr>
+          <p:cNvGraphicFramePr>
+            <a:graphicFrameLocks noGrp="1"/>
+          </p:cNvGraphicFramePr>
+          <p:nvPr>
+            <p:extLst>
+              <p:ext uri="{D42A27DB-BD31-4B8C-83A1-F6EECF244321}">
+                <p14:modId xmlns:p14="http://schemas.microsoft.com/office/powerpoint/2010/main" val="4203425780"/>
+              </p:ext>
+            </p:extLst>
+          </p:nvPr>
+        </p:nvGraphicFramePr>
+        <p:xfrm>
+          <a:off x="2392680" y="3624318"/>
+          <a:ext cx="7406640" cy="2622480"/>
+        </p:xfrm>
+        <a:graphic>
+          <a:graphicData uri="http://schemas.openxmlformats.org/drawingml/2006/table">
+            <a:tbl>
+              <a:tblPr firstRow="1" bandRow="1">
+                <a:tableStyleId>{2D5ABB26-0587-4C30-8999-92F81FD0307C}</a:tableStyleId>
+              </a:tblPr>
+              <a:tblGrid>
+                <a:gridCol w="3703320">
+                  <a:extLst>
+                    <a:ext uri="{9D8B030D-6E8A-4147-A177-3AD203B41FA5}">
+                      <a16:colId xmlns:a16="http://schemas.microsoft.com/office/drawing/2014/main" val="140136623"/>
+                    </a:ext>
+                  </a:extLst>
+                </a:gridCol>
+                <a:gridCol w="3703320">
+                  <a:extLst>
+                    <a:ext uri="{9D8B030D-6E8A-4147-A177-3AD203B41FA5}">
+                      <a16:colId xmlns:a16="http://schemas.microsoft.com/office/drawing/2014/main" val="2629175129"/>
+                    </a:ext>
+                  </a:extLst>
+                </a:gridCol>
+              </a:tblGrid>
+              <a:tr h="473040">
+                <a:tc>
+                  <a:txBody>
+                    <a:bodyPr/>
+                    <a:lstStyle/>
+                    <a:p>
+                      <a:pPr algn="ctr"/>
+                      <a:r>
+                        <a:rPr lang="en-US" sz="2000" b="1" dirty="0">
+                          <a:solidFill>
+                            <a:schemeClr val="bg1"/>
+                          </a:solidFill>
+                        </a:rPr>
                         <a:t>Sun, 1/20/19</a:t>
+                      </a:r>
+                    </a:p>
+                  </a:txBody>
+                  <a:tcPr marL="45720" marR="45720" anchor="b">
+                    <a:lnR w="38100" cap="flat" cmpd="sng" algn="ctr">
+                      <a:solidFill>
+                        <a:schemeClr val="bg1"/>
+                      </a:solidFill>
+                      <a:prstDash val="solid"/>
+                      <a:round/>
+                      <a:headEnd type="none" w="med" len="med"/>
+                      <a:tailEnd type="none" w="med" len="med"/>
+                    </a:lnR>
+                  </a:tcPr>
+                </a:tc>
+                <a:tc>
+                  <a:txBody>
+                    <a:bodyPr/>
+                    <a:lstStyle/>
+                    <a:p>
+                      <a:pPr algn="ctr"/>
+                      <a:r>
+                        <a:rPr lang="en-US" sz="2000" b="1" dirty="0">
+                          <a:solidFill>
+                            <a:schemeClr val="bg1"/>
+                          </a:solidFill>
+                        </a:rPr>
+                        <a:t>Sun, 1/27/19</a:t>
                       </a:r>
                     </a:p>
                   </a:txBody>
@@ -3943,43 +4801,6 @@
                       <a:headEnd type="none" w="med" len="med"/>
                       <a:tailEnd type="none" w="med" len="med"/>
                     </a:lnL>
-                    <a:lnR w="38100" cap="flat" cmpd="sng" algn="ctr">
-                      <a:solidFill>
-                        <a:schemeClr val="bg1"/>
-                      </a:solidFill>
-                      <a:prstDash val="solid"/>
-                      <a:round/>
-                      <a:headEnd type="none" w="med" len="med"/>
-                      <a:tailEnd type="none" w="med" len="med"/>
-                    </a:lnR>
-                  </a:tcPr>
-                </a:tc>
-                <a:tc>
-                  <a:txBody>
-                    <a:bodyPr/>
-                    <a:lstStyle/>
-                    <a:p>
-                      <a:pPr algn="ctr"/>
-                      <a:r>
-                        <a:rPr lang="en-US" sz="2000" b="1" dirty="0">
-                          <a:solidFill>
-                            <a:schemeClr val="bg1"/>
-                          </a:solidFill>
-                        </a:rPr>
-                        <a:t>10:30 AM CST • 16:30 PM UTC</a:t>
-                      </a:r>
-                    </a:p>
-                  </a:txBody>
-                  <a:tcPr marL="45720" marR="45720" anchor="ctr">
-                    <a:lnL w="38100" cap="flat" cmpd="sng" algn="ctr">
-                      <a:solidFill>
-                        <a:schemeClr val="bg1"/>
-                      </a:solidFill>
-                      <a:prstDash val="solid"/>
-                      <a:round/>
-                      <a:headEnd type="none" w="med" len="med"/>
-                      <a:tailEnd type="none" w="med" len="med"/>
-                    </a:lnL>
                   </a:tcPr>
                 </a:tc>
                 <a:extLst>
@@ -3989,162 +4810,6 @@
                 </a:extLst>
               </a:tr>
               <a:tr h="699840">
-                <a:tc>
-                  <a:txBody>
-                    <a:bodyPr/>
-                    <a:lstStyle/>
-                    <a:p>
-                      <a:pPr algn="ctr"/>
-                      <a:r>
-                        <a:rPr lang="en-US" sz="2000" dirty="0">
-                          <a:solidFill>
-                            <a:schemeClr val="bg1"/>
-                          </a:solidFill>
-                        </a:rPr>
-                        <a:t>Elder Abraham Forth</a:t>
-                      </a:r>
-                    </a:p>
-                    <a:p>
-                      <a:pPr algn="ctr"/>
-                      <a:endParaRPr lang="en-US" sz="1800" dirty="0">
-                        <a:solidFill>
-                          <a:schemeClr val="bg1"/>
-                        </a:solidFill>
-                      </a:endParaRPr>
-                    </a:p>
-                    <a:p>
-                      <a:pPr algn="ctr"/>
-                      <a:r>
-                        <a:rPr lang="en-US" sz="1800" u="sng" dirty="0">
-                          <a:solidFill>
-                            <a:schemeClr val="bg1"/>
-                          </a:solidFill>
-                        </a:rPr>
-                        <a:t>Evening Service</a:t>
-                      </a:r>
-                      <a:endParaRPr lang="en-US" sz="1800" u="none" dirty="0">
-                        <a:solidFill>
-                          <a:schemeClr val="bg1"/>
-                        </a:solidFill>
-                      </a:endParaRPr>
-                    </a:p>
-                    <a:p>
-                      <a:pPr algn="ctr"/>
-                      <a:r>
-                        <a:rPr lang="en-US" sz="1800" i="1" u="none" dirty="0">
-                          <a:solidFill>
-                            <a:schemeClr val="bg1"/>
-                          </a:solidFill>
-                        </a:rPr>
-                        <a:t>Prayer Service for Zion</a:t>
-                      </a:r>
-                    </a:p>
-                    <a:p>
-                      <a:pPr algn="ctr"/>
-                      <a:r>
-                        <a:rPr lang="en-US" sz="1800" i="0" u="none" dirty="0">
-                          <a:solidFill>
-                            <a:schemeClr val="bg1"/>
-                          </a:solidFill>
-                        </a:rPr>
-                        <a:t>(no broadcast)</a:t>
-                      </a:r>
-                      <a:endParaRPr lang="en-US" sz="2000" i="0" u="sng" dirty="0">
-                        <a:solidFill>
-                          <a:schemeClr val="bg1"/>
-                        </a:solidFill>
-                      </a:endParaRPr>
-                    </a:p>
-                  </a:txBody>
-                  <a:tcPr marL="137160" marR="137160" marT="137160" marB="137160">
-                    <a:lnR w="38100" cap="flat" cmpd="sng" algn="ctr">
-                      <a:solidFill>
-                        <a:schemeClr val="bg1"/>
-                      </a:solidFill>
-                      <a:prstDash val="solid"/>
-                      <a:round/>
-                      <a:headEnd type="none" w="med" len="med"/>
-                      <a:tailEnd type="none" w="med" len="med"/>
-                    </a:lnR>
-                  </a:tcPr>
-                </a:tc>
-                <a:tc>
-                  <a:txBody>
-                    <a:bodyPr/>
-                    <a:lstStyle/>
-                    <a:p>
-                      <a:pPr algn="ctr"/>
-                      <a:r>
-                        <a:rPr lang="en-US" sz="2000" dirty="0">
-                          <a:solidFill>
-                            <a:schemeClr val="bg1"/>
-                          </a:solidFill>
-                        </a:rPr>
-                        <a:t>Elder Dennis King</a:t>
-                      </a:r>
-                    </a:p>
-                    <a:p>
-                      <a:pPr algn="ctr"/>
-                      <a:endParaRPr lang="en-US" sz="1800" dirty="0">
-                        <a:solidFill>
-                          <a:schemeClr val="bg1"/>
-                        </a:solidFill>
-                      </a:endParaRPr>
-                    </a:p>
-                    <a:p>
-                      <a:pPr algn="ctr"/>
-                      <a:r>
-                        <a:rPr lang="en-US" sz="1800" u="sng" dirty="0">
-                          <a:solidFill>
-                            <a:schemeClr val="bg1"/>
-                          </a:solidFill>
-                        </a:rPr>
-                        <a:t>Evening Service</a:t>
-                      </a:r>
-                      <a:endParaRPr lang="en-US" sz="1800" u="none" dirty="0">
-                        <a:solidFill>
-                          <a:schemeClr val="bg1"/>
-                        </a:solidFill>
-                      </a:endParaRPr>
-                    </a:p>
-                    <a:p>
-                      <a:pPr algn="ctr"/>
-                      <a:r>
-                        <a:rPr lang="en-US" sz="1800" i="1" u="none" dirty="0">
-                          <a:solidFill>
-                            <a:schemeClr val="bg1"/>
-                          </a:solidFill>
-                        </a:rPr>
-                        <a:t>-- TBD --</a:t>
-                      </a:r>
-                      <a:endParaRPr lang="en-US" sz="2000" i="1" u="sng" dirty="0">
-                        <a:solidFill>
-                          <a:schemeClr val="bg1"/>
-                        </a:solidFill>
-                      </a:endParaRPr>
-                    </a:p>
-                  </a:txBody>
-                  <a:tcPr marL="137160" marR="137160" marT="137160" marB="137160">
-                    <a:lnL w="38100" cap="flat" cmpd="sng" algn="ctr">
-                      <a:solidFill>
-                        <a:schemeClr val="bg1"/>
-                      </a:solidFill>
-                      <a:prstDash val="solid"/>
-                      <a:round/>
-                      <a:headEnd type="none" w="med" len="med"/>
-                      <a:tailEnd type="none" w="med" len="med"/>
-                    </a:lnL>
-                    <a:lnR w="38100" cap="flat" cmpd="sng" algn="ctr">
-                      <a:solidFill>
-                        <a:schemeClr val="bg1"/>
-                      </a:solidFill>
-                      <a:prstDash val="solid"/>
-                      <a:round/>
-                      <a:headEnd type="none" w="med" len="med"/>
-                      <a:tailEnd type="none" w="med" len="med"/>
-                    </a:lnR>
-                  </a:tcPr>
-                </a:tc>
                 <a:tc>
                   <a:txBody>
                     <a:bodyPr/>
@@ -4226,6 +4891,90 @@
                     </a:p>
                   </a:txBody>
                   <a:tcPr marL="137160" marR="137160" marT="137160" marB="137160">
+                    <a:lnR w="38100" cap="flat" cmpd="sng" algn="ctr">
+                      <a:solidFill>
+                        <a:schemeClr val="bg1"/>
+                      </a:solidFill>
+                      <a:prstDash val="solid"/>
+                      <a:round/>
+                      <a:headEnd type="none" w="med" len="med"/>
+                      <a:tailEnd type="none" w="med" len="med"/>
+                    </a:lnR>
+                  </a:tcPr>
+                </a:tc>
+                <a:tc>
+                  <a:txBody>
+                    <a:bodyPr/>
+                    <a:lstStyle/>
+                    <a:p>
+                      <a:pPr algn="ctr"/>
+                      <a:r>
+                        <a:rPr lang="en-US" sz="2000" dirty="0">
+                          <a:solidFill>
+                            <a:schemeClr val="bg1"/>
+                          </a:solidFill>
+                        </a:rPr>
+                        <a:t>Elder Vern Allen</a:t>
+                      </a:r>
+                    </a:p>
+                    <a:p>
+                      <a:pPr algn="ctr"/>
+                      <a:endParaRPr lang="en-US" sz="1800" dirty="0">
+                        <a:solidFill>
+                          <a:schemeClr val="bg1"/>
+                        </a:solidFill>
+                      </a:endParaRPr>
+                    </a:p>
+                    <a:p>
+                      <a:pPr algn="ctr"/>
+                      <a:r>
+                        <a:rPr lang="en-US" sz="1800" u="sng" dirty="0">
+                          <a:solidFill>
+                            <a:schemeClr val="bg1"/>
+                          </a:solidFill>
+                        </a:rPr>
+                        <a:t>Evening Service</a:t>
+                      </a:r>
+                      <a:endParaRPr lang="en-US" sz="1800" u="none" dirty="0">
+                        <a:solidFill>
+                          <a:schemeClr val="bg1"/>
+                        </a:solidFill>
+                      </a:endParaRPr>
+                    </a:p>
+                    <a:p>
+                      <a:pPr algn="ctr"/>
+                      <a:r>
+                        <a:rPr lang="en-US" sz="1800" i="1" u="none" dirty="0" err="1">
+                          <a:solidFill>
+                            <a:schemeClr val="bg1"/>
+                          </a:solidFill>
+                        </a:rPr>
+                        <a:t>Religio</a:t>
+                      </a:r>
+                      <a:endParaRPr lang="en-US" sz="1800" i="1" u="none" dirty="0">
+                        <a:solidFill>
+                          <a:schemeClr val="bg1"/>
+                        </a:solidFill>
+                      </a:endParaRPr>
+                    </a:p>
+                    <a:p>
+                      <a:pPr algn="ctr"/>
+                      <a:r>
+                        <a:rPr lang="en-US" sz="1800" i="0" u="none" dirty="0">
+                          <a:solidFill>
+                            <a:schemeClr val="bg1"/>
+                          </a:solidFill>
+                        </a:rPr>
+                        <a:t>(no broadcast)</a:t>
+                      </a:r>
+                      <a:endParaRPr lang="en-US" sz="2000" i="0" u="sng" dirty="0">
+                        <a:solidFill>
+                          <a:schemeClr val="bg1"/>
+                        </a:solidFill>
+                      </a:endParaRPr>
+                    </a:p>
+                  </a:txBody>
+                  <a:tcPr marL="137160" marR="137160" marT="137160" marB="137160">
                     <a:lnL w="38100" cap="flat" cmpd="sng" algn="ctr">
                       <a:solidFill>
                         <a:schemeClr val="bg1"/>
@@ -4250,7 +4999,7 @@
     </p:spTree>
     <p:extLst>
       <p:ext uri="{BB962C8B-B14F-4D97-AF65-F5344CB8AC3E}">
-        <p14:creationId xmlns:p14="http://schemas.microsoft.com/office/powerpoint/2010/main" val="3338503325"/>
+        <p14:creationId xmlns:p14="http://schemas.microsoft.com/office/powerpoint/2010/main" val="3157888944"/>
       </p:ext>
     </p:extLst>
   </p:cSld>
@@ -4260,7 +5009,7 @@
 </p:sld>
 </file>
 
-<file path=ppt/slides/slide2.xml><?xml version="1.0" encoding="utf-8"?>
+<file path=ppt/slides/slide3.xml><?xml version="1.0" encoding="utf-8"?>
 <p:sld xmlns:a="http://schemas.openxmlformats.org/drawingml/2006/main" xmlns:r="http://schemas.openxmlformats.org/officeDocument/2006/relationships" xmlns:p="http://schemas.openxmlformats.org/presentationml/2006/main">
   <p:cSld>
     <p:spTree>

--- a/Offline Slide.pptx
+++ b/Offline Slide.pptx
@@ -8,6 +8,7 @@
     <p:sldId id="261" r:id="rId2"/>
     <p:sldId id="262" r:id="rId3"/>
     <p:sldId id="260" r:id="rId4"/>
+    <p:sldId id="263" r:id="rId5"/>
   </p:sldIdLst>
   <p:sldSz cx="12192000" cy="6858000"/>
   <p:notesSz cx="6858000" cy="9144000"/>
@@ -261,7 +262,7 @@
           <a:p>
             <a:fld id="{D1CBADBE-F29A-4ACB-86A5-2945DAC5A707}" type="datetimeFigureOut">
               <a:rPr lang="en-US" smtClean="0"/>
-              <a:t>8/4/19</a:t>
+              <a:t>3/22/20</a:t>
             </a:fld>
             <a:endParaRPr lang="en-US"/>
           </a:p>
@@ -459,7 +460,7 @@
           <a:p>
             <a:fld id="{D1CBADBE-F29A-4ACB-86A5-2945DAC5A707}" type="datetimeFigureOut">
               <a:rPr lang="en-US" smtClean="0"/>
-              <a:t>8/4/19</a:t>
+              <a:t>3/22/20</a:t>
             </a:fld>
             <a:endParaRPr lang="en-US"/>
           </a:p>
@@ -667,7 +668,7 @@
           <a:p>
             <a:fld id="{D1CBADBE-F29A-4ACB-86A5-2945DAC5A707}" type="datetimeFigureOut">
               <a:rPr lang="en-US" smtClean="0"/>
-              <a:t>8/4/19</a:t>
+              <a:t>3/22/20</a:t>
             </a:fld>
             <a:endParaRPr lang="en-US"/>
           </a:p>
@@ -865,7 +866,7 @@
           <a:p>
             <a:fld id="{D1CBADBE-F29A-4ACB-86A5-2945DAC5A707}" type="datetimeFigureOut">
               <a:rPr lang="en-US" smtClean="0"/>
-              <a:t>8/4/19</a:t>
+              <a:t>3/22/20</a:t>
             </a:fld>
             <a:endParaRPr lang="en-US"/>
           </a:p>
@@ -1140,7 +1141,7 @@
           <a:p>
             <a:fld id="{D1CBADBE-F29A-4ACB-86A5-2945DAC5A707}" type="datetimeFigureOut">
               <a:rPr lang="en-US" smtClean="0"/>
-              <a:t>8/4/19</a:t>
+              <a:t>3/22/20</a:t>
             </a:fld>
             <a:endParaRPr lang="en-US"/>
           </a:p>
@@ -1405,7 +1406,7 @@
           <a:p>
             <a:fld id="{D1CBADBE-F29A-4ACB-86A5-2945DAC5A707}" type="datetimeFigureOut">
               <a:rPr lang="en-US" smtClean="0"/>
-              <a:t>8/4/19</a:t>
+              <a:t>3/22/20</a:t>
             </a:fld>
             <a:endParaRPr lang="en-US"/>
           </a:p>
@@ -1907,7 +1908,7 @@
           <a:p>
             <a:fld id="{D1CBADBE-F29A-4ACB-86A5-2945DAC5A707}" type="datetimeFigureOut">
               <a:rPr lang="en-US" smtClean="0"/>
-              <a:t>8/4/19</a:t>
+              <a:t>3/22/20</a:t>
             </a:fld>
             <a:endParaRPr lang="en-US"/>
           </a:p>
@@ -2048,7 +2049,7 @@
           <a:p>
             <a:fld id="{D1CBADBE-F29A-4ACB-86A5-2945DAC5A707}" type="datetimeFigureOut">
               <a:rPr lang="en-US" smtClean="0"/>
-              <a:t>8/4/19</a:t>
+              <a:t>3/22/20</a:t>
             </a:fld>
             <a:endParaRPr lang="en-US"/>
           </a:p>
@@ -2161,7 +2162,7 @@
           <a:p>
             <a:fld id="{D1CBADBE-F29A-4ACB-86A5-2945DAC5A707}" type="datetimeFigureOut">
               <a:rPr lang="en-US" smtClean="0"/>
-              <a:t>8/4/19</a:t>
+              <a:t>3/22/20</a:t>
             </a:fld>
             <a:endParaRPr lang="en-US"/>
           </a:p>
@@ -2472,7 +2473,7 @@
           <a:p>
             <a:fld id="{D1CBADBE-F29A-4ACB-86A5-2945DAC5A707}" type="datetimeFigureOut">
               <a:rPr lang="en-US" smtClean="0"/>
-              <a:t>8/4/19</a:t>
+              <a:t>3/22/20</a:t>
             </a:fld>
             <a:endParaRPr lang="en-US"/>
           </a:p>
@@ -2760,7 +2761,7 @@
           <a:p>
             <a:fld id="{D1CBADBE-F29A-4ACB-86A5-2945DAC5A707}" type="datetimeFigureOut">
               <a:rPr lang="en-US" smtClean="0"/>
-              <a:t>8/4/19</a:t>
+              <a:t>3/22/20</a:t>
             </a:fld>
             <a:endParaRPr lang="en-US"/>
           </a:p>
@@ -3004,7 +3005,7 @@
           <a:p>
             <a:fld id="{D1CBADBE-F29A-4ACB-86A5-2945DAC5A707}" type="datetimeFigureOut">
               <a:rPr lang="en-US" smtClean="0"/>
-              <a:t>8/4/19</a:t>
+              <a:t>3/22/20</a:t>
             </a:fld>
             <a:endParaRPr lang="en-US"/>
           </a:p>
@@ -3421,284 +3422,25 @@
           <a:chExt cx="0" cy="0"/>
         </a:xfrm>
       </p:grpSpPr>
-      <p:grpSp>
-        <p:nvGrpSpPr>
-          <p:cNvPr id="6" name="Group 5">
-            <a:extLst>
-              <a:ext uri="{FF2B5EF4-FFF2-40B4-BE49-F238E27FC236}">
-                <a16:creationId xmlns:a16="http://schemas.microsoft.com/office/drawing/2014/main" id="{D17D02E7-3F0D-4273-B382-1CB172C5868F}"/>
-              </a:ext>
-            </a:extLst>
-          </p:cNvPr>
-          <p:cNvGrpSpPr/>
-          <p:nvPr/>
-        </p:nvGrpSpPr>
-        <p:grpSpPr>
-          <a:xfrm>
-            <a:off x="-258896" y="345232"/>
-            <a:ext cx="12709793" cy="597160"/>
-            <a:chOff x="0" y="37322"/>
-            <a:chExt cx="12192000" cy="597160"/>
-          </a:xfrm>
-          <a:effectLst>
-            <a:outerShdw blurRad="50800" dist="38100" dir="2700000" algn="tl" rotWithShape="0">
-              <a:prstClr val="black">
-                <a:alpha val="40000"/>
-              </a:prstClr>
-            </a:outerShdw>
-          </a:effectLst>
-        </p:grpSpPr>
-        <p:sp>
-          <p:nvSpPr>
-            <p:cNvPr id="4" name="Rectangle 3">
-              <a:extLst>
-                <a:ext uri="{FF2B5EF4-FFF2-40B4-BE49-F238E27FC236}">
-                  <a16:creationId xmlns:a16="http://schemas.microsoft.com/office/drawing/2014/main" id="{593D64DA-DCEB-4AA2-B312-515F146861D8}"/>
-                </a:ext>
-              </a:extLst>
-            </p:cNvPr>
-            <p:cNvSpPr/>
-            <p:nvPr/>
-          </p:nvSpPr>
-          <p:spPr>
-            <a:xfrm>
-              <a:off x="0" y="37322"/>
-              <a:ext cx="12192000" cy="597160"/>
-            </a:xfrm>
-            <a:prstGeom prst="rect">
-              <a:avLst/>
-            </a:prstGeom>
-            <a:solidFill>
-              <a:srgbClr val="A99A85"/>
-            </a:solidFill>
-            <a:ln>
-              <a:noFill/>
-            </a:ln>
-          </p:spPr>
-          <p:style>
-            <a:lnRef idx="2">
-              <a:schemeClr val="accent1">
-                <a:shade val="50000"/>
-              </a:schemeClr>
-            </a:lnRef>
-            <a:fillRef idx="1">
-              <a:schemeClr val="accent1"/>
-            </a:fillRef>
-            <a:effectRef idx="0">
-              <a:schemeClr val="accent1"/>
-            </a:effectRef>
-            <a:fontRef idx="minor">
-              <a:schemeClr val="lt1"/>
-            </a:fontRef>
-          </p:style>
-          <p:txBody>
-            <a:bodyPr rtlCol="0" anchor="ctr"/>
-            <a:lstStyle/>
-            <a:p>
-              <a:pPr algn="ctr"/>
-              <a:endParaRPr lang="en-US" sz="2000"/>
-            </a:p>
-          </p:txBody>
-        </p:sp>
-        <p:sp>
-          <p:nvSpPr>
-            <p:cNvPr id="5" name="TextBox 4">
-              <a:extLst>
-                <a:ext uri="{FF2B5EF4-FFF2-40B4-BE49-F238E27FC236}">
-                  <a16:creationId xmlns:a16="http://schemas.microsoft.com/office/drawing/2014/main" id="{7F6F85FF-5065-4709-8C26-12A905611F7A}"/>
-                </a:ext>
-              </a:extLst>
-            </p:cNvPr>
-            <p:cNvSpPr txBox="1"/>
-            <p:nvPr/>
-          </p:nvSpPr>
-          <p:spPr>
-            <a:xfrm>
-              <a:off x="2475722" y="90521"/>
-              <a:ext cx="7240556" cy="523220"/>
-            </a:xfrm>
-            <a:prstGeom prst="rect">
-              <a:avLst/>
-            </a:prstGeom>
-            <a:noFill/>
-          </p:spPr>
-          <p:txBody>
-            <a:bodyPr wrap="square" rtlCol="0" anchor="ctr">
-              <a:spAutoFit/>
-            </a:bodyPr>
-            <a:lstStyle/>
-            <a:p>
-              <a:pPr algn="ctr"/>
-              <a:r>
-                <a:rPr lang="en-US" sz="2800" dirty="0">
-                  <a:latin typeface="Pristina" panose="03060402040406080204" pitchFamily="66" charset="0"/>
-                </a:rPr>
-                <a:t>Zarahemla Branch</a:t>
-              </a:r>
-            </a:p>
-          </p:txBody>
-        </p:sp>
-      </p:grpSp>
-      <p:sp>
-        <p:nvSpPr>
-          <p:cNvPr id="9" name="Content Placeholder 8">
-            <a:extLst>
-              <a:ext uri="{FF2B5EF4-FFF2-40B4-BE49-F238E27FC236}">
-                <a16:creationId xmlns:a16="http://schemas.microsoft.com/office/drawing/2014/main" id="{86B58BAA-1EBC-4E6E-80D7-CA6A89DE4AB8}"/>
-              </a:ext>
-            </a:extLst>
-          </p:cNvPr>
-          <p:cNvSpPr>
-            <a:spLocks noGrp="1"/>
-          </p:cNvSpPr>
-          <p:nvPr>
-            <p:ph sz="half" idx="1"/>
+      <p:sp>
+        <p:nvSpPr>
+          <p:cNvPr id="10" name="Content Placeholder 9">
+            <a:extLst>
+              <a:ext uri="{FF2B5EF4-FFF2-40B4-BE49-F238E27FC236}">
+                <a16:creationId xmlns:a16="http://schemas.microsoft.com/office/drawing/2014/main" id="{A0894FBB-42B2-4E18-A40E-6A6A542B28F2}"/>
+              </a:ext>
+            </a:extLst>
+          </p:cNvPr>
+          <p:cNvSpPr>
+            <a:spLocks noGrp="1"/>
+          </p:cNvSpPr>
+          <p:nvPr>
+            <p:ph sz="half" idx="2"/>
           </p:nvPr>
         </p:nvSpPr>
         <p:spPr>
           <a:xfrm>
-            <a:off x="838200" y="1143343"/>
-            <a:ext cx="10515600" cy="1507094"/>
-          </a:xfrm>
-        </p:spPr>
-        <p:txBody>
-          <a:bodyPr anchor="ctr">
-            <a:normAutofit/>
-          </a:bodyPr>
-          <a:lstStyle/>
-          <a:p>
-            <a:pPr marL="0" indent="0" algn="ctr">
-              <a:buNone/>
-            </a:pPr>
-            <a:r>
-              <a:rPr lang="en-US" sz="2400" dirty="0">
-                <a:solidFill>
-                  <a:schemeClr val="bg1">
-                    <a:lumMod val="85000"/>
-                  </a:schemeClr>
-                </a:solidFill>
-                <a:effectLst>
-                  <a:outerShdw blurRad="50800" dist="38100" dir="2700000" algn="tl" rotWithShape="0">
-                    <a:prstClr val="black">
-                      <a:alpha val="40000"/>
-                    </a:prstClr>
-                  </a:outerShdw>
-                </a:effectLst>
-                <a:latin typeface="Open Sans" panose="020B0606030504020204" pitchFamily="34" charset="0"/>
-                <a:ea typeface="Open Sans" panose="020B0606030504020204" pitchFamily="34" charset="0"/>
-                <a:cs typeface="Open Sans" panose="020B0606030504020204" pitchFamily="34" charset="0"/>
-              </a:rPr>
-              <a:t>We are currently offline.</a:t>
-            </a:r>
-          </a:p>
-          <a:p>
-            <a:pPr marL="0" indent="0" algn="ctr">
-              <a:buNone/>
-            </a:pPr>
-            <a:endParaRPr lang="en-US" sz="2400" dirty="0">
-              <a:solidFill>
-                <a:schemeClr val="bg1">
-                  <a:lumMod val="85000"/>
-                </a:schemeClr>
-              </a:solidFill>
-              <a:effectLst>
-                <a:outerShdw blurRad="50800" dist="38100" dir="2700000" algn="tl" rotWithShape="0">
-                  <a:prstClr val="black">
-                    <a:alpha val="40000"/>
-                  </a:prstClr>
-                </a:outerShdw>
-              </a:effectLst>
-              <a:latin typeface="Open Sans" panose="020B0606030504020204" pitchFamily="34" charset="0"/>
-              <a:ea typeface="Open Sans" panose="020B0606030504020204" pitchFamily="34" charset="0"/>
-              <a:cs typeface="Open Sans" panose="020B0606030504020204" pitchFamily="34" charset="0"/>
-            </a:endParaRPr>
-          </a:p>
-          <a:p>
-            <a:pPr marL="0" indent="0" algn="ctr">
-              <a:buNone/>
-            </a:pPr>
-            <a:r>
-              <a:rPr lang="en-US" sz="2400" dirty="0">
-                <a:solidFill>
-                  <a:schemeClr val="bg1">
-                    <a:lumMod val="85000"/>
-                  </a:schemeClr>
-                </a:solidFill>
-                <a:effectLst>
-                  <a:outerShdw blurRad="50800" dist="38100" dir="2700000" algn="tl" rotWithShape="0">
-                    <a:prstClr val="black">
-                      <a:alpha val="40000"/>
-                    </a:prstClr>
-                  </a:outerShdw>
-                </a:effectLst>
-                <a:latin typeface="Open Sans" panose="020B0606030504020204" pitchFamily="34" charset="0"/>
-                <a:ea typeface="Open Sans" panose="020B0606030504020204" pitchFamily="34" charset="0"/>
-                <a:cs typeface="Open Sans" panose="020B0606030504020204" pitchFamily="34" charset="0"/>
-              </a:rPr>
-              <a:t>Please join us for Sunday Worship each Sunday at 10:30 </a:t>
-            </a:r>
-            <a:r>
-              <a:rPr lang="en-US" sz="2400">
-                <a:solidFill>
-                  <a:schemeClr val="bg1">
-                    <a:lumMod val="85000"/>
-                  </a:schemeClr>
-                </a:solidFill>
-                <a:effectLst>
-                  <a:outerShdw blurRad="50800" dist="38100" dir="2700000" algn="tl" rotWithShape="0">
-                    <a:prstClr val="black">
-                      <a:alpha val="40000"/>
-                    </a:prstClr>
-                  </a:outerShdw>
-                </a:effectLst>
-                <a:latin typeface="Open Sans" panose="020B0606030504020204" pitchFamily="34" charset="0"/>
-                <a:ea typeface="Open Sans" panose="020B0606030504020204" pitchFamily="34" charset="0"/>
-                <a:cs typeface="Open Sans" panose="020B0606030504020204" pitchFamily="34" charset="0"/>
-              </a:rPr>
-              <a:t>AM CDT</a:t>
-            </a:r>
-            <a:r>
-              <a:rPr lang="en-US" sz="2400" dirty="0">
-                <a:solidFill>
-                  <a:schemeClr val="bg1">
-                    <a:lumMod val="85000"/>
-                  </a:schemeClr>
-                </a:solidFill>
-                <a:effectLst>
-                  <a:outerShdw blurRad="50800" dist="38100" dir="2700000" algn="tl" rotWithShape="0">
-                    <a:prstClr val="black">
-                      <a:alpha val="40000"/>
-                    </a:prstClr>
-                  </a:outerShdw>
-                </a:effectLst>
-                <a:latin typeface="Open Sans" panose="020B0606030504020204" pitchFamily="34" charset="0"/>
-                <a:ea typeface="Open Sans" panose="020B0606030504020204" pitchFamily="34" charset="0"/>
-                <a:cs typeface="Open Sans" panose="020B0606030504020204" pitchFamily="34" charset="0"/>
-              </a:rPr>
-              <a:t>.</a:t>
-            </a:r>
-          </a:p>
-        </p:txBody>
-      </p:sp>
-      <p:sp>
-        <p:nvSpPr>
-          <p:cNvPr id="10" name="Content Placeholder 9">
-            <a:extLst>
-              <a:ext uri="{FF2B5EF4-FFF2-40B4-BE49-F238E27FC236}">
-                <a16:creationId xmlns:a16="http://schemas.microsoft.com/office/drawing/2014/main" id="{A0894FBB-42B2-4E18-A40E-6A6A542B28F2}"/>
-              </a:ext>
-            </a:extLst>
-          </p:cNvPr>
-          <p:cNvSpPr>
-            <a:spLocks noGrp="1"/>
-          </p:cNvSpPr>
-          <p:nvPr>
-            <p:ph sz="half" idx="2"/>
-          </p:nvPr>
-        </p:nvSpPr>
-        <p:spPr>
-          <a:xfrm>
-            <a:off x="838200" y="2822713"/>
+            <a:off x="838200" y="1642098"/>
             <a:ext cx="10515600" cy="3559526"/>
           </a:xfrm>
           <a:ln w="50800" cmpd="thickThin">
@@ -3731,9 +3473,9 @@
                   </a:prstClr>
                 </a:outerShdw>
               </a:effectLst>
-              <a:latin typeface="Open Sans" panose="020B0606030504020204" pitchFamily="34" charset="0"/>
+              <a:latin typeface="Assistant" pitchFamily="2" charset="-79"/>
               <a:ea typeface="Open Sans" panose="020B0606030504020204" pitchFamily="34" charset="0"/>
-              <a:cs typeface="Open Sans" panose="020B0606030504020204" pitchFamily="34" charset="0"/>
+              <a:cs typeface="Assistant" pitchFamily="2" charset="-79"/>
             </a:endParaRPr>
           </a:p>
           <a:p>
@@ -3754,9 +3496,9 @@
                     </a:prstClr>
                   </a:outerShdw>
                 </a:effectLst>
-                <a:latin typeface="Open Sans" panose="020B0606030504020204" pitchFamily="34" charset="0"/>
+                <a:latin typeface="Assistant" pitchFamily="2" charset="-79"/>
                 <a:ea typeface="Open Sans" panose="020B0606030504020204" pitchFamily="34" charset="0"/>
-                <a:cs typeface="Open Sans" panose="020B0606030504020204" pitchFamily="34" charset="0"/>
+                <a:cs typeface="Assistant" pitchFamily="2" charset="-79"/>
               </a:rPr>
               <a:t>Upcoming Broadcasts:</a:t>
             </a:r>
@@ -3778,14 +3520,14 @@
           <p:nvPr>
             <p:extLst>
               <p:ext uri="{D42A27DB-BD31-4B8C-83A1-F6EECF244321}">
-                <p14:modId xmlns:p14="http://schemas.microsoft.com/office/powerpoint/2010/main" val="1736568232"/>
+                <p14:modId xmlns:p14="http://schemas.microsoft.com/office/powerpoint/2010/main" val="2340653062"/>
               </p:ext>
             </p:extLst>
           </p:nvPr>
         </p:nvGraphicFramePr>
         <p:xfrm>
-          <a:off x="838199" y="3624318"/>
-          <a:ext cx="10515600" cy="2622480"/>
+          <a:off x="838200" y="2443703"/>
+          <a:ext cx="10515600" cy="2561520"/>
         </p:xfrm>
         <a:graphic>
           <a:graphicData uri="http://schemas.openxmlformats.org/drawingml/2006/table">
@@ -3828,8 +3570,10 @@
                           <a:solidFill>
                             <a:schemeClr val="bg1"/>
                           </a:solidFill>
+                          <a:latin typeface="Assistant" pitchFamily="2" charset="-79"/>
+                          <a:cs typeface="Assistant" pitchFamily="2" charset="-79"/>
                         </a:rPr>
-                        <a:t>Sun, 8/11/19</a:t>
+                        <a:t>Sun, 3/29/20</a:t>
                       </a:r>
                     </a:p>
                   </a:txBody>
@@ -3856,8 +3600,10 @@
                           <a:solidFill>
                             <a:schemeClr val="bg1"/>
                           </a:solidFill>
+                          <a:latin typeface="Assistant" pitchFamily="2" charset="-79"/>
+                          <a:cs typeface="Assistant" pitchFamily="2" charset="-79"/>
                         </a:rPr>
-                        <a:t>Sun, 8/18/19</a:t>
+                        <a:t>Sun, 4/5/20</a:t>
                       </a:r>
                     </a:p>
                   </a:txBody>
@@ -3893,8 +3639,10 @@
                           <a:solidFill>
                             <a:schemeClr val="bg1"/>
                           </a:solidFill>
+                          <a:latin typeface="Assistant" pitchFamily="2" charset="-79"/>
+                          <a:cs typeface="Assistant" pitchFamily="2" charset="-79"/>
                         </a:rPr>
-                        <a:t>Sun, 8/25/19</a:t>
+                        <a:t>Sun, 4/12/20</a:t>
                       </a:r>
                     </a:p>
                   </a:txBody>
@@ -3924,20 +3672,14 @@
                     <a:p>
                       <a:pPr algn="ctr"/>
                       <a:r>
-                        <a:rPr lang="en-US" sz="2000" b="1" dirty="0">
-                          <a:solidFill>
-                            <a:schemeClr val="bg1"/>
-                          </a:solidFill>
-                        </a:rPr>
-                        <a:t>10:30 AM CDT • </a:t>
-                      </a:r>
-                      <a:r>
                         <a:rPr lang="en-US" sz="2000" b="1" u="none" dirty="0">
                           <a:solidFill>
                             <a:schemeClr val="bg1"/>
                           </a:solidFill>
+                          <a:latin typeface="Assistant" pitchFamily="2" charset="-79"/>
+                          <a:cs typeface="Assistant" pitchFamily="2" charset="-79"/>
                         </a:rPr>
-                        <a:t>15:30 PM UTC</a:t>
+                        <a:t>10:30 AM CDT • 3:30 PM UTC</a:t>
                       </a:r>
                     </a:p>
                   </a:txBody>
@@ -3964,6 +3706,8 @@
                           <a:solidFill>
                             <a:schemeClr val="bg1"/>
                           </a:solidFill>
+                          <a:latin typeface="Assistant" pitchFamily="2" charset="-79"/>
+                          <a:cs typeface="Assistant" pitchFamily="2" charset="-79"/>
                         </a:rPr>
                         <a:t>10:30 AM CDT • </a:t>
                       </a:r>
@@ -3972,8 +3716,10 @@
                           <a:solidFill>
                             <a:schemeClr val="bg1"/>
                           </a:solidFill>
+                          <a:latin typeface="Assistant" pitchFamily="2" charset="-79"/>
+                          <a:cs typeface="Assistant" pitchFamily="2" charset="-79"/>
                         </a:rPr>
-                        <a:t>15:30 PM UTC</a:t>
+                        <a:t>3:30 PM UTC</a:t>
                       </a:r>
                     </a:p>
                   </a:txBody>
@@ -4005,20 +3751,44 @@
                     <a:p>
                       <a:pPr algn="ctr"/>
                       <a:r>
+                        <a:rPr lang="en-US" sz="2000" b="1" u="sng" dirty="0">
+                          <a:solidFill>
+                            <a:schemeClr val="bg1"/>
+                          </a:solidFill>
+                          <a:latin typeface="Assistant" pitchFamily="2" charset="-79"/>
+                          <a:cs typeface="Assistant" pitchFamily="2" charset="-79"/>
+                        </a:rPr>
+                        <a:t>10:00 AM</a:t>
+                      </a:r>
+                      <a:r>
                         <a:rPr lang="en-US" sz="2000" b="1" dirty="0">
                           <a:solidFill>
                             <a:schemeClr val="bg1"/>
                           </a:solidFill>
+                          <a:latin typeface="Assistant" pitchFamily="2" charset="-79"/>
+                          <a:cs typeface="Assistant" pitchFamily="2" charset="-79"/>
                         </a:rPr>
-                        <a:t>10:30 AM CDT • </a:t>
+                        <a:t> CDT • </a:t>
+                      </a:r>
+                      <a:r>
+                        <a:rPr lang="en-US" sz="2000" b="1" u="sng" dirty="0">
+                          <a:solidFill>
+                            <a:schemeClr val="bg1"/>
+                          </a:solidFill>
+                          <a:latin typeface="Assistant" pitchFamily="2" charset="-79"/>
+                          <a:cs typeface="Assistant" pitchFamily="2" charset="-79"/>
+                        </a:rPr>
+                        <a:t>3:00 PM</a:t>
                       </a:r>
                       <a:r>
                         <a:rPr lang="en-US" sz="2000" b="1" u="none" dirty="0">
                           <a:solidFill>
                             <a:schemeClr val="bg1"/>
                           </a:solidFill>
+                          <a:latin typeface="Assistant" pitchFamily="2" charset="-79"/>
+                          <a:cs typeface="Assistant" pitchFamily="2" charset="-79"/>
                         </a:rPr>
-                        <a:t>15:30 PM UTC</a:t>
+                        <a:t> UTC</a:t>
                       </a:r>
                     </a:p>
                   </a:txBody>
@@ -4052,8 +3822,10 @@
                           <a:solidFill>
                             <a:schemeClr val="bg1"/>
                           </a:solidFill>
+                          <a:latin typeface="Assistant" pitchFamily="2" charset="-79"/>
+                          <a:cs typeface="Assistant" pitchFamily="2" charset="-79"/>
                         </a:rPr>
-                        <a:t>High Priest Brad Gault</a:t>
+                        <a:t>Elder Brad Gault</a:t>
                       </a:r>
                     </a:p>
                     <a:p>
@@ -4062,6 +3834,8 @@
                         <a:solidFill>
                           <a:schemeClr val="bg1"/>
                         </a:solidFill>
+                        <a:latin typeface="Assistant" pitchFamily="2" charset="-79"/>
+                        <a:cs typeface="Assistant" pitchFamily="2" charset="-79"/>
                       </a:endParaRPr>
                     </a:p>
                     <a:p>
@@ -4071,6 +3845,8 @@
                           <a:solidFill>
                             <a:schemeClr val="bg1"/>
                           </a:solidFill>
+                          <a:latin typeface="Assistant" pitchFamily="2" charset="-79"/>
+                          <a:cs typeface="Assistant" pitchFamily="2" charset="-79"/>
                         </a:rPr>
                         <a:t>Evening Service</a:t>
                       </a:r>
@@ -4078,34 +3854,22 @@
                         <a:solidFill>
                           <a:schemeClr val="bg1"/>
                         </a:solidFill>
+                        <a:latin typeface="Assistant" pitchFamily="2" charset="-79"/>
+                        <a:cs typeface="Assistant" pitchFamily="2" charset="-79"/>
                       </a:endParaRPr>
                     </a:p>
                     <a:p>
                       <a:pPr algn="ctr"/>
                       <a:r>
-                        <a:rPr lang="en-US" sz="1800" i="1" u="none" dirty="0">
+                        <a:rPr lang="en-US" sz="1600" b="0" i="1" u="none" dirty="0">
                           <a:solidFill>
                             <a:schemeClr val="bg1"/>
                           </a:solidFill>
+                          <a:latin typeface="Assistant" pitchFamily="2" charset="-79"/>
+                          <a:cs typeface="Assistant" pitchFamily="2" charset="-79"/>
                         </a:rPr>
-                        <a:t>Summer Series @ Waldo</a:t>
+                        <a:t>TBD</a:t>
                       </a:r>
-                    </a:p>
-                    <a:p>
-                      <a:pPr algn="ctr"/>
-                      <a:r>
-                        <a:rPr lang="en-US" sz="1800" i="0" u="none" dirty="0">
-                          <a:solidFill>
-                            <a:schemeClr val="bg1"/>
-                          </a:solidFill>
-                        </a:rPr>
-                        <a:t>(no broadcast)</a:t>
-                      </a:r>
-                      <a:endParaRPr lang="en-US" sz="2000" i="0" u="sng" dirty="0">
-                        <a:solidFill>
-                          <a:schemeClr val="bg1"/>
-                        </a:solidFill>
-                      </a:endParaRPr>
                     </a:p>
                   </a:txBody>
                   <a:tcPr marL="137160" marR="137160" marT="137160" marB="137160">
@@ -4131,22 +3895,11 @@
                           <a:solidFill>
                             <a:schemeClr val="bg1"/>
                           </a:solidFill>
+                          <a:latin typeface="Assistant" pitchFamily="2" charset="-79"/>
+                          <a:cs typeface="Assistant" pitchFamily="2" charset="-79"/>
                         </a:rPr>
-                        <a:t>Elder Charles </a:t>
+                        <a:t>Elder Tim Canfield</a:t>
                       </a:r>
-                      <a:r>
-                        <a:rPr lang="en-US" sz="2000" dirty="0" err="1">
-                          <a:solidFill>
-                            <a:schemeClr val="bg1"/>
-                          </a:solidFill>
-                        </a:rPr>
-                        <a:t>Zerr</a:t>
-                      </a:r>
-                      <a:endParaRPr lang="en-US" sz="2000" dirty="0">
-                        <a:solidFill>
-                          <a:schemeClr val="bg1"/>
-                        </a:solidFill>
-                      </a:endParaRPr>
                     </a:p>
                     <a:p>
                       <a:pPr algn="ctr"/>
@@ -4154,6 +3907,8 @@
                         <a:solidFill>
                           <a:schemeClr val="bg1"/>
                         </a:solidFill>
+                        <a:latin typeface="Assistant" pitchFamily="2" charset="-79"/>
+                        <a:cs typeface="Assistant" pitchFamily="2" charset="-79"/>
                       </a:endParaRPr>
                     </a:p>
                     <a:p>
@@ -4163,35 +3918,43 @@
                           <a:solidFill>
                             <a:schemeClr val="bg1"/>
                           </a:solidFill>
+                          <a:latin typeface="Assistant" pitchFamily="2" charset="-79"/>
+                          <a:cs typeface="Assistant" pitchFamily="2" charset="-79"/>
                         </a:rPr>
-                        <a:t>Evening Service • 6:00 PM CST</a:t>
+                        <a:t>Evening Service</a:t>
                       </a:r>
                     </a:p>
                     <a:p>
                       <a:pPr algn="ctr"/>
                       <a:r>
-                        <a:rPr lang="en-US" sz="1800" i="1" u="none" dirty="0">
+                        <a:rPr lang="en-US" sz="1600" i="1" u="none" dirty="0">
                           <a:solidFill>
                             <a:schemeClr val="bg1"/>
                           </a:solidFill>
+                          <a:latin typeface="Assistant" pitchFamily="2" charset="-79"/>
+                          <a:cs typeface="Assistant" pitchFamily="2" charset="-79"/>
                         </a:rPr>
-                        <a:t>Branch Open Forum</a:t>
+                        <a:t>Prayer Service for Zion</a:t>
                       </a:r>
                     </a:p>
                     <a:p>
                       <a:pPr algn="ctr"/>
                       <a:r>
-                        <a:rPr lang="en-US" sz="1800" i="0" u="none" dirty="0">
+                        <a:rPr lang="en-US" sz="1600" i="0" u="none" dirty="0">
                           <a:solidFill>
                             <a:schemeClr val="bg1"/>
                           </a:solidFill>
+                          <a:latin typeface="Assistant" pitchFamily="2" charset="-79"/>
+                          <a:cs typeface="Assistant" pitchFamily="2" charset="-79"/>
                         </a:rPr>
                         <a:t>(no broadcast)</a:t>
                       </a:r>
-                      <a:endParaRPr lang="en-US" sz="2000" i="0" u="sng" dirty="0">
+                      <a:endParaRPr lang="en-US" sz="1800" i="0" u="sng" dirty="0">
                         <a:solidFill>
                           <a:schemeClr val="bg1"/>
                         </a:solidFill>
+                        <a:latin typeface="Assistant" pitchFamily="2" charset="-79"/>
+                        <a:cs typeface="Assistant" pitchFamily="2" charset="-79"/>
                       </a:endParaRPr>
                     </a:p>
                   </a:txBody>
@@ -4227,8 +3990,10 @@
                           <a:solidFill>
                             <a:schemeClr val="bg1"/>
                           </a:solidFill>
+                          <a:latin typeface="Assistant" pitchFamily="2" charset="-79"/>
+                          <a:cs typeface="Assistant" pitchFamily="2" charset="-79"/>
                         </a:rPr>
-                        <a:t>Elder Dennis King</a:t>
+                        <a:t>Elder Bob Moore</a:t>
                       </a:r>
                     </a:p>
                     <a:p>
@@ -4237,6 +4002,8 @@
                         <a:solidFill>
                           <a:schemeClr val="bg1"/>
                         </a:solidFill>
+                        <a:latin typeface="Assistant" pitchFamily="2" charset="-79"/>
+                        <a:cs typeface="Assistant" pitchFamily="2" charset="-79"/>
                       </a:endParaRPr>
                     </a:p>
                     <a:p>
@@ -4246,6 +4013,8 @@
                           <a:solidFill>
                             <a:schemeClr val="bg1"/>
                           </a:solidFill>
+                          <a:latin typeface="Assistant" pitchFamily="2" charset="-79"/>
+                          <a:cs typeface="Assistant" pitchFamily="2" charset="-79"/>
                         </a:rPr>
                         <a:t>Evening Service</a:t>
                       </a:r>
@@ -4253,33 +4022,28 @@
                         <a:solidFill>
                           <a:schemeClr val="bg1"/>
                         </a:solidFill>
+                        <a:latin typeface="Assistant" pitchFamily="2" charset="-79"/>
+                        <a:cs typeface="Assistant" pitchFamily="2" charset="-79"/>
                       </a:endParaRPr>
                     </a:p>
                     <a:p>
                       <a:pPr algn="ctr"/>
                       <a:r>
-                        <a:rPr lang="en-US" sz="1800" i="1" u="none" dirty="0">
+                        <a:rPr lang="en-US" sz="1600" b="0" i="1" u="none" dirty="0">
                           <a:solidFill>
                             <a:schemeClr val="bg1"/>
                           </a:solidFill>
+                          <a:latin typeface="Assistant" pitchFamily="2" charset="-79"/>
+                          <a:cs typeface="Assistant" pitchFamily="2" charset="-79"/>
                         </a:rPr>
-                        <a:t>Church Member’s Manual Class</a:t>
+                        <a:t>No Services</a:t>
                       </a:r>
-                    </a:p>
-                    <a:p>
-                      <a:pPr algn="ctr"/>
-                      <a:r>
-                        <a:rPr lang="en-US" sz="1800" i="0" u="none" dirty="0">
-                          <a:solidFill>
-                            <a:schemeClr val="bg1"/>
-                          </a:solidFill>
-                        </a:rPr>
-                        <a:t>(no broadcast)</a:t>
-                      </a:r>
-                      <a:endParaRPr lang="en-US" sz="2000" i="0" u="sng" dirty="0">
+                      <a:endParaRPr lang="en-US" sz="1600" b="0" i="0" u="none" dirty="0">
                         <a:solidFill>
                           <a:schemeClr val="bg1"/>
                         </a:solidFill>
+                        <a:latin typeface="Assistant" pitchFamily="2" charset="-79"/>
+                        <a:cs typeface="Assistant" pitchFamily="2" charset="-79"/>
                       </a:endParaRPr>
                     </a:p>
                   </a:txBody>
@@ -4305,6 +4069,243 @@
           </a:graphicData>
         </a:graphic>
       </p:graphicFrame>
+      <p:grpSp>
+        <p:nvGrpSpPr>
+          <p:cNvPr id="5" name="Group 4">
+            <a:extLst>
+              <a:ext uri="{FF2B5EF4-FFF2-40B4-BE49-F238E27FC236}">
+                <a16:creationId xmlns:a16="http://schemas.microsoft.com/office/drawing/2014/main" id="{65EF24E6-34B0-1044-AC40-CE9885895B2B}"/>
+              </a:ext>
+            </a:extLst>
+          </p:cNvPr>
+          <p:cNvGrpSpPr/>
+          <p:nvPr/>
+        </p:nvGrpSpPr>
+        <p:grpSpPr>
+          <a:xfrm>
+            <a:off x="-258896" y="530430"/>
+            <a:ext cx="12709793" cy="597160"/>
+            <a:chOff x="0" y="37322"/>
+            <a:chExt cx="12192000" cy="597160"/>
+          </a:xfrm>
+          <a:effectLst>
+            <a:outerShdw blurRad="50800" dist="38100" dir="2700000" algn="tl" rotWithShape="0">
+              <a:prstClr val="black">
+                <a:alpha val="40000"/>
+              </a:prstClr>
+            </a:outerShdw>
+          </a:effectLst>
+        </p:grpSpPr>
+        <p:sp>
+          <p:nvSpPr>
+            <p:cNvPr id="6" name="Rectangle 5">
+              <a:extLst>
+                <a:ext uri="{FF2B5EF4-FFF2-40B4-BE49-F238E27FC236}">
+                  <a16:creationId xmlns:a16="http://schemas.microsoft.com/office/drawing/2014/main" id="{EF1A365D-D658-9642-BB1B-F8E1BFB4466F}"/>
+                </a:ext>
+              </a:extLst>
+            </p:cNvPr>
+            <p:cNvSpPr/>
+            <p:nvPr/>
+          </p:nvSpPr>
+          <p:spPr>
+            <a:xfrm>
+              <a:off x="0" y="37322"/>
+              <a:ext cx="12192000" cy="597160"/>
+            </a:xfrm>
+            <a:prstGeom prst="rect">
+              <a:avLst/>
+            </a:prstGeom>
+            <a:solidFill>
+              <a:srgbClr val="CFBDA4"/>
+            </a:solidFill>
+            <a:ln>
+              <a:noFill/>
+            </a:ln>
+          </p:spPr>
+          <p:style>
+            <a:lnRef idx="2">
+              <a:schemeClr val="accent1">
+                <a:shade val="50000"/>
+              </a:schemeClr>
+            </a:lnRef>
+            <a:fillRef idx="1">
+              <a:schemeClr val="accent1"/>
+            </a:fillRef>
+            <a:effectRef idx="0">
+              <a:schemeClr val="accent1"/>
+            </a:effectRef>
+            <a:fontRef idx="minor">
+              <a:schemeClr val="lt1"/>
+            </a:fontRef>
+          </p:style>
+          <p:txBody>
+            <a:bodyPr rtlCol="0" anchor="ctr"/>
+            <a:lstStyle/>
+            <a:p>
+              <a:pPr algn="ctr"/>
+              <a:endParaRPr lang="en-US" sz="2000" dirty="0"/>
+            </a:p>
+          </p:txBody>
+        </p:sp>
+        <p:sp>
+          <p:nvSpPr>
+            <p:cNvPr id="7" name="TextBox 6">
+              <a:extLst>
+                <a:ext uri="{FF2B5EF4-FFF2-40B4-BE49-F238E27FC236}">
+                  <a16:creationId xmlns:a16="http://schemas.microsoft.com/office/drawing/2014/main" id="{3A7CFCC9-F830-DD4D-9817-9B0677EB5DB9}"/>
+                </a:ext>
+              </a:extLst>
+            </p:cNvPr>
+            <p:cNvSpPr txBox="1"/>
+            <p:nvPr/>
+          </p:nvSpPr>
+          <p:spPr>
+            <a:xfrm>
+              <a:off x="2475722" y="121298"/>
+              <a:ext cx="7240556" cy="461665"/>
+            </a:xfrm>
+            <a:prstGeom prst="rect">
+              <a:avLst/>
+            </a:prstGeom>
+            <a:noFill/>
+          </p:spPr>
+          <p:txBody>
+            <a:bodyPr wrap="square" rtlCol="0" anchor="ctr">
+              <a:spAutoFit/>
+            </a:bodyPr>
+            <a:lstStyle/>
+            <a:p>
+              <a:pPr algn="ctr"/>
+              <a:r>
+                <a:rPr lang="en-US" sz="2400" b="1" dirty="0">
+                  <a:latin typeface="Copperplate Light" panose="02000604030000020004" pitchFamily="2" charset="77"/>
+                  <a:cs typeface="Assistant" pitchFamily="2" charset="-79"/>
+                </a:rPr>
+                <a:t>We are currently offline.</a:t>
+              </a:r>
+            </a:p>
+          </p:txBody>
+        </p:sp>
+      </p:grpSp>
+      <p:sp>
+        <p:nvSpPr>
+          <p:cNvPr id="8" name="TextBox 7">
+            <a:extLst>
+              <a:ext uri="{FF2B5EF4-FFF2-40B4-BE49-F238E27FC236}">
+                <a16:creationId xmlns:a16="http://schemas.microsoft.com/office/drawing/2014/main" id="{5EB79C43-6A8F-4F4D-8C2B-BE19D7557599}"/>
+              </a:ext>
+            </a:extLst>
+          </p:cNvPr>
+          <p:cNvSpPr txBox="1"/>
+          <p:nvPr/>
+        </p:nvSpPr>
+        <p:spPr>
+          <a:xfrm>
+            <a:off x="2321969" y="5464621"/>
+            <a:ext cx="7548062" cy="1077218"/>
+          </a:xfrm>
+          <a:prstGeom prst="rect">
+            <a:avLst/>
+          </a:prstGeom>
+          <a:noFill/>
+        </p:spPr>
+        <p:txBody>
+          <a:bodyPr wrap="square" rtlCol="0" anchor="ctr">
+            <a:spAutoFit/>
+          </a:bodyPr>
+          <a:lstStyle/>
+          <a:p>
+            <a:pPr algn="ctr"/>
+            <a:r>
+              <a:rPr lang="en-US" sz="3200" dirty="0">
+                <a:solidFill>
+                  <a:schemeClr val="bg1"/>
+                </a:solidFill>
+                <a:latin typeface="Pristina" panose="03060402040406080204" pitchFamily="66" charset="0"/>
+              </a:rPr>
+              <a:t>Zarahemla Branch</a:t>
+            </a:r>
+          </a:p>
+          <a:p>
+            <a:pPr algn="ctr"/>
+            <a:r>
+              <a:rPr lang="en-US" sz="1600" dirty="0">
+                <a:solidFill>
+                  <a:schemeClr val="bg1"/>
+                </a:solidFill>
+                <a:latin typeface="Copperplate Light" panose="02000604030000020004" pitchFamily="2" charset="77"/>
+              </a:rPr>
+              <a:t>Proclaiming the Restored Gospel</a:t>
+            </a:r>
+          </a:p>
+          <a:p>
+            <a:pPr algn="ctr"/>
+            <a:r>
+              <a:rPr lang="en-US" sz="1600" dirty="0">
+                <a:solidFill>
+                  <a:schemeClr val="bg1"/>
+                </a:solidFill>
+                <a:latin typeface="Copperplate Light" panose="02000604030000020004" pitchFamily="2" charset="77"/>
+              </a:rPr>
+              <a:t>of Jesus Christ</a:t>
+            </a:r>
+          </a:p>
+        </p:txBody>
+      </p:sp>
+      <p:sp>
+        <p:nvSpPr>
+          <p:cNvPr id="11" name="TextBox 10">
+            <a:extLst>
+              <a:ext uri="{FF2B5EF4-FFF2-40B4-BE49-F238E27FC236}">
+                <a16:creationId xmlns:a16="http://schemas.microsoft.com/office/drawing/2014/main" id="{78E2715C-2DDE-FA4E-940E-DF2EB881A1F7}"/>
+              </a:ext>
+            </a:extLst>
+          </p:cNvPr>
+          <p:cNvSpPr txBox="1"/>
+          <p:nvPr/>
+        </p:nvSpPr>
+        <p:spPr>
+          <a:xfrm>
+            <a:off x="7839918" y="2167647"/>
+            <a:ext cx="3513882" cy="338554"/>
+          </a:xfrm>
+          <a:prstGeom prst="rect">
+            <a:avLst/>
+          </a:prstGeom>
+          <a:noFill/>
+        </p:spPr>
+        <p:txBody>
+          <a:bodyPr wrap="square" rtlCol="0" anchor="ctr">
+            <a:spAutoFit/>
+          </a:bodyPr>
+          <a:lstStyle/>
+          <a:p>
+            <a:pPr algn="ctr"/>
+            <a:r>
+              <a:rPr lang="en-US" sz="1600" b="1" u="sng" dirty="0">
+                <a:solidFill>
+                  <a:schemeClr val="accent6">
+                    <a:lumMod val="60000"/>
+                    <a:lumOff val="40000"/>
+                  </a:schemeClr>
+                </a:solidFill>
+                <a:latin typeface="Copperplate" panose="02000504000000020004" pitchFamily="2" charset="77"/>
+              </a:rPr>
+              <a:t>EASTER SUNDAY</a:t>
+            </a:r>
+            <a:endParaRPr lang="en-US" sz="1000" b="1" u="sng" dirty="0">
+              <a:solidFill>
+                <a:schemeClr val="accent6">
+                  <a:lumMod val="60000"/>
+                  <a:lumOff val="40000"/>
+                </a:schemeClr>
+              </a:solidFill>
+              <a:latin typeface="Copperplate" panose="02000504000000020004" pitchFamily="2" charset="77"/>
+            </a:endParaRPr>
+          </a:p>
+        </p:txBody>
+      </p:sp>
     </p:spTree>
     <p:extLst>
       <p:ext uri="{BB962C8B-B14F-4D97-AF65-F5344CB8AC3E}">
@@ -5189,9 +5190,9 @@
                     </a:prstClr>
                   </a:outerShdw>
                 </a:effectLst>
-                <a:latin typeface="Open Sans" panose="020B0606030504020204" pitchFamily="34" charset="0"/>
+                <a:latin typeface="Assistant" pitchFamily="2" charset="-79"/>
                 <a:ea typeface="Open Sans" panose="020B0606030504020204" pitchFamily="34" charset="0"/>
-                <a:cs typeface="Open Sans" panose="020B0606030504020204" pitchFamily="34" charset="0"/>
+                <a:cs typeface="Assistant" pitchFamily="2" charset="-79"/>
               </a:rPr>
               <a:t>We are currently offline.</a:t>
             </a:r>
@@ -5213,9 +5214,9 @@
                   </a:prstClr>
                 </a:outerShdw>
               </a:effectLst>
-              <a:latin typeface="Open Sans" panose="020B0606030504020204" pitchFamily="34" charset="0"/>
+              <a:latin typeface="Assistant" pitchFamily="2" charset="-79"/>
               <a:ea typeface="Open Sans" panose="020B0606030504020204" pitchFamily="34" charset="0"/>
-              <a:cs typeface="Open Sans" panose="020B0606030504020204" pitchFamily="34" charset="0"/>
+              <a:cs typeface="Assistant" pitchFamily="2" charset="-79"/>
             </a:endParaRPr>
           </a:p>
           <a:p>
@@ -5236,9 +5237,9 @@
                     </a:prstClr>
                   </a:outerShdw>
                 </a:effectLst>
-                <a:latin typeface="Open Sans" panose="020B0606030504020204" pitchFamily="34" charset="0"/>
+                <a:latin typeface="Assistant" pitchFamily="2" charset="-79"/>
                 <a:ea typeface="Open Sans" panose="020B0606030504020204" pitchFamily="34" charset="0"/>
-                <a:cs typeface="Open Sans" panose="020B0606030504020204" pitchFamily="34" charset="0"/>
+                <a:cs typeface="Assistant" pitchFamily="2" charset="-79"/>
               </a:rPr>
               <a:t>Please join us for</a:t>
             </a:r>
@@ -5261,11 +5262,11 @@
                     </a:prstClr>
                   </a:outerShdw>
                 </a:effectLst>
-                <a:latin typeface="Open Sans" panose="020B0606030504020204" pitchFamily="34" charset="0"/>
+                <a:latin typeface="Assistant" pitchFamily="2" charset="-79"/>
                 <a:ea typeface="Open Sans" panose="020B0606030504020204" pitchFamily="34" charset="0"/>
-                <a:cs typeface="Open Sans" panose="020B0606030504020204" pitchFamily="34" charset="0"/>
+                <a:cs typeface="Assistant" pitchFamily="2" charset="-79"/>
               </a:rPr>
-              <a:t>Sunday Worship</a:t>
+              <a:t>worship services</a:t>
             </a:r>
           </a:p>
           <a:p>
@@ -5286,9 +5287,9 @@
                     </a:prstClr>
                   </a:outerShdw>
                 </a:effectLst>
-                <a:latin typeface="Open Sans" panose="020B0606030504020204" pitchFamily="34" charset="0"/>
+                <a:latin typeface="Assistant" pitchFamily="2" charset="-79"/>
                 <a:ea typeface="Open Sans" panose="020B0606030504020204" pitchFamily="34" charset="0"/>
-                <a:cs typeface="Open Sans" panose="020B0606030504020204" pitchFamily="34" charset="0"/>
+                <a:cs typeface="Assistant" pitchFamily="2" charset="-79"/>
               </a:rPr>
               <a:t>each Sunday</a:t>
             </a:r>
@@ -5311,11 +5312,735 @@
                     </a:prstClr>
                   </a:outerShdw>
                 </a:effectLst>
-                <a:latin typeface="Open Sans" panose="020B0606030504020204" pitchFamily="34" charset="0"/>
+                <a:latin typeface="Assistant" pitchFamily="2" charset="-79"/>
                 <a:ea typeface="Open Sans" panose="020B0606030504020204" pitchFamily="34" charset="0"/>
-                <a:cs typeface="Open Sans" panose="020B0606030504020204" pitchFamily="34" charset="0"/>
+                <a:cs typeface="Assistant" pitchFamily="2" charset="-79"/>
               </a:rPr>
               <a:t>at 10:30 AM CDT.</a:t>
+            </a:r>
+          </a:p>
+        </p:txBody>
+      </p:sp>
+      <p:sp>
+        <p:nvSpPr>
+          <p:cNvPr id="10" name="Content Placeholder 9">
+            <a:extLst>
+              <a:ext uri="{FF2B5EF4-FFF2-40B4-BE49-F238E27FC236}">
+                <a16:creationId xmlns:a16="http://schemas.microsoft.com/office/drawing/2014/main" id="{A0894FBB-42B2-4E18-A40E-6A6A542B28F2}"/>
+              </a:ext>
+            </a:extLst>
+          </p:cNvPr>
+          <p:cNvSpPr>
+            <a:spLocks noGrp="1"/>
+          </p:cNvSpPr>
+          <p:nvPr>
+            <p:ph sz="half" idx="2"/>
+          </p:nvPr>
+        </p:nvSpPr>
+        <p:spPr>
+          <a:xfrm>
+            <a:off x="6172200" y="1315619"/>
+            <a:ext cx="5181600" cy="5066620"/>
+          </a:xfrm>
+          <a:ln w="50800" cmpd="thickThin">
+            <a:solidFill>
+              <a:schemeClr val="bg1">
+                <a:lumMod val="75000"/>
+              </a:schemeClr>
+            </a:solidFill>
+          </a:ln>
+        </p:spPr>
+        <p:txBody>
+          <a:bodyPr anchor="ctr">
+            <a:normAutofit/>
+          </a:bodyPr>
+          <a:lstStyle/>
+          <a:p>
+            <a:pPr marL="0" indent="0" algn="ctr">
+              <a:buNone/>
+            </a:pPr>
+            <a:endParaRPr lang="en-US" sz="2400" u="sng" dirty="0">
+              <a:solidFill>
+                <a:schemeClr val="bg1">
+                  <a:lumMod val="85000"/>
+                </a:schemeClr>
+              </a:solidFill>
+              <a:effectLst>
+                <a:outerShdw blurRad="50800" dist="38100" dir="2700000" algn="tl" rotWithShape="0">
+                  <a:prstClr val="black">
+                    <a:alpha val="40000"/>
+                  </a:prstClr>
+                </a:outerShdw>
+              </a:effectLst>
+              <a:latin typeface="Assistant" pitchFamily="2" charset="-79"/>
+              <a:ea typeface="Open Sans" panose="020B0606030504020204" pitchFamily="34" charset="0"/>
+              <a:cs typeface="Assistant" pitchFamily="2" charset="-79"/>
+            </a:endParaRPr>
+          </a:p>
+          <a:p>
+            <a:pPr marL="0" indent="0" algn="ctr">
+              <a:buNone/>
+            </a:pPr>
+            <a:r>
+              <a:rPr lang="en-US" sz="2400" u="sng" dirty="0">
+                <a:solidFill>
+                  <a:schemeClr val="bg1">
+                    <a:lumMod val="85000"/>
+                  </a:schemeClr>
+                </a:solidFill>
+                <a:effectLst>
+                  <a:outerShdw blurRad="50800" dist="38100" dir="2700000" algn="tl" rotWithShape="0">
+                    <a:prstClr val="black">
+                      <a:alpha val="40000"/>
+                    </a:prstClr>
+                  </a:outerShdw>
+                </a:effectLst>
+                <a:latin typeface="Assistant" pitchFamily="2" charset="-79"/>
+                <a:ea typeface="Open Sans" panose="020B0606030504020204" pitchFamily="34" charset="0"/>
+                <a:cs typeface="Assistant" pitchFamily="2" charset="-79"/>
+              </a:rPr>
+              <a:t>Follow Us Online</a:t>
+            </a:r>
+          </a:p>
+          <a:p>
+            <a:pPr marL="0" indent="0" algn="ctr">
+              <a:buNone/>
+            </a:pPr>
+            <a:endParaRPr lang="en-US" sz="2400" u="sng" dirty="0">
+              <a:solidFill>
+                <a:schemeClr val="bg1">
+                  <a:lumMod val="85000"/>
+                </a:schemeClr>
+              </a:solidFill>
+              <a:effectLst>
+                <a:outerShdw blurRad="50800" dist="38100" dir="2700000" algn="tl" rotWithShape="0">
+                  <a:prstClr val="black">
+                    <a:alpha val="40000"/>
+                  </a:prstClr>
+                </a:outerShdw>
+              </a:effectLst>
+              <a:latin typeface="Assistant" pitchFamily="2" charset="-79"/>
+              <a:ea typeface="Open Sans" panose="020B0606030504020204" pitchFamily="34" charset="0"/>
+              <a:cs typeface="Assistant" pitchFamily="2" charset="-79"/>
+            </a:endParaRPr>
+          </a:p>
+          <a:p>
+            <a:pPr marL="0" indent="0" algn="ctr">
+              <a:buNone/>
+            </a:pPr>
+            <a:r>
+              <a:rPr lang="en-US" sz="2000" dirty="0">
+                <a:solidFill>
+                  <a:schemeClr val="bg1">
+                    <a:lumMod val="85000"/>
+                  </a:schemeClr>
+                </a:solidFill>
+                <a:effectLst>
+                  <a:outerShdw blurRad="50800" dist="38100" dir="2700000" algn="tl" rotWithShape="0">
+                    <a:prstClr val="black">
+                      <a:alpha val="40000"/>
+                    </a:prstClr>
+                  </a:outerShdw>
+                </a:effectLst>
+                <a:latin typeface="Assistant" pitchFamily="2" charset="-79"/>
+                <a:ea typeface="Open Sans" panose="020B0606030504020204" pitchFamily="34" charset="0"/>
+                <a:cs typeface="Assistant" pitchFamily="2" charset="-79"/>
+              </a:rPr>
+              <a:t>Facebook:</a:t>
+            </a:r>
+          </a:p>
+          <a:p>
+            <a:pPr marL="0" indent="0" algn="ctr">
+              <a:buNone/>
+            </a:pPr>
+            <a:r>
+              <a:rPr lang="en-US" sz="2000" u="sng" dirty="0">
+                <a:solidFill>
+                  <a:srgbClr val="92D050"/>
+                </a:solidFill>
+                <a:effectLst>
+                  <a:outerShdw blurRad="50800" dist="38100" dir="2700000" algn="tl" rotWithShape="0">
+                    <a:prstClr val="black">
+                      <a:alpha val="40000"/>
+                    </a:prstClr>
+                  </a:outerShdw>
+                </a:effectLst>
+                <a:latin typeface="Assistant" pitchFamily="2" charset="-79"/>
+                <a:cs typeface="Assistant" pitchFamily="2" charset="-79"/>
+              </a:rPr>
+              <a:t>facebook.com/</a:t>
+            </a:r>
+            <a:r>
+              <a:rPr lang="en-US" sz="2000" u="sng" dirty="0" err="1">
+                <a:solidFill>
+                  <a:srgbClr val="92D050"/>
+                </a:solidFill>
+                <a:effectLst>
+                  <a:outerShdw blurRad="50800" dist="38100" dir="2700000" algn="tl" rotWithShape="0">
+                    <a:prstClr val="black">
+                      <a:alpha val="40000"/>
+                    </a:prstClr>
+                  </a:outerShdw>
+                </a:effectLst>
+                <a:latin typeface="Assistant" pitchFamily="2" charset="-79"/>
+                <a:cs typeface="Assistant" pitchFamily="2" charset="-79"/>
+              </a:rPr>
+              <a:t>zarahemlabranch</a:t>
+            </a:r>
+            <a:endParaRPr lang="en-US" sz="2000" u="sng" dirty="0">
+              <a:solidFill>
+                <a:srgbClr val="92D050"/>
+              </a:solidFill>
+              <a:effectLst>
+                <a:outerShdw blurRad="50800" dist="38100" dir="2700000" algn="tl" rotWithShape="0">
+                  <a:prstClr val="black">
+                    <a:alpha val="40000"/>
+                  </a:prstClr>
+                </a:outerShdw>
+              </a:effectLst>
+              <a:latin typeface="Assistant" pitchFamily="2" charset="-79"/>
+              <a:cs typeface="Assistant" pitchFamily="2" charset="-79"/>
+            </a:endParaRPr>
+          </a:p>
+          <a:p>
+            <a:pPr marL="0" indent="0" algn="ctr">
+              <a:buNone/>
+            </a:pPr>
+            <a:endParaRPr lang="en-US" sz="2000" dirty="0">
+              <a:solidFill>
+                <a:schemeClr val="bg1">
+                  <a:lumMod val="85000"/>
+                </a:schemeClr>
+              </a:solidFill>
+              <a:effectLst>
+                <a:outerShdw blurRad="50800" dist="38100" dir="2700000" algn="tl" rotWithShape="0">
+                  <a:prstClr val="black">
+                    <a:alpha val="40000"/>
+                  </a:prstClr>
+                </a:outerShdw>
+              </a:effectLst>
+              <a:latin typeface="Assistant" pitchFamily="2" charset="-79"/>
+              <a:ea typeface="Open Sans" panose="020B0606030504020204" pitchFamily="34" charset="0"/>
+              <a:cs typeface="Assistant" pitchFamily="2" charset="-79"/>
+            </a:endParaRPr>
+          </a:p>
+          <a:p>
+            <a:pPr marL="0" indent="0" algn="ctr">
+              <a:buNone/>
+            </a:pPr>
+            <a:r>
+              <a:rPr lang="en-US" sz="2000" dirty="0">
+                <a:solidFill>
+                  <a:schemeClr val="bg1">
+                    <a:lumMod val="85000"/>
+                  </a:schemeClr>
+                </a:solidFill>
+                <a:effectLst>
+                  <a:outerShdw blurRad="50800" dist="38100" dir="2700000" algn="tl" rotWithShape="0">
+                    <a:prstClr val="black">
+                      <a:alpha val="40000"/>
+                    </a:prstClr>
+                  </a:outerShdw>
+                </a:effectLst>
+                <a:latin typeface="Assistant" pitchFamily="2" charset="-79"/>
+                <a:ea typeface="Open Sans" panose="020B0606030504020204" pitchFamily="34" charset="0"/>
+                <a:cs typeface="Assistant" pitchFamily="2" charset="-79"/>
+              </a:rPr>
+              <a:t>Twitter:</a:t>
+            </a:r>
+          </a:p>
+          <a:p>
+            <a:pPr marL="0" indent="0" algn="ctr">
+              <a:buNone/>
+            </a:pPr>
+            <a:r>
+              <a:rPr lang="en-US" sz="2000" u="sng" dirty="0">
+                <a:solidFill>
+                  <a:srgbClr val="92D050"/>
+                </a:solidFill>
+                <a:effectLst>
+                  <a:outerShdw blurRad="50800" dist="38100" dir="2700000" algn="tl" rotWithShape="0">
+                    <a:prstClr val="black">
+                      <a:alpha val="40000"/>
+                    </a:prstClr>
+                  </a:outerShdw>
+                </a:effectLst>
+                <a:latin typeface="Assistant" pitchFamily="2" charset="-79"/>
+                <a:cs typeface="Assistant" pitchFamily="2" charset="-79"/>
+              </a:rPr>
+              <a:t>twitter.com/</a:t>
+            </a:r>
+            <a:r>
+              <a:rPr lang="en-US" sz="2000" u="sng" dirty="0" err="1">
+                <a:solidFill>
+                  <a:srgbClr val="92D050"/>
+                </a:solidFill>
+                <a:effectLst>
+                  <a:outerShdw blurRad="50800" dist="38100" dir="2700000" algn="tl" rotWithShape="0">
+                    <a:prstClr val="black">
+                      <a:alpha val="40000"/>
+                    </a:prstClr>
+                  </a:outerShdw>
+                </a:effectLst>
+                <a:latin typeface="Assistant" pitchFamily="2" charset="-79"/>
+                <a:cs typeface="Assistant" pitchFamily="2" charset="-79"/>
+              </a:rPr>
+              <a:t>zarahemlabranch</a:t>
+            </a:r>
+            <a:endParaRPr lang="en-US" sz="2000" u="sng" dirty="0">
+              <a:solidFill>
+                <a:srgbClr val="92D050"/>
+              </a:solidFill>
+              <a:effectLst>
+                <a:outerShdw blurRad="50800" dist="38100" dir="2700000" algn="tl" rotWithShape="0">
+                  <a:prstClr val="black">
+                    <a:alpha val="40000"/>
+                  </a:prstClr>
+                </a:outerShdw>
+              </a:effectLst>
+              <a:latin typeface="Assistant" pitchFamily="2" charset="-79"/>
+              <a:cs typeface="Assistant" pitchFamily="2" charset="-79"/>
+            </a:endParaRPr>
+          </a:p>
+          <a:p>
+            <a:pPr marL="0" indent="0" algn="ctr">
+              <a:buNone/>
+            </a:pPr>
+            <a:endParaRPr lang="en-US" sz="2000" dirty="0">
+              <a:solidFill>
+                <a:schemeClr val="bg1">
+                  <a:lumMod val="85000"/>
+                </a:schemeClr>
+              </a:solidFill>
+              <a:effectLst>
+                <a:outerShdw blurRad="50800" dist="38100" dir="2700000" algn="tl" rotWithShape="0">
+                  <a:prstClr val="black">
+                    <a:alpha val="40000"/>
+                  </a:prstClr>
+                </a:outerShdw>
+              </a:effectLst>
+              <a:latin typeface="Assistant" pitchFamily="2" charset="-79"/>
+              <a:ea typeface="Open Sans" panose="020B0606030504020204" pitchFamily="34" charset="0"/>
+              <a:cs typeface="Assistant" pitchFamily="2" charset="-79"/>
+            </a:endParaRPr>
+          </a:p>
+          <a:p>
+            <a:pPr marL="0" indent="0" algn="ctr">
+              <a:buNone/>
+            </a:pPr>
+            <a:r>
+              <a:rPr lang="en-US" sz="2000" dirty="0">
+                <a:solidFill>
+                  <a:schemeClr val="bg1">
+                    <a:lumMod val="85000"/>
+                  </a:schemeClr>
+                </a:solidFill>
+                <a:effectLst>
+                  <a:outerShdw blurRad="50800" dist="38100" dir="2700000" algn="tl" rotWithShape="0">
+                    <a:prstClr val="black">
+                      <a:alpha val="40000"/>
+                    </a:prstClr>
+                  </a:outerShdw>
+                </a:effectLst>
+                <a:latin typeface="Assistant" pitchFamily="2" charset="-79"/>
+                <a:ea typeface="Open Sans" panose="020B0606030504020204" pitchFamily="34" charset="0"/>
+                <a:cs typeface="Assistant" pitchFamily="2" charset="-79"/>
+              </a:rPr>
+              <a:t>Instagram:</a:t>
+            </a:r>
+          </a:p>
+          <a:p>
+            <a:pPr marL="0" indent="0" algn="ctr">
+              <a:buNone/>
+            </a:pPr>
+            <a:r>
+              <a:rPr lang="en-US" sz="2000" u="sng" dirty="0">
+                <a:solidFill>
+                  <a:srgbClr val="92D050"/>
+                </a:solidFill>
+                <a:effectLst>
+                  <a:outerShdw blurRad="50800" dist="38100" dir="2700000" algn="tl" rotWithShape="0">
+                    <a:prstClr val="black">
+                      <a:alpha val="40000"/>
+                    </a:prstClr>
+                  </a:outerShdw>
+                </a:effectLst>
+                <a:latin typeface="Assistant" pitchFamily="2" charset="-79"/>
+                <a:cs typeface="Assistant" pitchFamily="2" charset="-79"/>
+              </a:rPr>
+              <a:t>instagram.com/</a:t>
+            </a:r>
+            <a:r>
+              <a:rPr lang="en-US" sz="2000" u="sng" dirty="0" err="1">
+                <a:solidFill>
+                  <a:srgbClr val="92D050"/>
+                </a:solidFill>
+                <a:effectLst>
+                  <a:outerShdw blurRad="50800" dist="38100" dir="2700000" algn="tl" rotWithShape="0">
+                    <a:prstClr val="black">
+                      <a:alpha val="40000"/>
+                    </a:prstClr>
+                  </a:outerShdw>
+                </a:effectLst>
+                <a:latin typeface="Assistant" pitchFamily="2" charset="-79"/>
+                <a:cs typeface="Assistant" pitchFamily="2" charset="-79"/>
+              </a:rPr>
+              <a:t>zarahemlabranch</a:t>
+            </a:r>
+            <a:endParaRPr lang="en-US" sz="2000" u="sng" dirty="0">
+              <a:solidFill>
+                <a:srgbClr val="92D050"/>
+              </a:solidFill>
+              <a:effectLst>
+                <a:outerShdw blurRad="50800" dist="38100" dir="2700000" algn="tl" rotWithShape="0">
+                  <a:prstClr val="black">
+                    <a:alpha val="40000"/>
+                  </a:prstClr>
+                </a:outerShdw>
+              </a:effectLst>
+              <a:latin typeface="Assistant" pitchFamily="2" charset="-79"/>
+              <a:cs typeface="Assistant" pitchFamily="2" charset="-79"/>
+            </a:endParaRPr>
+          </a:p>
+          <a:p>
+            <a:pPr marL="0" indent="0" algn="ctr">
+              <a:buNone/>
+            </a:pPr>
+            <a:endParaRPr lang="en-US" sz="2000" u="sng" dirty="0">
+              <a:solidFill>
+                <a:schemeClr val="bg1">
+                  <a:lumMod val="85000"/>
+                </a:schemeClr>
+              </a:solidFill>
+              <a:effectLst>
+                <a:outerShdw blurRad="50800" dist="38100" dir="2700000" algn="tl" rotWithShape="0">
+                  <a:prstClr val="black">
+                    <a:alpha val="40000"/>
+                  </a:prstClr>
+                </a:outerShdw>
+              </a:effectLst>
+              <a:latin typeface="Assistant" pitchFamily="2" charset="-79"/>
+              <a:ea typeface="Open Sans" panose="020B0606030504020204" pitchFamily="34" charset="0"/>
+              <a:cs typeface="Assistant" pitchFamily="2" charset="-79"/>
+            </a:endParaRPr>
+          </a:p>
+          <a:p>
+            <a:pPr marL="0" indent="0" algn="ctr">
+              <a:buNone/>
+            </a:pPr>
+            <a:endParaRPr lang="en-US" sz="1600" u="sng" dirty="0">
+              <a:solidFill>
+                <a:srgbClr val="00B0F0"/>
+              </a:solidFill>
+              <a:effectLst>
+                <a:outerShdw blurRad="50800" dist="38100" dir="2700000" algn="tl" rotWithShape="0">
+                  <a:prstClr val="black">
+                    <a:alpha val="40000"/>
+                  </a:prstClr>
+                </a:outerShdw>
+              </a:effectLst>
+              <a:latin typeface="Assistant" pitchFamily="2" charset="-79"/>
+              <a:ea typeface="Open Sans" panose="020B0606030504020204" pitchFamily="34" charset="0"/>
+              <a:cs typeface="Assistant" pitchFamily="2" charset="-79"/>
+            </a:endParaRPr>
+          </a:p>
+        </p:txBody>
+      </p:sp>
+    </p:spTree>
+    <p:extLst>
+      <p:ext uri="{BB962C8B-B14F-4D97-AF65-F5344CB8AC3E}">
+        <p14:creationId xmlns:p14="http://schemas.microsoft.com/office/powerpoint/2010/main" val="3543810718"/>
+      </p:ext>
+    </p:extLst>
+  </p:cSld>
+  <p:clrMapOvr>
+    <a:masterClrMapping/>
+  </p:clrMapOvr>
+</p:sld>
+</file>
+
+<file path=ppt/slides/slide4.xml><?xml version="1.0" encoding="utf-8"?>
+<p:sld xmlns:a="http://schemas.openxmlformats.org/drawingml/2006/main" xmlns:r="http://schemas.openxmlformats.org/officeDocument/2006/relationships" xmlns:p="http://schemas.openxmlformats.org/presentationml/2006/main">
+  <p:cSld>
+    <p:spTree>
+      <p:nvGrpSpPr>
+        <p:cNvPr id="1" name=""/>
+        <p:cNvGrpSpPr/>
+        <p:nvPr/>
+      </p:nvGrpSpPr>
+      <p:grpSpPr>
+        <a:xfrm>
+          <a:off x="0" y="0"/>
+          <a:ext cx="0" cy="0"/>
+          <a:chOff x="0" y="0"/>
+          <a:chExt cx="0" cy="0"/>
+        </a:xfrm>
+      </p:grpSpPr>
+      <p:grpSp>
+        <p:nvGrpSpPr>
+          <p:cNvPr id="6" name="Group 5">
+            <a:extLst>
+              <a:ext uri="{FF2B5EF4-FFF2-40B4-BE49-F238E27FC236}">
+                <a16:creationId xmlns:a16="http://schemas.microsoft.com/office/drawing/2014/main" id="{D17D02E7-3F0D-4273-B382-1CB172C5868F}"/>
+              </a:ext>
+            </a:extLst>
+          </p:cNvPr>
+          <p:cNvGrpSpPr/>
+          <p:nvPr/>
+        </p:nvGrpSpPr>
+        <p:grpSpPr>
+          <a:xfrm>
+            <a:off x="-258896" y="345232"/>
+            <a:ext cx="12709793" cy="597160"/>
+            <a:chOff x="0" y="37322"/>
+            <a:chExt cx="12192000" cy="597160"/>
+          </a:xfrm>
+          <a:effectLst>
+            <a:outerShdw blurRad="50800" dist="38100" dir="2700000" algn="tl" rotWithShape="0">
+              <a:prstClr val="black">
+                <a:alpha val="40000"/>
+              </a:prstClr>
+            </a:outerShdw>
+          </a:effectLst>
+        </p:grpSpPr>
+        <p:sp>
+          <p:nvSpPr>
+            <p:cNvPr id="4" name="Rectangle 3">
+              <a:extLst>
+                <a:ext uri="{FF2B5EF4-FFF2-40B4-BE49-F238E27FC236}">
+                  <a16:creationId xmlns:a16="http://schemas.microsoft.com/office/drawing/2014/main" id="{593D64DA-DCEB-4AA2-B312-515F146861D8}"/>
+                </a:ext>
+              </a:extLst>
+            </p:cNvPr>
+            <p:cNvSpPr/>
+            <p:nvPr/>
+          </p:nvSpPr>
+          <p:spPr>
+            <a:xfrm>
+              <a:off x="0" y="37322"/>
+              <a:ext cx="12192000" cy="597160"/>
+            </a:xfrm>
+            <a:prstGeom prst="rect">
+              <a:avLst/>
+            </a:prstGeom>
+            <a:solidFill>
+              <a:srgbClr val="A99A85"/>
+            </a:solidFill>
+            <a:ln>
+              <a:noFill/>
+            </a:ln>
+          </p:spPr>
+          <p:style>
+            <a:lnRef idx="2">
+              <a:schemeClr val="accent1">
+                <a:shade val="50000"/>
+              </a:schemeClr>
+            </a:lnRef>
+            <a:fillRef idx="1">
+              <a:schemeClr val="accent1"/>
+            </a:fillRef>
+            <a:effectRef idx="0">
+              <a:schemeClr val="accent1"/>
+            </a:effectRef>
+            <a:fontRef idx="minor">
+              <a:schemeClr val="lt1"/>
+            </a:fontRef>
+          </p:style>
+          <p:txBody>
+            <a:bodyPr rtlCol="0" anchor="ctr"/>
+            <a:lstStyle/>
+            <a:p>
+              <a:pPr algn="ctr"/>
+              <a:endParaRPr lang="en-US" sz="2000"/>
+            </a:p>
+          </p:txBody>
+        </p:sp>
+        <p:sp>
+          <p:nvSpPr>
+            <p:cNvPr id="5" name="TextBox 4">
+              <a:extLst>
+                <a:ext uri="{FF2B5EF4-FFF2-40B4-BE49-F238E27FC236}">
+                  <a16:creationId xmlns:a16="http://schemas.microsoft.com/office/drawing/2014/main" id="{7F6F85FF-5065-4709-8C26-12A905611F7A}"/>
+                </a:ext>
+              </a:extLst>
+            </p:cNvPr>
+            <p:cNvSpPr txBox="1"/>
+            <p:nvPr/>
+          </p:nvSpPr>
+          <p:spPr>
+            <a:xfrm>
+              <a:off x="2475722" y="90521"/>
+              <a:ext cx="7240556" cy="523220"/>
+            </a:xfrm>
+            <a:prstGeom prst="rect">
+              <a:avLst/>
+            </a:prstGeom>
+            <a:noFill/>
+          </p:spPr>
+          <p:txBody>
+            <a:bodyPr wrap="square" rtlCol="0" anchor="ctr">
+              <a:spAutoFit/>
+            </a:bodyPr>
+            <a:lstStyle/>
+            <a:p>
+              <a:pPr algn="ctr"/>
+              <a:r>
+                <a:rPr lang="en-US" sz="2800" dirty="0">
+                  <a:latin typeface="Pristina" panose="03060402040406080204" pitchFamily="66" charset="0"/>
+                </a:rPr>
+                <a:t>Zarahemla Branch</a:t>
+              </a:r>
+            </a:p>
+          </p:txBody>
+        </p:sp>
+      </p:grpSp>
+      <p:sp>
+        <p:nvSpPr>
+          <p:cNvPr id="9" name="Content Placeholder 8">
+            <a:extLst>
+              <a:ext uri="{FF2B5EF4-FFF2-40B4-BE49-F238E27FC236}">
+                <a16:creationId xmlns:a16="http://schemas.microsoft.com/office/drawing/2014/main" id="{86B58BAA-1EBC-4E6E-80D7-CA6A89DE4AB8}"/>
+              </a:ext>
+            </a:extLst>
+          </p:cNvPr>
+          <p:cNvSpPr>
+            <a:spLocks noGrp="1"/>
+          </p:cNvSpPr>
+          <p:nvPr>
+            <p:ph sz="half" idx="1"/>
+          </p:nvPr>
+        </p:nvSpPr>
+        <p:spPr>
+          <a:xfrm>
+            <a:off x="838200" y="1315619"/>
+            <a:ext cx="5181600" cy="5066620"/>
+          </a:xfrm>
+        </p:spPr>
+        <p:txBody>
+          <a:bodyPr anchor="ctr">
+            <a:normAutofit/>
+          </a:bodyPr>
+          <a:lstStyle/>
+          <a:p>
+            <a:pPr marL="0" indent="0" algn="ctr">
+              <a:buNone/>
+            </a:pPr>
+            <a:r>
+              <a:rPr lang="en-US" sz="2400" dirty="0">
+                <a:solidFill>
+                  <a:schemeClr val="bg1">
+                    <a:lumMod val="85000"/>
+                  </a:schemeClr>
+                </a:solidFill>
+                <a:effectLst>
+                  <a:outerShdw blurRad="50800" dist="38100" dir="2700000" algn="tl" rotWithShape="0">
+                    <a:prstClr val="black">
+                      <a:alpha val="40000"/>
+                    </a:prstClr>
+                  </a:outerShdw>
+                </a:effectLst>
+                <a:latin typeface="Assistant" pitchFamily="2" charset="-79"/>
+                <a:ea typeface="Open Sans" panose="020B0606030504020204" pitchFamily="34" charset="0"/>
+                <a:cs typeface="Assistant" pitchFamily="2" charset="-79"/>
+              </a:rPr>
+              <a:t>We are offline due to a </a:t>
+            </a:r>
+          </a:p>
+          <a:p>
+            <a:pPr marL="0" indent="0" algn="ctr">
+              <a:buNone/>
+            </a:pPr>
+            <a:r>
+              <a:rPr lang="en-US" sz="2400" dirty="0">
+                <a:solidFill>
+                  <a:schemeClr val="bg1">
+                    <a:lumMod val="85000"/>
+                  </a:schemeClr>
+                </a:solidFill>
+                <a:effectLst>
+                  <a:outerShdw blurRad="50800" dist="38100" dir="2700000" algn="tl" rotWithShape="0">
+                    <a:prstClr val="black">
+                      <a:alpha val="40000"/>
+                    </a:prstClr>
+                  </a:outerShdw>
+                </a:effectLst>
+                <a:latin typeface="Assistant" pitchFamily="2" charset="-79"/>
+                <a:ea typeface="Open Sans" panose="020B0606030504020204" pitchFamily="34" charset="0"/>
+                <a:cs typeface="Assistant" pitchFamily="2" charset="-79"/>
+              </a:rPr>
+              <a:t>power outage.</a:t>
+            </a:r>
+          </a:p>
+          <a:p>
+            <a:pPr marL="0" indent="0" algn="ctr">
+              <a:buNone/>
+            </a:pPr>
+            <a:endParaRPr lang="en-US" sz="2400" dirty="0">
+              <a:solidFill>
+                <a:schemeClr val="bg1">
+                  <a:lumMod val="85000"/>
+                </a:schemeClr>
+              </a:solidFill>
+              <a:effectLst>
+                <a:outerShdw blurRad="50800" dist="38100" dir="2700000" algn="tl" rotWithShape="0">
+                  <a:prstClr val="black">
+                    <a:alpha val="40000"/>
+                  </a:prstClr>
+                </a:outerShdw>
+              </a:effectLst>
+              <a:latin typeface="Assistant" pitchFamily="2" charset="-79"/>
+              <a:ea typeface="Open Sans" panose="020B0606030504020204" pitchFamily="34" charset="0"/>
+              <a:cs typeface="Assistant" pitchFamily="2" charset="-79"/>
+            </a:endParaRPr>
+          </a:p>
+          <a:p>
+            <a:pPr marL="0" indent="0" algn="ctr">
+              <a:buNone/>
+            </a:pPr>
+            <a:r>
+              <a:rPr lang="en-US" sz="2400" dirty="0">
+                <a:solidFill>
+                  <a:schemeClr val="bg1">
+                    <a:lumMod val="85000"/>
+                  </a:schemeClr>
+                </a:solidFill>
+                <a:effectLst>
+                  <a:outerShdw blurRad="50800" dist="38100" dir="2700000" algn="tl" rotWithShape="0">
+                    <a:prstClr val="black">
+                      <a:alpha val="40000"/>
+                    </a:prstClr>
+                  </a:outerShdw>
+                </a:effectLst>
+                <a:latin typeface="Assistant" pitchFamily="2" charset="-79"/>
+                <a:ea typeface="Open Sans" panose="020B0606030504020204" pitchFamily="34" charset="0"/>
+                <a:cs typeface="Assistant" pitchFamily="2" charset="-79"/>
+              </a:rPr>
+              <a:t>We will attempt to come back</a:t>
+            </a:r>
+          </a:p>
+          <a:p>
+            <a:pPr marL="0" indent="0" algn="ctr">
+              <a:buNone/>
+            </a:pPr>
+            <a:r>
+              <a:rPr lang="en-US" sz="2400" dirty="0">
+                <a:solidFill>
+                  <a:schemeClr val="bg1">
+                    <a:lumMod val="85000"/>
+                  </a:schemeClr>
+                </a:solidFill>
+                <a:effectLst>
+                  <a:outerShdw blurRad="50800" dist="38100" dir="2700000" algn="tl" rotWithShape="0">
+                    <a:prstClr val="black">
+                      <a:alpha val="40000"/>
+                    </a:prstClr>
+                  </a:outerShdw>
+                </a:effectLst>
+                <a:latin typeface="Assistant" pitchFamily="2" charset="-79"/>
+                <a:ea typeface="Open Sans" panose="020B0606030504020204" pitchFamily="34" charset="0"/>
+                <a:cs typeface="Assistant" pitchFamily="2" charset="-79"/>
+              </a:rPr>
+              <a:t>as soon as possible. </a:t>
             </a:r>
           </a:p>
         </p:txBody>
@@ -5739,7 +6464,7 @@
     </p:spTree>
     <p:extLst>
       <p:ext uri="{BB962C8B-B14F-4D97-AF65-F5344CB8AC3E}">
-        <p14:creationId xmlns:p14="http://schemas.microsoft.com/office/powerpoint/2010/main" val="3543810718"/>
+        <p14:creationId xmlns:p14="http://schemas.microsoft.com/office/powerpoint/2010/main" val="2554707934"/>
       </p:ext>
     </p:extLst>
   </p:cSld>
